--- a/Presentation2.pptx
+++ b/Presentation2.pptx
@@ -8,9 +8,8 @@
     <p:sldId id="256" r:id="rId2"/>
     <p:sldId id="257" r:id="rId3"/>
     <p:sldId id="258" r:id="rId4"/>
-    <p:sldId id="259" r:id="rId5"/>
-    <p:sldId id="260" r:id="rId6"/>
-    <p:sldId id="261" r:id="rId7"/>
+    <p:sldId id="260" r:id="rId5"/>
+    <p:sldId id="261" r:id="rId6"/>
   </p:sldIdLst>
   <p:sldSz cx="12192000" cy="6858000"/>
   <p:notesSz cx="6858000" cy="9144000"/>
@@ -1786,753 +1785,6 @@
 </file>
 
 <file path=ppt/diagrams/colors3.xml><?xml version="1.0" encoding="utf-8"?>
-<dgm:colorsDef xmlns:dgm="http://schemas.openxmlformats.org/drawingml/2006/diagram" xmlns:a="http://schemas.openxmlformats.org/drawingml/2006/main" uniqueId="urn:microsoft.com/office/officeart/2005/8/colors/accent2_2">
-  <dgm:title val=""/>
-  <dgm:desc val=""/>
-  <dgm:catLst>
-    <dgm:cat type="accent2" pri="11200"/>
-  </dgm:catLst>
-  <dgm:styleLbl name="node0">
-    <dgm:fillClrLst meth="repeat">
-      <a:schemeClr val="accent2"/>
-    </dgm:fillClrLst>
-    <dgm:linClrLst meth="repeat">
-      <a:schemeClr val="lt1"/>
-    </dgm:linClrLst>
-    <dgm:effectClrLst/>
-    <dgm:txLinClrLst/>
-    <dgm:txFillClrLst/>
-    <dgm:txEffectClrLst/>
-  </dgm:styleLbl>
-  <dgm:styleLbl name="node1">
-    <dgm:fillClrLst meth="repeat">
-      <a:schemeClr val="accent2"/>
-    </dgm:fillClrLst>
-    <dgm:linClrLst meth="repeat">
-      <a:schemeClr val="lt1"/>
-    </dgm:linClrLst>
-    <dgm:effectClrLst/>
-    <dgm:txLinClrLst/>
-    <dgm:txFillClrLst/>
-    <dgm:txEffectClrLst/>
-  </dgm:styleLbl>
-  <dgm:styleLbl name="alignNode1">
-    <dgm:fillClrLst meth="repeat">
-      <a:schemeClr val="accent2"/>
-    </dgm:fillClrLst>
-    <dgm:linClrLst meth="repeat">
-      <a:schemeClr val="accent2"/>
-    </dgm:linClrLst>
-    <dgm:effectClrLst/>
-    <dgm:txLinClrLst/>
-    <dgm:txFillClrLst/>
-    <dgm:txEffectClrLst/>
-  </dgm:styleLbl>
-  <dgm:styleLbl name="lnNode1">
-    <dgm:fillClrLst meth="repeat">
-      <a:schemeClr val="accent2"/>
-    </dgm:fillClrLst>
-    <dgm:linClrLst meth="repeat">
-      <a:schemeClr val="lt1"/>
-    </dgm:linClrLst>
-    <dgm:effectClrLst/>
-    <dgm:txLinClrLst/>
-    <dgm:txFillClrLst/>
-    <dgm:txEffectClrLst/>
-  </dgm:styleLbl>
-  <dgm:styleLbl name="vennNode1">
-    <dgm:fillClrLst meth="repeat">
-      <a:schemeClr val="accent2">
-        <a:alpha val="50000"/>
-      </a:schemeClr>
-    </dgm:fillClrLst>
-    <dgm:linClrLst meth="repeat">
-      <a:schemeClr val="lt1"/>
-    </dgm:linClrLst>
-    <dgm:effectClrLst/>
-    <dgm:txLinClrLst/>
-    <dgm:txFillClrLst/>
-    <dgm:txEffectClrLst/>
-  </dgm:styleLbl>
-  <dgm:styleLbl name="node2">
-    <dgm:fillClrLst meth="repeat">
-      <a:schemeClr val="accent2"/>
-    </dgm:fillClrLst>
-    <dgm:linClrLst meth="repeat">
-      <a:schemeClr val="lt1"/>
-    </dgm:linClrLst>
-    <dgm:effectClrLst/>
-    <dgm:txLinClrLst/>
-    <dgm:txFillClrLst/>
-    <dgm:txEffectClrLst/>
-  </dgm:styleLbl>
-  <dgm:styleLbl name="node3">
-    <dgm:fillClrLst meth="repeat">
-      <a:schemeClr val="accent2"/>
-    </dgm:fillClrLst>
-    <dgm:linClrLst meth="repeat">
-      <a:schemeClr val="lt1"/>
-    </dgm:linClrLst>
-    <dgm:effectClrLst/>
-    <dgm:txLinClrLst/>
-    <dgm:txFillClrLst/>
-    <dgm:txEffectClrLst/>
-  </dgm:styleLbl>
-  <dgm:styleLbl name="node4">
-    <dgm:fillClrLst meth="repeat">
-      <a:schemeClr val="accent2"/>
-    </dgm:fillClrLst>
-    <dgm:linClrLst meth="repeat">
-      <a:schemeClr val="lt1"/>
-    </dgm:linClrLst>
-    <dgm:effectClrLst/>
-    <dgm:txLinClrLst/>
-    <dgm:txFillClrLst/>
-    <dgm:txEffectClrLst/>
-  </dgm:styleLbl>
-  <dgm:styleLbl name="fgImgPlace1">
-    <dgm:fillClrLst meth="repeat">
-      <a:schemeClr val="accent2">
-        <a:tint val="50000"/>
-      </a:schemeClr>
-    </dgm:fillClrLst>
-    <dgm:linClrLst meth="repeat">
-      <a:schemeClr val="lt1"/>
-    </dgm:linClrLst>
-    <dgm:effectClrLst/>
-    <dgm:txLinClrLst/>
-    <dgm:txFillClrLst meth="repeat">
-      <a:schemeClr val="lt1"/>
-    </dgm:txFillClrLst>
-    <dgm:txEffectClrLst/>
-  </dgm:styleLbl>
-  <dgm:styleLbl name="alignImgPlace1">
-    <dgm:fillClrLst meth="repeat">
-      <a:schemeClr val="accent2">
-        <a:tint val="50000"/>
-      </a:schemeClr>
-    </dgm:fillClrLst>
-    <dgm:linClrLst meth="repeat">
-      <a:schemeClr val="lt1"/>
-    </dgm:linClrLst>
-    <dgm:effectClrLst/>
-    <dgm:txLinClrLst/>
-    <dgm:txFillClrLst meth="repeat">
-      <a:schemeClr val="lt1"/>
-    </dgm:txFillClrLst>
-    <dgm:txEffectClrLst/>
-  </dgm:styleLbl>
-  <dgm:styleLbl name="bgImgPlace1">
-    <dgm:fillClrLst meth="repeat">
-      <a:schemeClr val="accent2">
-        <a:tint val="50000"/>
-      </a:schemeClr>
-    </dgm:fillClrLst>
-    <dgm:linClrLst meth="repeat">
-      <a:schemeClr val="lt1"/>
-    </dgm:linClrLst>
-    <dgm:effectClrLst/>
-    <dgm:txLinClrLst/>
-    <dgm:txFillClrLst meth="repeat">
-      <a:schemeClr val="lt1"/>
-    </dgm:txFillClrLst>
-    <dgm:txEffectClrLst/>
-  </dgm:styleLbl>
-  <dgm:styleLbl name="sibTrans2D1">
-    <dgm:fillClrLst meth="repeat">
-      <a:schemeClr val="accent2">
-        <a:tint val="60000"/>
-      </a:schemeClr>
-    </dgm:fillClrLst>
-    <dgm:linClrLst meth="repeat">
-      <a:schemeClr val="accent2">
-        <a:tint val="60000"/>
-      </a:schemeClr>
-    </dgm:linClrLst>
-    <dgm:effectClrLst/>
-    <dgm:txLinClrLst/>
-    <dgm:txFillClrLst/>
-    <dgm:txEffectClrLst/>
-  </dgm:styleLbl>
-  <dgm:styleLbl name="fgSibTrans2D1">
-    <dgm:fillClrLst meth="repeat">
-      <a:schemeClr val="accent2">
-        <a:tint val="60000"/>
-      </a:schemeClr>
-    </dgm:fillClrLst>
-    <dgm:linClrLst meth="repeat">
-      <a:schemeClr val="accent2">
-        <a:tint val="60000"/>
-      </a:schemeClr>
-    </dgm:linClrLst>
-    <dgm:effectClrLst/>
-    <dgm:txLinClrLst/>
-    <dgm:txFillClrLst/>
-    <dgm:txEffectClrLst/>
-  </dgm:styleLbl>
-  <dgm:styleLbl name="bgSibTrans2D1">
-    <dgm:fillClrLst meth="repeat">
-      <a:schemeClr val="accent2">
-        <a:tint val="60000"/>
-      </a:schemeClr>
-    </dgm:fillClrLst>
-    <dgm:linClrLst meth="repeat">
-      <a:schemeClr val="accent2">
-        <a:tint val="60000"/>
-      </a:schemeClr>
-    </dgm:linClrLst>
-    <dgm:effectClrLst/>
-    <dgm:txLinClrLst/>
-    <dgm:txFillClrLst/>
-    <dgm:txEffectClrLst/>
-  </dgm:styleLbl>
-  <dgm:styleLbl name="sibTrans1D1">
-    <dgm:fillClrLst meth="repeat">
-      <a:schemeClr val="accent2"/>
-    </dgm:fillClrLst>
-    <dgm:linClrLst meth="repeat">
-      <a:schemeClr val="accent2"/>
-    </dgm:linClrLst>
-    <dgm:effectClrLst/>
-    <dgm:txLinClrLst/>
-    <dgm:txFillClrLst meth="repeat">
-      <a:schemeClr val="tx1"/>
-    </dgm:txFillClrLst>
-    <dgm:txEffectClrLst/>
-  </dgm:styleLbl>
-  <dgm:styleLbl name="callout">
-    <dgm:fillClrLst meth="repeat">
-      <a:schemeClr val="accent2"/>
-    </dgm:fillClrLst>
-    <dgm:linClrLst meth="repeat">
-      <a:schemeClr val="accent2">
-        <a:tint val="50000"/>
-      </a:schemeClr>
-    </dgm:linClrLst>
-    <dgm:effectClrLst/>
-    <dgm:txLinClrLst/>
-    <dgm:txFillClrLst meth="repeat">
-      <a:schemeClr val="tx1"/>
-    </dgm:txFillClrLst>
-    <dgm:txEffectClrLst/>
-  </dgm:styleLbl>
-  <dgm:styleLbl name="asst0">
-    <dgm:fillClrLst meth="repeat">
-      <a:schemeClr val="accent2"/>
-    </dgm:fillClrLst>
-    <dgm:linClrLst meth="repeat">
-      <a:schemeClr val="lt1"/>
-    </dgm:linClrLst>
-    <dgm:effectClrLst/>
-    <dgm:txLinClrLst/>
-    <dgm:txFillClrLst/>
-    <dgm:txEffectClrLst/>
-  </dgm:styleLbl>
-  <dgm:styleLbl name="asst1">
-    <dgm:fillClrLst meth="repeat">
-      <a:schemeClr val="accent2"/>
-    </dgm:fillClrLst>
-    <dgm:linClrLst meth="repeat">
-      <a:schemeClr val="lt1"/>
-    </dgm:linClrLst>
-    <dgm:effectClrLst/>
-    <dgm:txLinClrLst/>
-    <dgm:txFillClrLst/>
-    <dgm:txEffectClrLst/>
-  </dgm:styleLbl>
-  <dgm:styleLbl name="asst2">
-    <dgm:fillClrLst meth="repeat">
-      <a:schemeClr val="accent2"/>
-    </dgm:fillClrLst>
-    <dgm:linClrLst meth="repeat">
-      <a:schemeClr val="lt1"/>
-    </dgm:linClrLst>
-    <dgm:effectClrLst/>
-    <dgm:txLinClrLst/>
-    <dgm:txFillClrLst/>
-    <dgm:txEffectClrLst/>
-  </dgm:styleLbl>
-  <dgm:styleLbl name="asst3">
-    <dgm:fillClrLst meth="repeat">
-      <a:schemeClr val="accent2"/>
-    </dgm:fillClrLst>
-    <dgm:linClrLst meth="repeat">
-      <a:schemeClr val="lt1"/>
-    </dgm:linClrLst>
-    <dgm:effectClrLst/>
-    <dgm:txLinClrLst/>
-    <dgm:txFillClrLst/>
-    <dgm:txEffectClrLst/>
-  </dgm:styleLbl>
-  <dgm:styleLbl name="asst4">
-    <dgm:fillClrLst meth="repeat">
-      <a:schemeClr val="accent2"/>
-    </dgm:fillClrLst>
-    <dgm:linClrLst meth="repeat">
-      <a:schemeClr val="lt1"/>
-    </dgm:linClrLst>
-    <dgm:effectClrLst/>
-    <dgm:txLinClrLst/>
-    <dgm:txFillClrLst/>
-    <dgm:txEffectClrLst/>
-  </dgm:styleLbl>
-  <dgm:styleLbl name="parChTrans2D1">
-    <dgm:fillClrLst meth="repeat">
-      <a:schemeClr val="accent2">
-        <a:tint val="60000"/>
-      </a:schemeClr>
-    </dgm:fillClrLst>
-    <dgm:linClrLst meth="repeat">
-      <a:schemeClr val="accent2">
-        <a:tint val="60000"/>
-      </a:schemeClr>
-    </dgm:linClrLst>
-    <dgm:effectClrLst/>
-    <dgm:txLinClrLst/>
-    <dgm:txFillClrLst meth="repeat">
-      <a:schemeClr val="lt1"/>
-    </dgm:txFillClrLst>
-    <dgm:txEffectClrLst/>
-  </dgm:styleLbl>
-  <dgm:styleLbl name="parChTrans2D2">
-    <dgm:fillClrLst meth="repeat">
-      <a:schemeClr val="accent2"/>
-    </dgm:fillClrLst>
-    <dgm:linClrLst meth="repeat">
-      <a:schemeClr val="accent2"/>
-    </dgm:linClrLst>
-    <dgm:effectClrLst/>
-    <dgm:txLinClrLst/>
-    <dgm:txFillClrLst meth="repeat">
-      <a:schemeClr val="lt1"/>
-    </dgm:txFillClrLst>
-    <dgm:txEffectClrLst/>
-  </dgm:styleLbl>
-  <dgm:styleLbl name="parChTrans2D3">
-    <dgm:fillClrLst meth="repeat">
-      <a:schemeClr val="accent2"/>
-    </dgm:fillClrLst>
-    <dgm:linClrLst meth="repeat">
-      <a:schemeClr val="accent2"/>
-    </dgm:linClrLst>
-    <dgm:effectClrLst/>
-    <dgm:txLinClrLst/>
-    <dgm:txFillClrLst meth="repeat">
-      <a:schemeClr val="lt1"/>
-    </dgm:txFillClrLst>
-    <dgm:txEffectClrLst/>
-  </dgm:styleLbl>
-  <dgm:styleLbl name="parChTrans2D4">
-    <dgm:fillClrLst meth="repeat">
-      <a:schemeClr val="accent2"/>
-    </dgm:fillClrLst>
-    <dgm:linClrLst meth="repeat">
-      <a:schemeClr val="accent2"/>
-    </dgm:linClrLst>
-    <dgm:effectClrLst/>
-    <dgm:txLinClrLst/>
-    <dgm:txFillClrLst meth="repeat">
-      <a:schemeClr val="lt1"/>
-    </dgm:txFillClrLst>
-    <dgm:txEffectClrLst/>
-  </dgm:styleLbl>
-  <dgm:styleLbl name="parChTrans1D1">
-    <dgm:fillClrLst meth="repeat">
-      <a:schemeClr val="accent2"/>
-    </dgm:fillClrLst>
-    <dgm:linClrLst meth="repeat">
-      <a:schemeClr val="accent2">
-        <a:shade val="60000"/>
-      </a:schemeClr>
-    </dgm:linClrLst>
-    <dgm:effectClrLst/>
-    <dgm:txLinClrLst/>
-    <dgm:txFillClrLst meth="repeat">
-      <a:schemeClr val="tx1"/>
-    </dgm:txFillClrLst>
-    <dgm:txEffectClrLst/>
-  </dgm:styleLbl>
-  <dgm:styleLbl name="parChTrans1D2">
-    <dgm:fillClrLst meth="repeat">
-      <a:schemeClr val="accent2"/>
-    </dgm:fillClrLst>
-    <dgm:linClrLst meth="repeat">
-      <a:schemeClr val="accent2">
-        <a:shade val="60000"/>
-      </a:schemeClr>
-    </dgm:linClrLst>
-    <dgm:effectClrLst/>
-    <dgm:txLinClrLst/>
-    <dgm:txFillClrLst meth="repeat">
-      <a:schemeClr val="tx1"/>
-    </dgm:txFillClrLst>
-    <dgm:txEffectClrLst/>
-  </dgm:styleLbl>
-  <dgm:styleLbl name="parChTrans1D3">
-    <dgm:fillClrLst meth="repeat">
-      <a:schemeClr val="accent2"/>
-    </dgm:fillClrLst>
-    <dgm:linClrLst meth="repeat">
-      <a:schemeClr val="accent2">
-        <a:shade val="80000"/>
-      </a:schemeClr>
-    </dgm:linClrLst>
-    <dgm:effectClrLst/>
-    <dgm:txLinClrLst/>
-    <dgm:txFillClrLst meth="repeat">
-      <a:schemeClr val="tx1"/>
-    </dgm:txFillClrLst>
-    <dgm:txEffectClrLst/>
-  </dgm:styleLbl>
-  <dgm:styleLbl name="parChTrans1D4">
-    <dgm:fillClrLst meth="repeat">
-      <a:schemeClr val="accent2"/>
-    </dgm:fillClrLst>
-    <dgm:linClrLst meth="repeat">
-      <a:schemeClr val="accent2">
-        <a:shade val="80000"/>
-      </a:schemeClr>
-    </dgm:linClrLst>
-    <dgm:effectClrLst/>
-    <dgm:txLinClrLst/>
-    <dgm:txFillClrLst meth="repeat">
-      <a:schemeClr val="tx1"/>
-    </dgm:txFillClrLst>
-    <dgm:txEffectClrLst/>
-  </dgm:styleLbl>
-  <dgm:styleLbl name="fgAcc1">
-    <dgm:fillClrLst meth="repeat">
-      <a:schemeClr val="lt1">
-        <a:alpha val="90000"/>
-      </a:schemeClr>
-    </dgm:fillClrLst>
-    <dgm:linClrLst meth="repeat">
-      <a:schemeClr val="accent2"/>
-    </dgm:linClrLst>
-    <dgm:effectClrLst/>
-    <dgm:txLinClrLst/>
-    <dgm:txFillClrLst meth="repeat">
-      <a:schemeClr val="dk1"/>
-    </dgm:txFillClrLst>
-    <dgm:txEffectClrLst/>
-  </dgm:styleLbl>
-  <dgm:styleLbl name="conFgAcc1">
-    <dgm:fillClrLst meth="repeat">
-      <a:schemeClr val="lt1">
-        <a:alpha val="90000"/>
-      </a:schemeClr>
-    </dgm:fillClrLst>
-    <dgm:linClrLst meth="repeat">
-      <a:schemeClr val="accent2"/>
-    </dgm:linClrLst>
-    <dgm:effectClrLst/>
-    <dgm:txLinClrLst/>
-    <dgm:txFillClrLst meth="repeat">
-      <a:schemeClr val="dk1"/>
-    </dgm:txFillClrLst>
-    <dgm:txEffectClrLst/>
-  </dgm:styleLbl>
-  <dgm:styleLbl name="alignAcc1">
-    <dgm:fillClrLst meth="repeat">
-      <a:schemeClr val="lt1">
-        <a:alpha val="90000"/>
-      </a:schemeClr>
-    </dgm:fillClrLst>
-    <dgm:linClrLst meth="repeat">
-      <a:schemeClr val="accent2"/>
-    </dgm:linClrLst>
-    <dgm:effectClrLst/>
-    <dgm:txLinClrLst/>
-    <dgm:txFillClrLst meth="repeat">
-      <a:schemeClr val="dk1"/>
-    </dgm:txFillClrLst>
-    <dgm:txEffectClrLst/>
-  </dgm:styleLbl>
-  <dgm:styleLbl name="trAlignAcc1">
-    <dgm:fillClrLst meth="repeat">
-      <a:schemeClr val="lt1">
-        <a:alpha val="40000"/>
-      </a:schemeClr>
-    </dgm:fillClrLst>
-    <dgm:linClrLst meth="repeat">
-      <a:schemeClr val="accent2"/>
-    </dgm:linClrLst>
-    <dgm:effectClrLst/>
-    <dgm:txLinClrLst/>
-    <dgm:txFillClrLst meth="repeat">
-      <a:schemeClr val="dk1"/>
-    </dgm:txFillClrLst>
-    <dgm:txEffectClrLst/>
-  </dgm:styleLbl>
-  <dgm:styleLbl name="bgAcc1">
-    <dgm:fillClrLst meth="repeat">
-      <a:schemeClr val="lt1">
-        <a:alpha val="90000"/>
-      </a:schemeClr>
-    </dgm:fillClrLst>
-    <dgm:linClrLst meth="repeat">
-      <a:schemeClr val="accent2"/>
-    </dgm:linClrLst>
-    <dgm:effectClrLst/>
-    <dgm:txLinClrLst/>
-    <dgm:txFillClrLst meth="repeat">
-      <a:schemeClr val="dk1"/>
-    </dgm:txFillClrLst>
-    <dgm:txEffectClrLst/>
-  </dgm:styleLbl>
-  <dgm:styleLbl name="solidFgAcc1">
-    <dgm:fillClrLst meth="repeat">
-      <a:schemeClr val="lt1"/>
-    </dgm:fillClrLst>
-    <dgm:linClrLst meth="repeat">
-      <a:schemeClr val="accent2"/>
-    </dgm:linClrLst>
-    <dgm:effectClrLst/>
-    <dgm:txLinClrLst/>
-    <dgm:txFillClrLst meth="repeat">
-      <a:schemeClr val="dk1"/>
-    </dgm:txFillClrLst>
-    <dgm:txEffectClrLst/>
-  </dgm:styleLbl>
-  <dgm:styleLbl name="solidAlignAcc1">
-    <dgm:fillClrLst meth="repeat">
-      <a:schemeClr val="lt1"/>
-    </dgm:fillClrLst>
-    <dgm:linClrLst meth="repeat">
-      <a:schemeClr val="accent2"/>
-    </dgm:linClrLst>
-    <dgm:effectClrLst/>
-    <dgm:txLinClrLst/>
-    <dgm:txFillClrLst meth="repeat">
-      <a:schemeClr val="dk1"/>
-    </dgm:txFillClrLst>
-    <dgm:txEffectClrLst/>
-  </dgm:styleLbl>
-  <dgm:styleLbl name="solidBgAcc1">
-    <dgm:fillClrLst meth="repeat">
-      <a:schemeClr val="lt1"/>
-    </dgm:fillClrLst>
-    <dgm:linClrLst meth="repeat">
-      <a:schemeClr val="accent2"/>
-    </dgm:linClrLst>
-    <dgm:effectClrLst/>
-    <dgm:txLinClrLst/>
-    <dgm:txFillClrLst meth="repeat">
-      <a:schemeClr val="dk1"/>
-    </dgm:txFillClrLst>
-    <dgm:txEffectClrLst/>
-  </dgm:styleLbl>
-  <dgm:styleLbl name="fgAccFollowNode1">
-    <dgm:fillClrLst meth="repeat">
-      <a:schemeClr val="accent2">
-        <a:alpha val="90000"/>
-        <a:tint val="40000"/>
-      </a:schemeClr>
-    </dgm:fillClrLst>
-    <dgm:linClrLst meth="repeat">
-      <a:schemeClr val="accent2">
-        <a:alpha val="90000"/>
-        <a:tint val="40000"/>
-      </a:schemeClr>
-    </dgm:linClrLst>
-    <dgm:effectClrLst/>
-    <dgm:txLinClrLst/>
-    <dgm:txFillClrLst meth="repeat">
-      <a:schemeClr val="dk1"/>
-    </dgm:txFillClrLst>
-    <dgm:txEffectClrLst/>
-  </dgm:styleLbl>
-  <dgm:styleLbl name="alignAccFollowNode1">
-    <dgm:fillClrLst meth="repeat">
-      <a:schemeClr val="accent2">
-        <a:alpha val="90000"/>
-        <a:tint val="40000"/>
-      </a:schemeClr>
-    </dgm:fillClrLst>
-    <dgm:linClrLst meth="repeat">
-      <a:schemeClr val="accent2">
-        <a:alpha val="90000"/>
-        <a:tint val="40000"/>
-      </a:schemeClr>
-    </dgm:linClrLst>
-    <dgm:effectClrLst/>
-    <dgm:txLinClrLst/>
-    <dgm:txFillClrLst meth="repeat">
-      <a:schemeClr val="dk1"/>
-    </dgm:txFillClrLst>
-    <dgm:txEffectClrLst/>
-  </dgm:styleLbl>
-  <dgm:styleLbl name="bgAccFollowNode1">
-    <dgm:fillClrLst meth="repeat">
-      <a:schemeClr val="accent2">
-        <a:alpha val="90000"/>
-        <a:tint val="40000"/>
-      </a:schemeClr>
-    </dgm:fillClrLst>
-    <dgm:linClrLst meth="repeat">
-      <a:schemeClr val="accent2">
-        <a:alpha val="90000"/>
-        <a:tint val="40000"/>
-      </a:schemeClr>
-    </dgm:linClrLst>
-    <dgm:effectClrLst/>
-    <dgm:txLinClrLst/>
-    <dgm:txFillClrLst meth="repeat">
-      <a:schemeClr val="dk1"/>
-    </dgm:txFillClrLst>
-    <dgm:txEffectClrLst/>
-  </dgm:styleLbl>
-  <dgm:styleLbl name="fgAcc0">
-    <dgm:fillClrLst meth="repeat">
-      <a:schemeClr val="lt1">
-        <a:alpha val="90000"/>
-      </a:schemeClr>
-    </dgm:fillClrLst>
-    <dgm:linClrLst meth="repeat">
-      <a:schemeClr val="accent2"/>
-    </dgm:linClrLst>
-    <dgm:effectClrLst/>
-    <dgm:txLinClrLst/>
-    <dgm:txFillClrLst meth="repeat">
-      <a:schemeClr val="dk1"/>
-    </dgm:txFillClrLst>
-    <dgm:txEffectClrLst/>
-  </dgm:styleLbl>
-  <dgm:styleLbl name="fgAcc2">
-    <dgm:fillClrLst meth="repeat">
-      <a:schemeClr val="lt1">
-        <a:alpha val="90000"/>
-      </a:schemeClr>
-    </dgm:fillClrLst>
-    <dgm:linClrLst meth="repeat">
-      <a:schemeClr val="accent2"/>
-    </dgm:linClrLst>
-    <dgm:effectClrLst/>
-    <dgm:txLinClrLst/>
-    <dgm:txFillClrLst meth="repeat">
-      <a:schemeClr val="dk1"/>
-    </dgm:txFillClrLst>
-    <dgm:txEffectClrLst/>
-  </dgm:styleLbl>
-  <dgm:styleLbl name="fgAcc3">
-    <dgm:fillClrLst meth="repeat">
-      <a:schemeClr val="lt1">
-        <a:alpha val="90000"/>
-      </a:schemeClr>
-    </dgm:fillClrLst>
-    <dgm:linClrLst meth="repeat">
-      <a:schemeClr val="accent2"/>
-    </dgm:linClrLst>
-    <dgm:effectClrLst/>
-    <dgm:txLinClrLst/>
-    <dgm:txFillClrLst meth="repeat">
-      <a:schemeClr val="dk1"/>
-    </dgm:txFillClrLst>
-    <dgm:txEffectClrLst/>
-  </dgm:styleLbl>
-  <dgm:styleLbl name="fgAcc4">
-    <dgm:fillClrLst meth="repeat">
-      <a:schemeClr val="lt1">
-        <a:alpha val="90000"/>
-      </a:schemeClr>
-    </dgm:fillClrLst>
-    <dgm:linClrLst meth="repeat">
-      <a:schemeClr val="accent2"/>
-    </dgm:linClrLst>
-    <dgm:effectClrLst/>
-    <dgm:txLinClrLst/>
-    <dgm:txFillClrLst meth="repeat">
-      <a:schemeClr val="dk1"/>
-    </dgm:txFillClrLst>
-    <dgm:txEffectClrLst/>
-  </dgm:styleLbl>
-  <dgm:styleLbl name="bgShp">
-    <dgm:fillClrLst meth="repeat">
-      <a:schemeClr val="accent2">
-        <a:tint val="40000"/>
-      </a:schemeClr>
-    </dgm:fillClrLst>
-    <dgm:linClrLst meth="repeat">
-      <a:schemeClr val="accent2"/>
-    </dgm:linClrLst>
-    <dgm:effectClrLst/>
-    <dgm:txLinClrLst/>
-    <dgm:txFillClrLst meth="repeat">
-      <a:schemeClr val="dk1"/>
-    </dgm:txFillClrLst>
-    <dgm:txEffectClrLst/>
-  </dgm:styleLbl>
-  <dgm:styleLbl name="dkBgShp">
-    <dgm:fillClrLst meth="repeat">
-      <a:schemeClr val="accent2">
-        <a:shade val="80000"/>
-      </a:schemeClr>
-    </dgm:fillClrLst>
-    <dgm:linClrLst meth="repeat">
-      <a:schemeClr val="accent2"/>
-    </dgm:linClrLst>
-    <dgm:effectClrLst/>
-    <dgm:txLinClrLst/>
-    <dgm:txFillClrLst meth="repeat">
-      <a:schemeClr val="lt1"/>
-    </dgm:txFillClrLst>
-    <dgm:txEffectClrLst/>
-  </dgm:styleLbl>
-  <dgm:styleLbl name="trBgShp">
-    <dgm:fillClrLst meth="repeat">
-      <a:schemeClr val="accent2">
-        <a:tint val="50000"/>
-        <a:alpha val="40000"/>
-      </a:schemeClr>
-    </dgm:fillClrLst>
-    <dgm:linClrLst meth="repeat">
-      <a:schemeClr val="accent2"/>
-    </dgm:linClrLst>
-    <dgm:effectClrLst/>
-    <dgm:txLinClrLst/>
-    <dgm:txFillClrLst meth="repeat">
-      <a:schemeClr val="lt1"/>
-    </dgm:txFillClrLst>
-    <dgm:txEffectClrLst/>
-  </dgm:styleLbl>
-  <dgm:styleLbl name="fgShp">
-    <dgm:fillClrLst meth="repeat">
-      <a:schemeClr val="accent2">
-        <a:tint val="60000"/>
-      </a:schemeClr>
-    </dgm:fillClrLst>
-    <dgm:linClrLst meth="repeat">
-      <a:schemeClr val="lt1"/>
-    </dgm:linClrLst>
-    <dgm:effectClrLst/>
-    <dgm:txLinClrLst/>
-    <dgm:txFillClrLst meth="repeat">
-      <a:schemeClr val="dk1"/>
-    </dgm:txFillClrLst>
-    <dgm:txEffectClrLst/>
-  </dgm:styleLbl>
-  <dgm:styleLbl name="revTx">
-    <dgm:fillClrLst meth="repeat">
-      <a:schemeClr val="lt1">
-        <a:alpha val="0"/>
-      </a:schemeClr>
-    </dgm:fillClrLst>
-    <dgm:linClrLst meth="repeat">
-      <a:schemeClr val="dk1">
-        <a:alpha val="0"/>
-      </a:schemeClr>
-    </dgm:linClrLst>
-    <dgm:effectClrLst/>
-    <dgm:txLinClrLst/>
-    <dgm:txFillClrLst meth="repeat">
-      <a:schemeClr val="tx1"/>
-    </dgm:txFillClrLst>
-    <dgm:txEffectClrLst/>
-  </dgm:styleLbl>
-</dgm:colorsDef>
-</file>
-
-<file path=ppt/diagrams/colors4.xml><?xml version="1.0" encoding="utf-8"?>
 <dgm:colorsDef xmlns:dgm="http://schemas.openxmlformats.org/drawingml/2006/diagram" xmlns:a="http://schemas.openxmlformats.org/drawingml/2006/main" uniqueId="urn:microsoft.com/office/officeart/2005/8/colors/accent1_2">
   <dgm:title val=""/>
   <dgm:desc val=""/>
@@ -3279,7 +2531,7 @@
 </dgm:colorsDef>
 </file>
 
-<file path=ppt/diagrams/colors5.xml><?xml version="1.0" encoding="utf-8"?>
+<file path=ppt/diagrams/colors4.xml><?xml version="1.0" encoding="utf-8"?>
 <dgm:colorsDef xmlns:dgm="http://schemas.openxmlformats.org/drawingml/2006/diagram" xmlns:a="http://schemas.openxmlformats.org/drawingml/2006/main" uniqueId="urn:microsoft.com/office/officeart/2005/8/colors/colorful1">
   <dgm:title val=""/>
   <dgm:desc val=""/>
@@ -4731,634 +3983,6 @@
 <file path=ppt/diagrams/data3.xml><?xml version="1.0" encoding="utf-8"?>
 <dgm:dataModel xmlns:dgm="http://schemas.openxmlformats.org/drawingml/2006/diagram" xmlns:a="http://schemas.openxmlformats.org/drawingml/2006/main">
   <dgm:ptLst>
-    <dgm:pt modelId="{5653FFD3-0DCC-40EB-BDD7-0D189D6F709E}" type="doc">
-      <dgm:prSet loTypeId="urn:microsoft.com/office/officeart/2008/layout/LinedList" loCatId="list" qsTypeId="urn:microsoft.com/office/officeart/2005/8/quickstyle/simple4" qsCatId="simple" csTypeId="urn:microsoft.com/office/officeart/2005/8/colors/accent2_2" csCatId="accent2"/>
-      <dgm:spPr/>
-      <dgm:t>
-        <a:bodyPr/>
-        <a:lstStyle/>
-        <a:p>
-          <a:endParaRPr lang="en-US"/>
-        </a:p>
-      </dgm:t>
-    </dgm:pt>
-    <dgm:pt modelId="{BFD46DB6-9545-424D-B14D-E5F42436E583}">
-      <dgm:prSet/>
-      <dgm:spPr/>
-      <dgm:t>
-        <a:bodyPr/>
-        <a:lstStyle/>
-        <a:p>
-          <a:r>
-            <a:rPr lang="en-US" b="0" i="0" baseline="0"/>
-            <a:t>1. Smaller Code Changes</a:t>
-          </a:r>
-          <a:endParaRPr lang="en-US"/>
-        </a:p>
-      </dgm:t>
-    </dgm:pt>
-    <dgm:pt modelId="{D71FA770-4027-4A31-B6E0-2F603577C122}" type="parTrans" cxnId="{FCEF6ED4-68D7-40E6-8B9B-6AEB3C8A4282}">
-      <dgm:prSet/>
-      <dgm:spPr/>
-      <dgm:t>
-        <a:bodyPr/>
-        <a:lstStyle/>
-        <a:p>
-          <a:endParaRPr lang="en-US"/>
-        </a:p>
-      </dgm:t>
-    </dgm:pt>
-    <dgm:pt modelId="{BA7F8A12-400D-49D4-AA6E-1A3E2A0AC223}" type="sibTrans" cxnId="{FCEF6ED4-68D7-40E6-8B9B-6AEB3C8A4282}">
-      <dgm:prSet/>
-      <dgm:spPr/>
-      <dgm:t>
-        <a:bodyPr/>
-        <a:lstStyle/>
-        <a:p>
-          <a:endParaRPr lang="en-US"/>
-        </a:p>
-      </dgm:t>
-    </dgm:pt>
-    <dgm:pt modelId="{3C49FAEB-21F6-4AA6-8051-B5C2D94312A1}">
-      <dgm:prSet/>
-      <dgm:spPr/>
-      <dgm:t>
-        <a:bodyPr/>
-        <a:lstStyle/>
-        <a:p>
-          <a:r>
-            <a:rPr lang="en-US" b="0" i="0" baseline="0"/>
-            <a:t>2. Fault Isolations</a:t>
-          </a:r>
-          <a:endParaRPr lang="en-US"/>
-        </a:p>
-      </dgm:t>
-    </dgm:pt>
-    <dgm:pt modelId="{A4729847-330A-485A-8DFF-A088B8AB0585}" type="parTrans" cxnId="{EE542E77-4EC4-42C4-BE2B-B32C43EEA645}">
-      <dgm:prSet/>
-      <dgm:spPr/>
-      <dgm:t>
-        <a:bodyPr/>
-        <a:lstStyle/>
-        <a:p>
-          <a:endParaRPr lang="en-US"/>
-        </a:p>
-      </dgm:t>
-    </dgm:pt>
-    <dgm:pt modelId="{B8ED0DE0-F906-4EEF-BC7B-A665A11E544A}" type="sibTrans" cxnId="{EE542E77-4EC4-42C4-BE2B-B32C43EEA645}">
-      <dgm:prSet/>
-      <dgm:spPr/>
-      <dgm:t>
-        <a:bodyPr/>
-        <a:lstStyle/>
-        <a:p>
-          <a:endParaRPr lang="en-US"/>
-        </a:p>
-      </dgm:t>
-    </dgm:pt>
-    <dgm:pt modelId="{257F2B6A-39B8-432D-9108-68258B33B351}">
-      <dgm:prSet/>
-      <dgm:spPr/>
-      <dgm:t>
-        <a:bodyPr/>
-        <a:lstStyle/>
-        <a:p>
-          <a:r>
-            <a:rPr lang="en-US" b="0" i="0" baseline="0"/>
-            <a:t>3. Faster Mean Time To Resolution (MTTR)</a:t>
-          </a:r>
-          <a:endParaRPr lang="en-US"/>
-        </a:p>
-      </dgm:t>
-    </dgm:pt>
-    <dgm:pt modelId="{77098EA3-2236-42E9-A02E-61AFCF926194}" type="parTrans" cxnId="{CEAAECB9-C773-45C0-A42A-209885D7713C}">
-      <dgm:prSet/>
-      <dgm:spPr/>
-      <dgm:t>
-        <a:bodyPr/>
-        <a:lstStyle/>
-        <a:p>
-          <a:endParaRPr lang="en-US"/>
-        </a:p>
-      </dgm:t>
-    </dgm:pt>
-    <dgm:pt modelId="{3FA4D022-71F2-4488-B213-8DFE5A06DD18}" type="sibTrans" cxnId="{CEAAECB9-C773-45C0-A42A-209885D7713C}">
-      <dgm:prSet/>
-      <dgm:spPr/>
-      <dgm:t>
-        <a:bodyPr/>
-        <a:lstStyle/>
-        <a:p>
-          <a:endParaRPr lang="en-US"/>
-        </a:p>
-      </dgm:t>
-    </dgm:pt>
-    <dgm:pt modelId="{6181035C-4036-4581-856B-3614E27E9E1A}">
-      <dgm:prSet/>
-      <dgm:spPr/>
-      <dgm:t>
-        <a:bodyPr/>
-        <a:lstStyle/>
-        <a:p>
-          <a:r>
-            <a:rPr lang="en-US" b="0" i="0" baseline="0"/>
-            <a:t>4. More Test Reliability</a:t>
-          </a:r>
-          <a:endParaRPr lang="en-US"/>
-        </a:p>
-      </dgm:t>
-    </dgm:pt>
-    <dgm:pt modelId="{DE3B322D-F69C-4BC7-8DE5-09A9C4D2DD0A}" type="parTrans" cxnId="{3C3A998F-EF7A-4803-9F29-D62C21B1ED5A}">
-      <dgm:prSet/>
-      <dgm:spPr/>
-      <dgm:t>
-        <a:bodyPr/>
-        <a:lstStyle/>
-        <a:p>
-          <a:endParaRPr lang="en-US"/>
-        </a:p>
-      </dgm:t>
-    </dgm:pt>
-    <dgm:pt modelId="{4ACCC05A-B076-45B4-A582-386811941E40}" type="sibTrans" cxnId="{3C3A998F-EF7A-4803-9F29-D62C21B1ED5A}">
-      <dgm:prSet/>
-      <dgm:spPr/>
-      <dgm:t>
-        <a:bodyPr/>
-        <a:lstStyle/>
-        <a:p>
-          <a:endParaRPr lang="en-US"/>
-        </a:p>
-      </dgm:t>
-    </dgm:pt>
-    <dgm:pt modelId="{A4B4EA29-FB75-4DB6-B363-8BADEA50F191}">
-      <dgm:prSet/>
-      <dgm:spPr/>
-      <dgm:t>
-        <a:bodyPr/>
-        <a:lstStyle/>
-        <a:p>
-          <a:r>
-            <a:rPr lang="en-US" b="0" i="0" baseline="0"/>
-            <a:t>5. Faster Release Rate</a:t>
-          </a:r>
-          <a:endParaRPr lang="en-US"/>
-        </a:p>
-      </dgm:t>
-    </dgm:pt>
-    <dgm:pt modelId="{7D2DA4E9-AA8C-4E4D-9BDF-B641E383B234}" type="parTrans" cxnId="{C04A64C5-2408-4A53-BF4E-59E10F61AE05}">
-      <dgm:prSet/>
-      <dgm:spPr/>
-      <dgm:t>
-        <a:bodyPr/>
-        <a:lstStyle/>
-        <a:p>
-          <a:endParaRPr lang="en-US"/>
-        </a:p>
-      </dgm:t>
-    </dgm:pt>
-    <dgm:pt modelId="{C9229A7E-93A4-47A1-A2A6-091D2D155F48}" type="sibTrans" cxnId="{C04A64C5-2408-4A53-BF4E-59E10F61AE05}">
-      <dgm:prSet/>
-      <dgm:spPr/>
-      <dgm:t>
-        <a:bodyPr/>
-        <a:lstStyle/>
-        <a:p>
-          <a:endParaRPr lang="en-US"/>
-        </a:p>
-      </dgm:t>
-    </dgm:pt>
-    <dgm:pt modelId="{8E8F39A9-E621-4DEC-B8C6-373A8F29D8D0}">
-      <dgm:prSet/>
-      <dgm:spPr/>
-      <dgm:t>
-        <a:bodyPr/>
-        <a:lstStyle/>
-        <a:p>
-          <a:r>
-            <a:rPr lang="en-US" b="0" i="0" baseline="0"/>
-            <a:t>6. Smaller Backlog</a:t>
-          </a:r>
-          <a:endParaRPr lang="en-US"/>
-        </a:p>
-      </dgm:t>
-    </dgm:pt>
-    <dgm:pt modelId="{A8AE7AEB-FC88-406B-831A-2E97A08412D7}" type="parTrans" cxnId="{ED1D1BAA-3177-4E9B-93EA-6A5E064A3DAF}">
-      <dgm:prSet/>
-      <dgm:spPr/>
-      <dgm:t>
-        <a:bodyPr/>
-        <a:lstStyle/>
-        <a:p>
-          <a:endParaRPr lang="en-US"/>
-        </a:p>
-      </dgm:t>
-    </dgm:pt>
-    <dgm:pt modelId="{1C7C051B-256B-4DCB-8ADD-72710C9E5121}" type="sibTrans" cxnId="{ED1D1BAA-3177-4E9B-93EA-6A5E064A3DAF}">
-      <dgm:prSet/>
-      <dgm:spPr/>
-      <dgm:t>
-        <a:bodyPr/>
-        <a:lstStyle/>
-        <a:p>
-          <a:endParaRPr lang="en-US"/>
-        </a:p>
-      </dgm:t>
-    </dgm:pt>
-    <dgm:pt modelId="{675F2566-9C13-4D19-B015-00A3DF40019B}">
-      <dgm:prSet/>
-      <dgm:spPr/>
-      <dgm:t>
-        <a:bodyPr/>
-        <a:lstStyle/>
-        <a:p>
-          <a:r>
-            <a:rPr lang="en-US" b="0" i="0" baseline="0"/>
-            <a:t>7. Customer Satisfaction</a:t>
-          </a:r>
-          <a:endParaRPr lang="en-US"/>
-        </a:p>
-      </dgm:t>
-    </dgm:pt>
-    <dgm:pt modelId="{FA81D9F1-40F0-4AB1-84E8-8CBEB1B04107}" type="parTrans" cxnId="{E0BB59EC-2DA8-40FC-B986-12A53A68B0D6}">
-      <dgm:prSet/>
-      <dgm:spPr/>
-      <dgm:t>
-        <a:bodyPr/>
-        <a:lstStyle/>
-        <a:p>
-          <a:endParaRPr lang="en-US"/>
-        </a:p>
-      </dgm:t>
-    </dgm:pt>
-    <dgm:pt modelId="{11BE142B-AD02-42D6-BF13-123C9C70A181}" type="sibTrans" cxnId="{E0BB59EC-2DA8-40FC-B986-12A53A68B0D6}">
-      <dgm:prSet/>
-      <dgm:spPr/>
-      <dgm:t>
-        <a:bodyPr/>
-        <a:lstStyle/>
-        <a:p>
-          <a:endParaRPr lang="en-US"/>
-        </a:p>
-      </dgm:t>
-    </dgm:pt>
-    <dgm:pt modelId="{31A640A3-65DE-46F3-A54E-61A713ABB57B}">
-      <dgm:prSet/>
-      <dgm:spPr/>
-      <dgm:t>
-        <a:bodyPr/>
-        <a:lstStyle/>
-        <a:p>
-          <a:r>
-            <a:rPr lang="en-US" b="0" i="0" baseline="0"/>
-            <a:t>8. Increase Team Transparency and Accountability</a:t>
-          </a:r>
-          <a:endParaRPr lang="en-US"/>
-        </a:p>
-      </dgm:t>
-    </dgm:pt>
-    <dgm:pt modelId="{6CCB6AE0-2F28-4E30-9010-195B5CFE35F8}" type="parTrans" cxnId="{3602D3CF-A522-4EA1-AEDB-32C0271BE7FD}">
-      <dgm:prSet/>
-      <dgm:spPr/>
-      <dgm:t>
-        <a:bodyPr/>
-        <a:lstStyle/>
-        <a:p>
-          <a:endParaRPr lang="en-US"/>
-        </a:p>
-      </dgm:t>
-    </dgm:pt>
-    <dgm:pt modelId="{A8D2D541-B8D8-4CC9-A66D-484543E4C39E}" type="sibTrans" cxnId="{3602D3CF-A522-4EA1-AEDB-32C0271BE7FD}">
-      <dgm:prSet/>
-      <dgm:spPr/>
-      <dgm:t>
-        <a:bodyPr/>
-        <a:lstStyle/>
-        <a:p>
-          <a:endParaRPr lang="en-US"/>
-        </a:p>
-      </dgm:t>
-    </dgm:pt>
-    <dgm:pt modelId="{5942609F-9554-42E8-A983-77DDF9C74892}">
-      <dgm:prSet/>
-      <dgm:spPr/>
-      <dgm:t>
-        <a:bodyPr/>
-        <a:lstStyle/>
-        <a:p>
-          <a:r>
-            <a:rPr lang="en-US" b="0" i="0" baseline="0"/>
-            <a:t>9. Reduce Costs</a:t>
-          </a:r>
-          <a:endParaRPr lang="en-US"/>
-        </a:p>
-      </dgm:t>
-    </dgm:pt>
-    <dgm:pt modelId="{5359492F-FC98-4CAF-AF11-221FEBF9B674}" type="parTrans" cxnId="{C51421EE-80F0-408B-B4C2-FACD23BA6580}">
-      <dgm:prSet/>
-      <dgm:spPr/>
-      <dgm:t>
-        <a:bodyPr/>
-        <a:lstStyle/>
-        <a:p>
-          <a:endParaRPr lang="en-US"/>
-        </a:p>
-      </dgm:t>
-    </dgm:pt>
-    <dgm:pt modelId="{B4BB4901-78E2-4EC4-9367-EA6BA2F7E6CA}" type="sibTrans" cxnId="{C51421EE-80F0-408B-B4C2-FACD23BA6580}">
-      <dgm:prSet/>
-      <dgm:spPr/>
-      <dgm:t>
-        <a:bodyPr/>
-        <a:lstStyle/>
-        <a:p>
-          <a:endParaRPr lang="en-US"/>
-        </a:p>
-      </dgm:t>
-    </dgm:pt>
-    <dgm:pt modelId="{FF5A36E8-4848-4892-AFD5-3CEBFC752973}">
-      <dgm:prSet/>
-      <dgm:spPr/>
-      <dgm:t>
-        <a:bodyPr/>
-        <a:lstStyle/>
-        <a:p>
-          <a:r>
-            <a:rPr lang="en-US" b="0" i="0" baseline="0"/>
-            <a:t>10. Easy Maintenance and Updates</a:t>
-          </a:r>
-          <a:endParaRPr lang="en-US"/>
-        </a:p>
-      </dgm:t>
-    </dgm:pt>
-    <dgm:pt modelId="{C294EC8B-4BDC-4CD2-ADF8-9598F8A29995}" type="parTrans" cxnId="{7F8D5E53-45F8-4D4B-A7B3-84002031B1EA}">
-      <dgm:prSet/>
-      <dgm:spPr/>
-      <dgm:t>
-        <a:bodyPr/>
-        <a:lstStyle/>
-        <a:p>
-          <a:endParaRPr lang="en-US"/>
-        </a:p>
-      </dgm:t>
-    </dgm:pt>
-    <dgm:pt modelId="{A30191F7-1C82-4E00-9C1E-2C59682568F2}" type="sibTrans" cxnId="{7F8D5E53-45F8-4D4B-A7B3-84002031B1EA}">
-      <dgm:prSet/>
-      <dgm:spPr/>
-      <dgm:t>
-        <a:bodyPr/>
-        <a:lstStyle/>
-        <a:p>
-          <a:endParaRPr lang="en-US"/>
-        </a:p>
-      </dgm:t>
-    </dgm:pt>
-    <dgm:pt modelId="{8B29AB36-A582-409B-9BA0-5888C56A754D}" type="pres">
-      <dgm:prSet presAssocID="{5653FFD3-0DCC-40EB-BDD7-0D189D6F709E}" presName="vert0" presStyleCnt="0">
-        <dgm:presLayoutVars>
-          <dgm:dir/>
-          <dgm:animOne val="branch"/>
-          <dgm:animLvl val="lvl"/>
-        </dgm:presLayoutVars>
-      </dgm:prSet>
-      <dgm:spPr/>
-    </dgm:pt>
-    <dgm:pt modelId="{48F1457C-025A-42B2-B485-617F0E4F6015}" type="pres">
-      <dgm:prSet presAssocID="{BFD46DB6-9545-424D-B14D-E5F42436E583}" presName="thickLine" presStyleLbl="alignNode1" presStyleIdx="0" presStyleCnt="10"/>
-      <dgm:spPr/>
-    </dgm:pt>
-    <dgm:pt modelId="{30E3C90D-58E8-4A21-97EA-B54932AD05E3}" type="pres">
-      <dgm:prSet presAssocID="{BFD46DB6-9545-424D-B14D-E5F42436E583}" presName="horz1" presStyleCnt="0"/>
-      <dgm:spPr/>
-    </dgm:pt>
-    <dgm:pt modelId="{41EA4067-F2A9-455E-973D-1D1B2AEE4F8A}" type="pres">
-      <dgm:prSet presAssocID="{BFD46DB6-9545-424D-B14D-E5F42436E583}" presName="tx1" presStyleLbl="revTx" presStyleIdx="0" presStyleCnt="10"/>
-      <dgm:spPr/>
-    </dgm:pt>
-    <dgm:pt modelId="{B38DB685-21E3-4584-910C-C469D6A5ACA1}" type="pres">
-      <dgm:prSet presAssocID="{BFD46DB6-9545-424D-B14D-E5F42436E583}" presName="vert1" presStyleCnt="0"/>
-      <dgm:spPr/>
-    </dgm:pt>
-    <dgm:pt modelId="{5344601D-9EFD-4E2C-9D2D-03324697E40B}" type="pres">
-      <dgm:prSet presAssocID="{3C49FAEB-21F6-4AA6-8051-B5C2D94312A1}" presName="thickLine" presStyleLbl="alignNode1" presStyleIdx="1" presStyleCnt="10"/>
-      <dgm:spPr/>
-    </dgm:pt>
-    <dgm:pt modelId="{278943AF-29E9-4439-AA32-151732A63B10}" type="pres">
-      <dgm:prSet presAssocID="{3C49FAEB-21F6-4AA6-8051-B5C2D94312A1}" presName="horz1" presStyleCnt="0"/>
-      <dgm:spPr/>
-    </dgm:pt>
-    <dgm:pt modelId="{7B64FDF8-86F0-4759-90A5-BD41DBD65F48}" type="pres">
-      <dgm:prSet presAssocID="{3C49FAEB-21F6-4AA6-8051-B5C2D94312A1}" presName="tx1" presStyleLbl="revTx" presStyleIdx="1" presStyleCnt="10"/>
-      <dgm:spPr/>
-    </dgm:pt>
-    <dgm:pt modelId="{DC109FAF-5A69-45FE-9A0A-1E9EDECEA6FC}" type="pres">
-      <dgm:prSet presAssocID="{3C49FAEB-21F6-4AA6-8051-B5C2D94312A1}" presName="vert1" presStyleCnt="0"/>
-      <dgm:spPr/>
-    </dgm:pt>
-    <dgm:pt modelId="{BE319969-27BD-4E6F-A968-C2834842E9BD}" type="pres">
-      <dgm:prSet presAssocID="{257F2B6A-39B8-432D-9108-68258B33B351}" presName="thickLine" presStyleLbl="alignNode1" presStyleIdx="2" presStyleCnt="10"/>
-      <dgm:spPr/>
-    </dgm:pt>
-    <dgm:pt modelId="{7766FBD1-0DC1-49D8-BC3C-E15DD7A92DC9}" type="pres">
-      <dgm:prSet presAssocID="{257F2B6A-39B8-432D-9108-68258B33B351}" presName="horz1" presStyleCnt="0"/>
-      <dgm:spPr/>
-    </dgm:pt>
-    <dgm:pt modelId="{61C32841-EC1F-464A-B6C2-021690E29BA3}" type="pres">
-      <dgm:prSet presAssocID="{257F2B6A-39B8-432D-9108-68258B33B351}" presName="tx1" presStyleLbl="revTx" presStyleIdx="2" presStyleCnt="10"/>
-      <dgm:spPr/>
-    </dgm:pt>
-    <dgm:pt modelId="{09655D99-16B1-43E2-ABC8-ABC01F25BB8C}" type="pres">
-      <dgm:prSet presAssocID="{257F2B6A-39B8-432D-9108-68258B33B351}" presName="vert1" presStyleCnt="0"/>
-      <dgm:spPr/>
-    </dgm:pt>
-    <dgm:pt modelId="{12A93A73-DEED-42AB-93FB-FB47D6F4F390}" type="pres">
-      <dgm:prSet presAssocID="{6181035C-4036-4581-856B-3614E27E9E1A}" presName="thickLine" presStyleLbl="alignNode1" presStyleIdx="3" presStyleCnt="10"/>
-      <dgm:spPr/>
-    </dgm:pt>
-    <dgm:pt modelId="{4B10F1AD-866B-43A6-940B-C6193F2C1AD3}" type="pres">
-      <dgm:prSet presAssocID="{6181035C-4036-4581-856B-3614E27E9E1A}" presName="horz1" presStyleCnt="0"/>
-      <dgm:spPr/>
-    </dgm:pt>
-    <dgm:pt modelId="{39225EEA-5764-45E4-A431-8C35BD455AED}" type="pres">
-      <dgm:prSet presAssocID="{6181035C-4036-4581-856B-3614E27E9E1A}" presName="tx1" presStyleLbl="revTx" presStyleIdx="3" presStyleCnt="10"/>
-      <dgm:spPr/>
-    </dgm:pt>
-    <dgm:pt modelId="{692F1FFA-6350-46D1-8756-59E192D0DDE5}" type="pres">
-      <dgm:prSet presAssocID="{6181035C-4036-4581-856B-3614E27E9E1A}" presName="vert1" presStyleCnt="0"/>
-      <dgm:spPr/>
-    </dgm:pt>
-    <dgm:pt modelId="{9216E5B9-16A4-44DD-A83F-FFACB3C115EE}" type="pres">
-      <dgm:prSet presAssocID="{A4B4EA29-FB75-4DB6-B363-8BADEA50F191}" presName="thickLine" presStyleLbl="alignNode1" presStyleIdx="4" presStyleCnt="10"/>
-      <dgm:spPr/>
-    </dgm:pt>
-    <dgm:pt modelId="{263E2852-6BBA-4A03-8906-0006DE49DE29}" type="pres">
-      <dgm:prSet presAssocID="{A4B4EA29-FB75-4DB6-B363-8BADEA50F191}" presName="horz1" presStyleCnt="0"/>
-      <dgm:spPr/>
-    </dgm:pt>
-    <dgm:pt modelId="{E110A2D8-A434-436A-B69D-099487B016A3}" type="pres">
-      <dgm:prSet presAssocID="{A4B4EA29-FB75-4DB6-B363-8BADEA50F191}" presName="tx1" presStyleLbl="revTx" presStyleIdx="4" presStyleCnt="10"/>
-      <dgm:spPr/>
-    </dgm:pt>
-    <dgm:pt modelId="{13A314C6-0EB6-463E-9756-8EE91EFF95D4}" type="pres">
-      <dgm:prSet presAssocID="{A4B4EA29-FB75-4DB6-B363-8BADEA50F191}" presName="vert1" presStyleCnt="0"/>
-      <dgm:spPr/>
-    </dgm:pt>
-    <dgm:pt modelId="{7E56592F-146F-4990-BCEC-613D749B23C1}" type="pres">
-      <dgm:prSet presAssocID="{8E8F39A9-E621-4DEC-B8C6-373A8F29D8D0}" presName="thickLine" presStyleLbl="alignNode1" presStyleIdx="5" presStyleCnt="10"/>
-      <dgm:spPr/>
-    </dgm:pt>
-    <dgm:pt modelId="{B3794704-BB5D-450B-9D41-46C1840EDD3F}" type="pres">
-      <dgm:prSet presAssocID="{8E8F39A9-E621-4DEC-B8C6-373A8F29D8D0}" presName="horz1" presStyleCnt="0"/>
-      <dgm:spPr/>
-    </dgm:pt>
-    <dgm:pt modelId="{401A9209-9C6E-43C0-97CA-CAE49D500BB6}" type="pres">
-      <dgm:prSet presAssocID="{8E8F39A9-E621-4DEC-B8C6-373A8F29D8D0}" presName="tx1" presStyleLbl="revTx" presStyleIdx="5" presStyleCnt="10"/>
-      <dgm:spPr/>
-    </dgm:pt>
-    <dgm:pt modelId="{AC38AEB0-7BFD-4A9B-9B5D-6DD0151EDAD7}" type="pres">
-      <dgm:prSet presAssocID="{8E8F39A9-E621-4DEC-B8C6-373A8F29D8D0}" presName="vert1" presStyleCnt="0"/>
-      <dgm:spPr/>
-    </dgm:pt>
-    <dgm:pt modelId="{E1B3BC0B-F00A-4D77-BA8B-FF1F276B0492}" type="pres">
-      <dgm:prSet presAssocID="{675F2566-9C13-4D19-B015-00A3DF40019B}" presName="thickLine" presStyleLbl="alignNode1" presStyleIdx="6" presStyleCnt="10"/>
-      <dgm:spPr/>
-    </dgm:pt>
-    <dgm:pt modelId="{32B715BF-EB30-4F6D-9C64-99DE5DEAF893}" type="pres">
-      <dgm:prSet presAssocID="{675F2566-9C13-4D19-B015-00A3DF40019B}" presName="horz1" presStyleCnt="0"/>
-      <dgm:spPr/>
-    </dgm:pt>
-    <dgm:pt modelId="{3D638A3E-AFC7-4A98-8346-3239258EAE35}" type="pres">
-      <dgm:prSet presAssocID="{675F2566-9C13-4D19-B015-00A3DF40019B}" presName="tx1" presStyleLbl="revTx" presStyleIdx="6" presStyleCnt="10"/>
-      <dgm:spPr/>
-    </dgm:pt>
-    <dgm:pt modelId="{ABC0808B-D56C-4FB1-A89C-657B04808C20}" type="pres">
-      <dgm:prSet presAssocID="{675F2566-9C13-4D19-B015-00A3DF40019B}" presName="vert1" presStyleCnt="0"/>
-      <dgm:spPr/>
-    </dgm:pt>
-    <dgm:pt modelId="{3E300898-BE6A-417C-A751-8F63F0690F36}" type="pres">
-      <dgm:prSet presAssocID="{31A640A3-65DE-46F3-A54E-61A713ABB57B}" presName="thickLine" presStyleLbl="alignNode1" presStyleIdx="7" presStyleCnt="10"/>
-      <dgm:spPr/>
-    </dgm:pt>
-    <dgm:pt modelId="{98A4A7AC-656D-4560-9C07-43B90335B029}" type="pres">
-      <dgm:prSet presAssocID="{31A640A3-65DE-46F3-A54E-61A713ABB57B}" presName="horz1" presStyleCnt="0"/>
-      <dgm:spPr/>
-    </dgm:pt>
-    <dgm:pt modelId="{17EDDAF9-E22C-4C2B-9A17-0E9478866434}" type="pres">
-      <dgm:prSet presAssocID="{31A640A3-65DE-46F3-A54E-61A713ABB57B}" presName="tx1" presStyleLbl="revTx" presStyleIdx="7" presStyleCnt="10"/>
-      <dgm:spPr/>
-    </dgm:pt>
-    <dgm:pt modelId="{74384125-9488-4205-8793-C40D775DBFDA}" type="pres">
-      <dgm:prSet presAssocID="{31A640A3-65DE-46F3-A54E-61A713ABB57B}" presName="vert1" presStyleCnt="0"/>
-      <dgm:spPr/>
-    </dgm:pt>
-    <dgm:pt modelId="{83499DF7-B7DC-43DB-9A2E-5CE18C362DB6}" type="pres">
-      <dgm:prSet presAssocID="{5942609F-9554-42E8-A983-77DDF9C74892}" presName="thickLine" presStyleLbl="alignNode1" presStyleIdx="8" presStyleCnt="10"/>
-      <dgm:spPr/>
-    </dgm:pt>
-    <dgm:pt modelId="{0A32D69A-DC79-4A7F-8232-6FE842DC1D95}" type="pres">
-      <dgm:prSet presAssocID="{5942609F-9554-42E8-A983-77DDF9C74892}" presName="horz1" presStyleCnt="0"/>
-      <dgm:spPr/>
-    </dgm:pt>
-    <dgm:pt modelId="{DC92E5B3-D94B-42B8-AEFD-D50C852034D2}" type="pres">
-      <dgm:prSet presAssocID="{5942609F-9554-42E8-A983-77DDF9C74892}" presName="tx1" presStyleLbl="revTx" presStyleIdx="8" presStyleCnt="10"/>
-      <dgm:spPr/>
-    </dgm:pt>
-    <dgm:pt modelId="{78219100-1396-48AB-8785-903A6E8F5481}" type="pres">
-      <dgm:prSet presAssocID="{5942609F-9554-42E8-A983-77DDF9C74892}" presName="vert1" presStyleCnt="0"/>
-      <dgm:spPr/>
-    </dgm:pt>
-    <dgm:pt modelId="{7AA5767E-0421-4717-AC6E-C9B52C7DE048}" type="pres">
-      <dgm:prSet presAssocID="{FF5A36E8-4848-4892-AFD5-3CEBFC752973}" presName="thickLine" presStyleLbl="alignNode1" presStyleIdx="9" presStyleCnt="10"/>
-      <dgm:spPr/>
-    </dgm:pt>
-    <dgm:pt modelId="{5DACE88D-F8EE-45B4-A990-63BAAF74CC57}" type="pres">
-      <dgm:prSet presAssocID="{FF5A36E8-4848-4892-AFD5-3CEBFC752973}" presName="horz1" presStyleCnt="0"/>
-      <dgm:spPr/>
-    </dgm:pt>
-    <dgm:pt modelId="{0F0D879C-23D3-4ACD-8BA3-1C25D71472A9}" type="pres">
-      <dgm:prSet presAssocID="{FF5A36E8-4848-4892-AFD5-3CEBFC752973}" presName="tx1" presStyleLbl="revTx" presStyleIdx="9" presStyleCnt="10"/>
-      <dgm:spPr/>
-    </dgm:pt>
-    <dgm:pt modelId="{F3E69450-E653-4D79-A001-C457C76253D1}" type="pres">
-      <dgm:prSet presAssocID="{FF5A36E8-4848-4892-AFD5-3CEBFC752973}" presName="vert1" presStyleCnt="0"/>
-      <dgm:spPr/>
-    </dgm:pt>
-  </dgm:ptLst>
-  <dgm:cxnLst>
-    <dgm:cxn modelId="{9937E015-B4E9-4513-BDD7-A93FF77D9241}" type="presOf" srcId="{3C49FAEB-21F6-4AA6-8051-B5C2D94312A1}" destId="{7B64FDF8-86F0-4759-90A5-BD41DBD65F48}" srcOrd="0" destOrd="0" presId="urn:microsoft.com/office/officeart/2008/layout/LinedList"/>
-    <dgm:cxn modelId="{51CB1D38-471E-4E73-A381-304AB64019EA}" type="presOf" srcId="{FF5A36E8-4848-4892-AFD5-3CEBFC752973}" destId="{0F0D879C-23D3-4ACD-8BA3-1C25D71472A9}" srcOrd="0" destOrd="0" presId="urn:microsoft.com/office/officeart/2008/layout/LinedList"/>
-    <dgm:cxn modelId="{5E39B23A-927E-41BB-B498-A5790956024B}" type="presOf" srcId="{5653FFD3-0DCC-40EB-BDD7-0D189D6F709E}" destId="{8B29AB36-A582-409B-9BA0-5888C56A754D}" srcOrd="0" destOrd="0" presId="urn:microsoft.com/office/officeart/2008/layout/LinedList"/>
-    <dgm:cxn modelId="{F14CCC6C-CF83-48E1-89E4-2876E2596F3F}" type="presOf" srcId="{5942609F-9554-42E8-A983-77DDF9C74892}" destId="{DC92E5B3-D94B-42B8-AEFD-D50C852034D2}" srcOrd="0" destOrd="0" presId="urn:microsoft.com/office/officeart/2008/layout/LinedList"/>
-    <dgm:cxn modelId="{7F8D5E53-45F8-4D4B-A7B3-84002031B1EA}" srcId="{5653FFD3-0DCC-40EB-BDD7-0D189D6F709E}" destId="{FF5A36E8-4848-4892-AFD5-3CEBFC752973}" srcOrd="9" destOrd="0" parTransId="{C294EC8B-4BDC-4CD2-ADF8-9598F8A29995}" sibTransId="{A30191F7-1C82-4E00-9C1E-2C59682568F2}"/>
-    <dgm:cxn modelId="{EE542E77-4EC4-42C4-BE2B-B32C43EEA645}" srcId="{5653FFD3-0DCC-40EB-BDD7-0D189D6F709E}" destId="{3C49FAEB-21F6-4AA6-8051-B5C2D94312A1}" srcOrd="1" destOrd="0" parTransId="{A4729847-330A-485A-8DFF-A088B8AB0585}" sibTransId="{B8ED0DE0-F906-4EEF-BC7B-A665A11E544A}"/>
-    <dgm:cxn modelId="{2FF84277-5D31-4A52-9067-A74E0250EDF8}" type="presOf" srcId="{A4B4EA29-FB75-4DB6-B363-8BADEA50F191}" destId="{E110A2D8-A434-436A-B69D-099487B016A3}" srcOrd="0" destOrd="0" presId="urn:microsoft.com/office/officeart/2008/layout/LinedList"/>
-    <dgm:cxn modelId="{6BB34A79-E984-48DC-87FF-3B03071893F5}" type="presOf" srcId="{31A640A3-65DE-46F3-A54E-61A713ABB57B}" destId="{17EDDAF9-E22C-4C2B-9A17-0E9478866434}" srcOrd="0" destOrd="0" presId="urn:microsoft.com/office/officeart/2008/layout/LinedList"/>
-    <dgm:cxn modelId="{092BC782-21F6-4423-BDF3-06A168C793A5}" type="presOf" srcId="{8E8F39A9-E621-4DEC-B8C6-373A8F29D8D0}" destId="{401A9209-9C6E-43C0-97CA-CAE49D500BB6}" srcOrd="0" destOrd="0" presId="urn:microsoft.com/office/officeart/2008/layout/LinedList"/>
-    <dgm:cxn modelId="{41A93188-CE9F-4FFC-9CE3-88BBAABEA6E3}" type="presOf" srcId="{6181035C-4036-4581-856B-3614E27E9E1A}" destId="{39225EEA-5764-45E4-A431-8C35BD455AED}" srcOrd="0" destOrd="0" presId="urn:microsoft.com/office/officeart/2008/layout/LinedList"/>
-    <dgm:cxn modelId="{3C3A998F-EF7A-4803-9F29-D62C21B1ED5A}" srcId="{5653FFD3-0DCC-40EB-BDD7-0D189D6F709E}" destId="{6181035C-4036-4581-856B-3614E27E9E1A}" srcOrd="3" destOrd="0" parTransId="{DE3B322D-F69C-4BC7-8DE5-09A9C4D2DD0A}" sibTransId="{4ACCC05A-B076-45B4-A582-386811941E40}"/>
-    <dgm:cxn modelId="{E8C4E69C-1D3D-450B-BA6A-55426504C065}" type="presOf" srcId="{675F2566-9C13-4D19-B015-00A3DF40019B}" destId="{3D638A3E-AFC7-4A98-8346-3239258EAE35}" srcOrd="0" destOrd="0" presId="urn:microsoft.com/office/officeart/2008/layout/LinedList"/>
-    <dgm:cxn modelId="{ED1D1BAA-3177-4E9B-93EA-6A5E064A3DAF}" srcId="{5653FFD3-0DCC-40EB-BDD7-0D189D6F709E}" destId="{8E8F39A9-E621-4DEC-B8C6-373A8F29D8D0}" srcOrd="5" destOrd="0" parTransId="{A8AE7AEB-FC88-406B-831A-2E97A08412D7}" sibTransId="{1C7C051B-256B-4DCB-8ADD-72710C9E5121}"/>
-    <dgm:cxn modelId="{A8EAE9B8-2134-4646-9A6B-1C1FE3108477}" type="presOf" srcId="{257F2B6A-39B8-432D-9108-68258B33B351}" destId="{61C32841-EC1F-464A-B6C2-021690E29BA3}" srcOrd="0" destOrd="0" presId="urn:microsoft.com/office/officeart/2008/layout/LinedList"/>
-    <dgm:cxn modelId="{CEAAECB9-C773-45C0-A42A-209885D7713C}" srcId="{5653FFD3-0DCC-40EB-BDD7-0D189D6F709E}" destId="{257F2B6A-39B8-432D-9108-68258B33B351}" srcOrd="2" destOrd="0" parTransId="{77098EA3-2236-42E9-A02E-61AFCF926194}" sibTransId="{3FA4D022-71F2-4488-B213-8DFE5A06DD18}"/>
-    <dgm:cxn modelId="{C04A64C5-2408-4A53-BF4E-59E10F61AE05}" srcId="{5653FFD3-0DCC-40EB-BDD7-0D189D6F709E}" destId="{A4B4EA29-FB75-4DB6-B363-8BADEA50F191}" srcOrd="4" destOrd="0" parTransId="{7D2DA4E9-AA8C-4E4D-9BDF-B641E383B234}" sibTransId="{C9229A7E-93A4-47A1-A2A6-091D2D155F48}"/>
-    <dgm:cxn modelId="{3602D3CF-A522-4EA1-AEDB-32C0271BE7FD}" srcId="{5653FFD3-0DCC-40EB-BDD7-0D189D6F709E}" destId="{31A640A3-65DE-46F3-A54E-61A713ABB57B}" srcOrd="7" destOrd="0" parTransId="{6CCB6AE0-2F28-4E30-9010-195B5CFE35F8}" sibTransId="{A8D2D541-B8D8-4CC9-A66D-484543E4C39E}"/>
-    <dgm:cxn modelId="{FCEF6ED4-68D7-40E6-8B9B-6AEB3C8A4282}" srcId="{5653FFD3-0DCC-40EB-BDD7-0D189D6F709E}" destId="{BFD46DB6-9545-424D-B14D-E5F42436E583}" srcOrd="0" destOrd="0" parTransId="{D71FA770-4027-4A31-B6E0-2F603577C122}" sibTransId="{BA7F8A12-400D-49D4-AA6E-1A3E2A0AC223}"/>
-    <dgm:cxn modelId="{A48C97E4-9DCA-48BC-9128-331C35B271FE}" type="presOf" srcId="{BFD46DB6-9545-424D-B14D-E5F42436E583}" destId="{41EA4067-F2A9-455E-973D-1D1B2AEE4F8A}" srcOrd="0" destOrd="0" presId="urn:microsoft.com/office/officeart/2008/layout/LinedList"/>
-    <dgm:cxn modelId="{E0BB59EC-2DA8-40FC-B986-12A53A68B0D6}" srcId="{5653FFD3-0DCC-40EB-BDD7-0D189D6F709E}" destId="{675F2566-9C13-4D19-B015-00A3DF40019B}" srcOrd="6" destOrd="0" parTransId="{FA81D9F1-40F0-4AB1-84E8-8CBEB1B04107}" sibTransId="{11BE142B-AD02-42D6-BF13-123C9C70A181}"/>
-    <dgm:cxn modelId="{C51421EE-80F0-408B-B4C2-FACD23BA6580}" srcId="{5653FFD3-0DCC-40EB-BDD7-0D189D6F709E}" destId="{5942609F-9554-42E8-A983-77DDF9C74892}" srcOrd="8" destOrd="0" parTransId="{5359492F-FC98-4CAF-AF11-221FEBF9B674}" sibTransId="{B4BB4901-78E2-4EC4-9367-EA6BA2F7E6CA}"/>
-    <dgm:cxn modelId="{BCC8FDC8-B8B7-424D-A402-1C167A8BF81E}" type="presParOf" srcId="{8B29AB36-A582-409B-9BA0-5888C56A754D}" destId="{48F1457C-025A-42B2-B485-617F0E4F6015}" srcOrd="0" destOrd="0" presId="urn:microsoft.com/office/officeart/2008/layout/LinedList"/>
-    <dgm:cxn modelId="{70DF8213-3C45-4609-921B-9873C192007A}" type="presParOf" srcId="{8B29AB36-A582-409B-9BA0-5888C56A754D}" destId="{30E3C90D-58E8-4A21-97EA-B54932AD05E3}" srcOrd="1" destOrd="0" presId="urn:microsoft.com/office/officeart/2008/layout/LinedList"/>
-    <dgm:cxn modelId="{115AFC9D-F0CC-4319-B6D8-5998062452E2}" type="presParOf" srcId="{30E3C90D-58E8-4A21-97EA-B54932AD05E3}" destId="{41EA4067-F2A9-455E-973D-1D1B2AEE4F8A}" srcOrd="0" destOrd="0" presId="urn:microsoft.com/office/officeart/2008/layout/LinedList"/>
-    <dgm:cxn modelId="{AFEBA704-160F-4E6E-99D9-0A507AF75245}" type="presParOf" srcId="{30E3C90D-58E8-4A21-97EA-B54932AD05E3}" destId="{B38DB685-21E3-4584-910C-C469D6A5ACA1}" srcOrd="1" destOrd="0" presId="urn:microsoft.com/office/officeart/2008/layout/LinedList"/>
-    <dgm:cxn modelId="{ACE30A1F-7E34-4423-9786-A744C23473B6}" type="presParOf" srcId="{8B29AB36-A582-409B-9BA0-5888C56A754D}" destId="{5344601D-9EFD-4E2C-9D2D-03324697E40B}" srcOrd="2" destOrd="0" presId="urn:microsoft.com/office/officeart/2008/layout/LinedList"/>
-    <dgm:cxn modelId="{E50C7C30-A8AA-43CE-A96B-57AB9F7FBFEA}" type="presParOf" srcId="{8B29AB36-A582-409B-9BA0-5888C56A754D}" destId="{278943AF-29E9-4439-AA32-151732A63B10}" srcOrd="3" destOrd="0" presId="urn:microsoft.com/office/officeart/2008/layout/LinedList"/>
-    <dgm:cxn modelId="{1C99039F-2440-4492-B680-F858D20E2D35}" type="presParOf" srcId="{278943AF-29E9-4439-AA32-151732A63B10}" destId="{7B64FDF8-86F0-4759-90A5-BD41DBD65F48}" srcOrd="0" destOrd="0" presId="urn:microsoft.com/office/officeart/2008/layout/LinedList"/>
-    <dgm:cxn modelId="{A052975F-95F2-425E-A533-73F19AE16DF9}" type="presParOf" srcId="{278943AF-29E9-4439-AA32-151732A63B10}" destId="{DC109FAF-5A69-45FE-9A0A-1E9EDECEA6FC}" srcOrd="1" destOrd="0" presId="urn:microsoft.com/office/officeart/2008/layout/LinedList"/>
-    <dgm:cxn modelId="{DB493059-5D1F-4027-98A3-CB1C50D69A10}" type="presParOf" srcId="{8B29AB36-A582-409B-9BA0-5888C56A754D}" destId="{BE319969-27BD-4E6F-A968-C2834842E9BD}" srcOrd="4" destOrd="0" presId="urn:microsoft.com/office/officeart/2008/layout/LinedList"/>
-    <dgm:cxn modelId="{06F133AE-76E0-45FD-BA31-267E092076D8}" type="presParOf" srcId="{8B29AB36-A582-409B-9BA0-5888C56A754D}" destId="{7766FBD1-0DC1-49D8-BC3C-E15DD7A92DC9}" srcOrd="5" destOrd="0" presId="urn:microsoft.com/office/officeart/2008/layout/LinedList"/>
-    <dgm:cxn modelId="{746F70BD-CDE7-4B83-91CA-541E05AEAE58}" type="presParOf" srcId="{7766FBD1-0DC1-49D8-BC3C-E15DD7A92DC9}" destId="{61C32841-EC1F-464A-B6C2-021690E29BA3}" srcOrd="0" destOrd="0" presId="urn:microsoft.com/office/officeart/2008/layout/LinedList"/>
-    <dgm:cxn modelId="{934ED445-0CB7-4C66-94C9-4C85E2EBED28}" type="presParOf" srcId="{7766FBD1-0DC1-49D8-BC3C-E15DD7A92DC9}" destId="{09655D99-16B1-43E2-ABC8-ABC01F25BB8C}" srcOrd="1" destOrd="0" presId="urn:microsoft.com/office/officeart/2008/layout/LinedList"/>
-    <dgm:cxn modelId="{E79CC017-F20A-4E24-80CF-7C0625507EF1}" type="presParOf" srcId="{8B29AB36-A582-409B-9BA0-5888C56A754D}" destId="{12A93A73-DEED-42AB-93FB-FB47D6F4F390}" srcOrd="6" destOrd="0" presId="urn:microsoft.com/office/officeart/2008/layout/LinedList"/>
-    <dgm:cxn modelId="{56FFC6C3-2B79-470D-B5A1-748437BA979B}" type="presParOf" srcId="{8B29AB36-A582-409B-9BA0-5888C56A754D}" destId="{4B10F1AD-866B-43A6-940B-C6193F2C1AD3}" srcOrd="7" destOrd="0" presId="urn:microsoft.com/office/officeart/2008/layout/LinedList"/>
-    <dgm:cxn modelId="{7FEBE86D-C81C-41E3-90E6-D300775FEC80}" type="presParOf" srcId="{4B10F1AD-866B-43A6-940B-C6193F2C1AD3}" destId="{39225EEA-5764-45E4-A431-8C35BD455AED}" srcOrd="0" destOrd="0" presId="urn:microsoft.com/office/officeart/2008/layout/LinedList"/>
-    <dgm:cxn modelId="{4DCB4C25-887B-435A-8273-0843B369261D}" type="presParOf" srcId="{4B10F1AD-866B-43A6-940B-C6193F2C1AD3}" destId="{692F1FFA-6350-46D1-8756-59E192D0DDE5}" srcOrd="1" destOrd="0" presId="urn:microsoft.com/office/officeart/2008/layout/LinedList"/>
-    <dgm:cxn modelId="{FABC3BEB-6F00-4679-AC51-128ACC776453}" type="presParOf" srcId="{8B29AB36-A582-409B-9BA0-5888C56A754D}" destId="{9216E5B9-16A4-44DD-A83F-FFACB3C115EE}" srcOrd="8" destOrd="0" presId="urn:microsoft.com/office/officeart/2008/layout/LinedList"/>
-    <dgm:cxn modelId="{EEEF9DB8-572F-44E2-9209-2D25DC7C38CE}" type="presParOf" srcId="{8B29AB36-A582-409B-9BA0-5888C56A754D}" destId="{263E2852-6BBA-4A03-8906-0006DE49DE29}" srcOrd="9" destOrd="0" presId="urn:microsoft.com/office/officeart/2008/layout/LinedList"/>
-    <dgm:cxn modelId="{88FD9C2E-3871-44DA-A4D6-BE7CFF8F0B03}" type="presParOf" srcId="{263E2852-6BBA-4A03-8906-0006DE49DE29}" destId="{E110A2D8-A434-436A-B69D-099487B016A3}" srcOrd="0" destOrd="0" presId="urn:microsoft.com/office/officeart/2008/layout/LinedList"/>
-    <dgm:cxn modelId="{FBC9EC55-D68D-435F-9897-BF8F2270BDF7}" type="presParOf" srcId="{263E2852-6BBA-4A03-8906-0006DE49DE29}" destId="{13A314C6-0EB6-463E-9756-8EE91EFF95D4}" srcOrd="1" destOrd="0" presId="urn:microsoft.com/office/officeart/2008/layout/LinedList"/>
-    <dgm:cxn modelId="{3322EEB6-6989-45B5-82D6-8636C2057768}" type="presParOf" srcId="{8B29AB36-A582-409B-9BA0-5888C56A754D}" destId="{7E56592F-146F-4990-BCEC-613D749B23C1}" srcOrd="10" destOrd="0" presId="urn:microsoft.com/office/officeart/2008/layout/LinedList"/>
-    <dgm:cxn modelId="{F29382E6-D3EB-44FE-A01B-5C0AE945727B}" type="presParOf" srcId="{8B29AB36-A582-409B-9BA0-5888C56A754D}" destId="{B3794704-BB5D-450B-9D41-46C1840EDD3F}" srcOrd="11" destOrd="0" presId="urn:microsoft.com/office/officeart/2008/layout/LinedList"/>
-    <dgm:cxn modelId="{EEBE1DE5-D3BC-4722-80D0-808B4976A747}" type="presParOf" srcId="{B3794704-BB5D-450B-9D41-46C1840EDD3F}" destId="{401A9209-9C6E-43C0-97CA-CAE49D500BB6}" srcOrd="0" destOrd="0" presId="urn:microsoft.com/office/officeart/2008/layout/LinedList"/>
-    <dgm:cxn modelId="{888D18F1-270A-4D5F-88D6-BD7DFE9AC37C}" type="presParOf" srcId="{B3794704-BB5D-450B-9D41-46C1840EDD3F}" destId="{AC38AEB0-7BFD-4A9B-9B5D-6DD0151EDAD7}" srcOrd="1" destOrd="0" presId="urn:microsoft.com/office/officeart/2008/layout/LinedList"/>
-    <dgm:cxn modelId="{BB4EB815-77A5-4098-98E4-11C24E60E05E}" type="presParOf" srcId="{8B29AB36-A582-409B-9BA0-5888C56A754D}" destId="{E1B3BC0B-F00A-4D77-BA8B-FF1F276B0492}" srcOrd="12" destOrd="0" presId="urn:microsoft.com/office/officeart/2008/layout/LinedList"/>
-    <dgm:cxn modelId="{CB5279AA-0362-4403-BEF8-F227AE5E588D}" type="presParOf" srcId="{8B29AB36-A582-409B-9BA0-5888C56A754D}" destId="{32B715BF-EB30-4F6D-9C64-99DE5DEAF893}" srcOrd="13" destOrd="0" presId="urn:microsoft.com/office/officeart/2008/layout/LinedList"/>
-    <dgm:cxn modelId="{3D4AEEC1-FBEA-47B8-9BA1-76BA746A8D1A}" type="presParOf" srcId="{32B715BF-EB30-4F6D-9C64-99DE5DEAF893}" destId="{3D638A3E-AFC7-4A98-8346-3239258EAE35}" srcOrd="0" destOrd="0" presId="urn:microsoft.com/office/officeart/2008/layout/LinedList"/>
-    <dgm:cxn modelId="{D9C40BE7-B66E-41F2-B65B-006B863109E2}" type="presParOf" srcId="{32B715BF-EB30-4F6D-9C64-99DE5DEAF893}" destId="{ABC0808B-D56C-4FB1-A89C-657B04808C20}" srcOrd="1" destOrd="0" presId="urn:microsoft.com/office/officeart/2008/layout/LinedList"/>
-    <dgm:cxn modelId="{B362D6E0-6890-46C9-BB4E-A340ACD15000}" type="presParOf" srcId="{8B29AB36-A582-409B-9BA0-5888C56A754D}" destId="{3E300898-BE6A-417C-A751-8F63F0690F36}" srcOrd="14" destOrd="0" presId="urn:microsoft.com/office/officeart/2008/layout/LinedList"/>
-    <dgm:cxn modelId="{DA55489B-51BE-408F-A632-48C44E3C6EC8}" type="presParOf" srcId="{8B29AB36-A582-409B-9BA0-5888C56A754D}" destId="{98A4A7AC-656D-4560-9C07-43B90335B029}" srcOrd="15" destOrd="0" presId="urn:microsoft.com/office/officeart/2008/layout/LinedList"/>
-    <dgm:cxn modelId="{878614A0-B710-445D-9380-653F7374A83F}" type="presParOf" srcId="{98A4A7AC-656D-4560-9C07-43B90335B029}" destId="{17EDDAF9-E22C-4C2B-9A17-0E9478866434}" srcOrd="0" destOrd="0" presId="urn:microsoft.com/office/officeart/2008/layout/LinedList"/>
-    <dgm:cxn modelId="{E65D22F3-A3BE-4EFF-AD08-9B450273F576}" type="presParOf" srcId="{98A4A7AC-656D-4560-9C07-43B90335B029}" destId="{74384125-9488-4205-8793-C40D775DBFDA}" srcOrd="1" destOrd="0" presId="urn:microsoft.com/office/officeart/2008/layout/LinedList"/>
-    <dgm:cxn modelId="{4D5ABB75-A163-4318-8265-8863465344AD}" type="presParOf" srcId="{8B29AB36-A582-409B-9BA0-5888C56A754D}" destId="{83499DF7-B7DC-43DB-9A2E-5CE18C362DB6}" srcOrd="16" destOrd="0" presId="urn:microsoft.com/office/officeart/2008/layout/LinedList"/>
-    <dgm:cxn modelId="{EAB5C000-002E-45C3-A11E-7DEBF68E7C6B}" type="presParOf" srcId="{8B29AB36-A582-409B-9BA0-5888C56A754D}" destId="{0A32D69A-DC79-4A7F-8232-6FE842DC1D95}" srcOrd="17" destOrd="0" presId="urn:microsoft.com/office/officeart/2008/layout/LinedList"/>
-    <dgm:cxn modelId="{83AABF2A-455C-44D6-898C-F796AF97319D}" type="presParOf" srcId="{0A32D69A-DC79-4A7F-8232-6FE842DC1D95}" destId="{DC92E5B3-D94B-42B8-AEFD-D50C852034D2}" srcOrd="0" destOrd="0" presId="urn:microsoft.com/office/officeart/2008/layout/LinedList"/>
-    <dgm:cxn modelId="{FA8093F4-9DEC-44E4-8803-74481491C014}" type="presParOf" srcId="{0A32D69A-DC79-4A7F-8232-6FE842DC1D95}" destId="{78219100-1396-48AB-8785-903A6E8F5481}" srcOrd="1" destOrd="0" presId="urn:microsoft.com/office/officeart/2008/layout/LinedList"/>
-    <dgm:cxn modelId="{8039FFF9-FD5B-4BC0-AAE5-E878524E3D9B}" type="presParOf" srcId="{8B29AB36-A582-409B-9BA0-5888C56A754D}" destId="{7AA5767E-0421-4717-AC6E-C9B52C7DE048}" srcOrd="18" destOrd="0" presId="urn:microsoft.com/office/officeart/2008/layout/LinedList"/>
-    <dgm:cxn modelId="{F412726A-A379-4353-B200-74DA7F3C0F05}" type="presParOf" srcId="{8B29AB36-A582-409B-9BA0-5888C56A754D}" destId="{5DACE88D-F8EE-45B4-A990-63BAAF74CC57}" srcOrd="19" destOrd="0" presId="urn:microsoft.com/office/officeart/2008/layout/LinedList"/>
-    <dgm:cxn modelId="{37C9EA9F-9682-4D62-B520-06DD3BB1FBDB}" type="presParOf" srcId="{5DACE88D-F8EE-45B4-A990-63BAAF74CC57}" destId="{0F0D879C-23D3-4ACD-8BA3-1C25D71472A9}" srcOrd="0" destOrd="0" presId="urn:microsoft.com/office/officeart/2008/layout/LinedList"/>
-    <dgm:cxn modelId="{06BCDC83-A389-4AC3-8B34-73712417560E}" type="presParOf" srcId="{5DACE88D-F8EE-45B4-A990-63BAAF74CC57}" destId="{F3E69450-E653-4D79-A001-C457C76253D1}" srcOrd="1" destOrd="0" presId="urn:microsoft.com/office/officeart/2008/layout/LinedList"/>
-  </dgm:cxnLst>
-  <dgm:bg/>
-  <dgm:whole/>
-  <dgm:extLst>
-    <a:ext uri="http://schemas.microsoft.com/office/drawing/2008/diagram">
-      <dsp:dataModelExt xmlns:dsp="http://schemas.microsoft.com/office/drawing/2008/diagram" relId="rId8" minVer="http://schemas.openxmlformats.org/drawingml/2006/diagram"/>
-    </a:ext>
-  </dgm:extLst>
-</dgm:dataModel>
-</file>
-
-<file path=ppt/diagrams/data4.xml><?xml version="1.0" encoding="utf-8"?>
-<dgm:dataModel xmlns:dgm="http://schemas.openxmlformats.org/drawingml/2006/diagram" xmlns:a="http://schemas.openxmlformats.org/drawingml/2006/main">
-  <dgm:ptLst>
     <dgm:pt modelId="{FED7EFB2-F4A9-4F1D-8EFC-68651BC06E80}" type="doc">
       <dgm:prSet loTypeId="urn:microsoft.com/office/officeart/2005/8/layout/default" loCatId="list" qsTypeId="urn:microsoft.com/office/officeart/2005/8/quickstyle/simple1" qsCatId="simple" csTypeId="urn:microsoft.com/office/officeart/2005/8/colors/accent1_2" csCatId="accent1"/>
       <dgm:spPr/>
@@ -5865,7 +4489,7 @@
 </dgm:dataModel>
 </file>
 
-<file path=ppt/diagrams/data5.xml><?xml version="1.0" encoding="utf-8"?>
+<file path=ppt/diagrams/data4.xml><?xml version="1.0" encoding="utf-8"?>
 <dgm:dataModel xmlns:dgm="http://schemas.openxmlformats.org/drawingml/2006/diagram" xmlns:a="http://schemas.openxmlformats.org/drawingml/2006/main">
   <dgm:ptLst>
     <dgm:pt modelId="{D5CE511B-0377-4865-A0B6-376BF31A67D5}" type="doc">
@@ -7268,1348 +5892,6 @@
       <dsp:cNvGrpSpPr/>
     </dsp:nvGrpSpPr>
     <dsp:grpSpPr/>
-    <dsp:sp modelId="{48F1457C-025A-42B2-B485-617F0E4F6015}">
-      <dsp:nvSpPr>
-        <dsp:cNvPr id="0" name=""/>
-        <dsp:cNvSpPr/>
-      </dsp:nvSpPr>
-      <dsp:spPr>
-        <a:xfrm>
-          <a:off x="0" y="512"/>
-          <a:ext cx="8947150" cy="0"/>
-        </a:xfrm>
-        <a:prstGeom prst="line">
-          <a:avLst/>
-        </a:prstGeom>
-        <a:gradFill rotWithShape="0">
-          <a:gsLst>
-            <a:gs pos="0">
-              <a:schemeClr val="accent2">
-                <a:hueOff val="0"/>
-                <a:satOff val="0"/>
-                <a:lumOff val="0"/>
-                <a:alphaOff val="0"/>
-                <a:tint val="98000"/>
-                <a:lumMod val="114000"/>
-              </a:schemeClr>
-            </a:gs>
-            <a:gs pos="100000">
-              <a:schemeClr val="accent2">
-                <a:hueOff val="0"/>
-                <a:satOff val="0"/>
-                <a:lumOff val="0"/>
-                <a:alphaOff val="0"/>
-                <a:shade val="90000"/>
-                <a:lumMod val="84000"/>
-              </a:schemeClr>
-            </a:gs>
-          </a:gsLst>
-          <a:lin ang="5400000" scaled="0"/>
-        </a:gradFill>
-        <a:ln w="9525" cap="rnd" cmpd="sng" algn="ctr">
-          <a:solidFill>
-            <a:schemeClr val="accent2">
-              <a:hueOff val="0"/>
-              <a:satOff val="0"/>
-              <a:lumOff val="0"/>
-              <a:alphaOff val="0"/>
-            </a:schemeClr>
-          </a:solidFill>
-          <a:prstDash val="solid"/>
-        </a:ln>
-        <a:effectLst>
-          <a:outerShdw blurRad="38100" dist="25400" dir="5400000" rotWithShape="0">
-            <a:srgbClr val="000000">
-              <a:alpha val="45000"/>
-            </a:srgbClr>
-          </a:outerShdw>
-        </a:effectLst>
-      </dsp:spPr>
-      <dsp:style>
-        <a:lnRef idx="1">
-          <a:scrgbClr r="0" g="0" b="0"/>
-        </a:lnRef>
-        <a:fillRef idx="3">
-          <a:scrgbClr r="0" g="0" b="0"/>
-        </a:fillRef>
-        <a:effectRef idx="2">
-          <a:scrgbClr r="0" g="0" b="0"/>
-        </a:effectRef>
-        <a:fontRef idx="minor">
-          <a:schemeClr val="lt1"/>
-        </a:fontRef>
-      </dsp:style>
-    </dsp:sp>
-    <dsp:sp modelId="{41EA4067-F2A9-455E-973D-1D1B2AEE4F8A}">
-      <dsp:nvSpPr>
-        <dsp:cNvPr id="0" name=""/>
-        <dsp:cNvSpPr/>
-      </dsp:nvSpPr>
-      <dsp:spPr>
-        <a:xfrm>
-          <a:off x="0" y="512"/>
-          <a:ext cx="8947150" cy="419473"/>
-        </a:xfrm>
-        <a:prstGeom prst="rect">
-          <a:avLst/>
-        </a:prstGeom>
-        <a:noFill/>
-        <a:ln>
-          <a:noFill/>
-        </a:ln>
-        <a:effectLst/>
-      </dsp:spPr>
-      <dsp:style>
-        <a:lnRef idx="0">
-          <a:scrgbClr r="0" g="0" b="0"/>
-        </a:lnRef>
-        <a:fillRef idx="0">
-          <a:scrgbClr r="0" g="0" b="0"/>
-        </a:fillRef>
-        <a:effectRef idx="0">
-          <a:scrgbClr r="0" g="0" b="0"/>
-        </a:effectRef>
-        <a:fontRef idx="minor"/>
-      </dsp:style>
-      <dsp:txBody>
-        <a:bodyPr spcFirstLastPara="0" vert="horz" wrap="square" lIns="72390" tIns="72390" rIns="72390" bIns="72390" numCol="1" spcCol="1270" anchor="t" anchorCtr="0">
-          <a:noAutofit/>
-        </a:bodyPr>
-        <a:lstStyle/>
-        <a:p>
-          <a:pPr marL="0" lvl="0" indent="0" algn="l" defTabSz="844550">
-            <a:lnSpc>
-              <a:spcPct val="90000"/>
-            </a:lnSpc>
-            <a:spcBef>
-              <a:spcPct val="0"/>
-            </a:spcBef>
-            <a:spcAft>
-              <a:spcPct val="35000"/>
-            </a:spcAft>
-            <a:buNone/>
-          </a:pPr>
-          <a:r>
-            <a:rPr lang="en-US" sz="1900" b="0" i="0" kern="1200" baseline="0"/>
-            <a:t>1. Smaller Code Changes</a:t>
-          </a:r>
-          <a:endParaRPr lang="en-US" sz="1900" kern="1200"/>
-        </a:p>
-      </dsp:txBody>
-      <dsp:txXfrm>
-        <a:off x="0" y="512"/>
-        <a:ext cx="8947150" cy="419473"/>
-      </dsp:txXfrm>
-    </dsp:sp>
-    <dsp:sp modelId="{5344601D-9EFD-4E2C-9D2D-03324697E40B}">
-      <dsp:nvSpPr>
-        <dsp:cNvPr id="0" name=""/>
-        <dsp:cNvSpPr/>
-      </dsp:nvSpPr>
-      <dsp:spPr>
-        <a:xfrm>
-          <a:off x="0" y="419985"/>
-          <a:ext cx="8947150" cy="0"/>
-        </a:xfrm>
-        <a:prstGeom prst="line">
-          <a:avLst/>
-        </a:prstGeom>
-        <a:gradFill rotWithShape="0">
-          <a:gsLst>
-            <a:gs pos="0">
-              <a:schemeClr val="accent2">
-                <a:hueOff val="0"/>
-                <a:satOff val="0"/>
-                <a:lumOff val="0"/>
-                <a:alphaOff val="0"/>
-                <a:tint val="98000"/>
-                <a:lumMod val="114000"/>
-              </a:schemeClr>
-            </a:gs>
-            <a:gs pos="100000">
-              <a:schemeClr val="accent2">
-                <a:hueOff val="0"/>
-                <a:satOff val="0"/>
-                <a:lumOff val="0"/>
-                <a:alphaOff val="0"/>
-                <a:shade val="90000"/>
-                <a:lumMod val="84000"/>
-              </a:schemeClr>
-            </a:gs>
-          </a:gsLst>
-          <a:lin ang="5400000" scaled="0"/>
-        </a:gradFill>
-        <a:ln w="9525" cap="rnd" cmpd="sng" algn="ctr">
-          <a:solidFill>
-            <a:schemeClr val="accent2">
-              <a:hueOff val="0"/>
-              <a:satOff val="0"/>
-              <a:lumOff val="0"/>
-              <a:alphaOff val="0"/>
-            </a:schemeClr>
-          </a:solidFill>
-          <a:prstDash val="solid"/>
-        </a:ln>
-        <a:effectLst>
-          <a:outerShdw blurRad="38100" dist="25400" dir="5400000" rotWithShape="0">
-            <a:srgbClr val="000000">
-              <a:alpha val="45000"/>
-            </a:srgbClr>
-          </a:outerShdw>
-        </a:effectLst>
-      </dsp:spPr>
-      <dsp:style>
-        <a:lnRef idx="1">
-          <a:scrgbClr r="0" g="0" b="0"/>
-        </a:lnRef>
-        <a:fillRef idx="3">
-          <a:scrgbClr r="0" g="0" b="0"/>
-        </a:fillRef>
-        <a:effectRef idx="2">
-          <a:scrgbClr r="0" g="0" b="0"/>
-        </a:effectRef>
-        <a:fontRef idx="minor">
-          <a:schemeClr val="lt1"/>
-        </a:fontRef>
-      </dsp:style>
-    </dsp:sp>
-    <dsp:sp modelId="{7B64FDF8-86F0-4759-90A5-BD41DBD65F48}">
-      <dsp:nvSpPr>
-        <dsp:cNvPr id="0" name=""/>
-        <dsp:cNvSpPr/>
-      </dsp:nvSpPr>
-      <dsp:spPr>
-        <a:xfrm>
-          <a:off x="0" y="419985"/>
-          <a:ext cx="8947150" cy="419473"/>
-        </a:xfrm>
-        <a:prstGeom prst="rect">
-          <a:avLst/>
-        </a:prstGeom>
-        <a:noFill/>
-        <a:ln>
-          <a:noFill/>
-        </a:ln>
-        <a:effectLst/>
-      </dsp:spPr>
-      <dsp:style>
-        <a:lnRef idx="0">
-          <a:scrgbClr r="0" g="0" b="0"/>
-        </a:lnRef>
-        <a:fillRef idx="0">
-          <a:scrgbClr r="0" g="0" b="0"/>
-        </a:fillRef>
-        <a:effectRef idx="0">
-          <a:scrgbClr r="0" g="0" b="0"/>
-        </a:effectRef>
-        <a:fontRef idx="minor"/>
-      </dsp:style>
-      <dsp:txBody>
-        <a:bodyPr spcFirstLastPara="0" vert="horz" wrap="square" lIns="72390" tIns="72390" rIns="72390" bIns="72390" numCol="1" spcCol="1270" anchor="t" anchorCtr="0">
-          <a:noAutofit/>
-        </a:bodyPr>
-        <a:lstStyle/>
-        <a:p>
-          <a:pPr marL="0" lvl="0" indent="0" algn="l" defTabSz="844550">
-            <a:lnSpc>
-              <a:spcPct val="90000"/>
-            </a:lnSpc>
-            <a:spcBef>
-              <a:spcPct val="0"/>
-            </a:spcBef>
-            <a:spcAft>
-              <a:spcPct val="35000"/>
-            </a:spcAft>
-            <a:buNone/>
-          </a:pPr>
-          <a:r>
-            <a:rPr lang="en-US" sz="1900" b="0" i="0" kern="1200" baseline="0"/>
-            <a:t>2. Fault Isolations</a:t>
-          </a:r>
-          <a:endParaRPr lang="en-US" sz="1900" kern="1200"/>
-        </a:p>
-      </dsp:txBody>
-      <dsp:txXfrm>
-        <a:off x="0" y="419985"/>
-        <a:ext cx="8947150" cy="419473"/>
-      </dsp:txXfrm>
-    </dsp:sp>
-    <dsp:sp modelId="{BE319969-27BD-4E6F-A968-C2834842E9BD}">
-      <dsp:nvSpPr>
-        <dsp:cNvPr id="0" name=""/>
-        <dsp:cNvSpPr/>
-      </dsp:nvSpPr>
-      <dsp:spPr>
-        <a:xfrm>
-          <a:off x="0" y="839459"/>
-          <a:ext cx="8947150" cy="0"/>
-        </a:xfrm>
-        <a:prstGeom prst="line">
-          <a:avLst/>
-        </a:prstGeom>
-        <a:gradFill rotWithShape="0">
-          <a:gsLst>
-            <a:gs pos="0">
-              <a:schemeClr val="accent2">
-                <a:hueOff val="0"/>
-                <a:satOff val="0"/>
-                <a:lumOff val="0"/>
-                <a:alphaOff val="0"/>
-                <a:tint val="98000"/>
-                <a:lumMod val="114000"/>
-              </a:schemeClr>
-            </a:gs>
-            <a:gs pos="100000">
-              <a:schemeClr val="accent2">
-                <a:hueOff val="0"/>
-                <a:satOff val="0"/>
-                <a:lumOff val="0"/>
-                <a:alphaOff val="0"/>
-                <a:shade val="90000"/>
-                <a:lumMod val="84000"/>
-              </a:schemeClr>
-            </a:gs>
-          </a:gsLst>
-          <a:lin ang="5400000" scaled="0"/>
-        </a:gradFill>
-        <a:ln w="9525" cap="rnd" cmpd="sng" algn="ctr">
-          <a:solidFill>
-            <a:schemeClr val="accent2">
-              <a:hueOff val="0"/>
-              <a:satOff val="0"/>
-              <a:lumOff val="0"/>
-              <a:alphaOff val="0"/>
-            </a:schemeClr>
-          </a:solidFill>
-          <a:prstDash val="solid"/>
-        </a:ln>
-        <a:effectLst>
-          <a:outerShdw blurRad="38100" dist="25400" dir="5400000" rotWithShape="0">
-            <a:srgbClr val="000000">
-              <a:alpha val="45000"/>
-            </a:srgbClr>
-          </a:outerShdw>
-        </a:effectLst>
-      </dsp:spPr>
-      <dsp:style>
-        <a:lnRef idx="1">
-          <a:scrgbClr r="0" g="0" b="0"/>
-        </a:lnRef>
-        <a:fillRef idx="3">
-          <a:scrgbClr r="0" g="0" b="0"/>
-        </a:fillRef>
-        <a:effectRef idx="2">
-          <a:scrgbClr r="0" g="0" b="0"/>
-        </a:effectRef>
-        <a:fontRef idx="minor">
-          <a:schemeClr val="lt1"/>
-        </a:fontRef>
-      </dsp:style>
-    </dsp:sp>
-    <dsp:sp modelId="{61C32841-EC1F-464A-B6C2-021690E29BA3}">
-      <dsp:nvSpPr>
-        <dsp:cNvPr id="0" name=""/>
-        <dsp:cNvSpPr/>
-      </dsp:nvSpPr>
-      <dsp:spPr>
-        <a:xfrm>
-          <a:off x="0" y="839459"/>
-          <a:ext cx="8947150" cy="419473"/>
-        </a:xfrm>
-        <a:prstGeom prst="rect">
-          <a:avLst/>
-        </a:prstGeom>
-        <a:noFill/>
-        <a:ln>
-          <a:noFill/>
-        </a:ln>
-        <a:effectLst/>
-      </dsp:spPr>
-      <dsp:style>
-        <a:lnRef idx="0">
-          <a:scrgbClr r="0" g="0" b="0"/>
-        </a:lnRef>
-        <a:fillRef idx="0">
-          <a:scrgbClr r="0" g="0" b="0"/>
-        </a:fillRef>
-        <a:effectRef idx="0">
-          <a:scrgbClr r="0" g="0" b="0"/>
-        </a:effectRef>
-        <a:fontRef idx="minor"/>
-      </dsp:style>
-      <dsp:txBody>
-        <a:bodyPr spcFirstLastPara="0" vert="horz" wrap="square" lIns="72390" tIns="72390" rIns="72390" bIns="72390" numCol="1" spcCol="1270" anchor="t" anchorCtr="0">
-          <a:noAutofit/>
-        </a:bodyPr>
-        <a:lstStyle/>
-        <a:p>
-          <a:pPr marL="0" lvl="0" indent="0" algn="l" defTabSz="844550">
-            <a:lnSpc>
-              <a:spcPct val="90000"/>
-            </a:lnSpc>
-            <a:spcBef>
-              <a:spcPct val="0"/>
-            </a:spcBef>
-            <a:spcAft>
-              <a:spcPct val="35000"/>
-            </a:spcAft>
-            <a:buNone/>
-          </a:pPr>
-          <a:r>
-            <a:rPr lang="en-US" sz="1900" b="0" i="0" kern="1200" baseline="0"/>
-            <a:t>3. Faster Mean Time To Resolution (MTTR)</a:t>
-          </a:r>
-          <a:endParaRPr lang="en-US" sz="1900" kern="1200"/>
-        </a:p>
-      </dsp:txBody>
-      <dsp:txXfrm>
-        <a:off x="0" y="839459"/>
-        <a:ext cx="8947150" cy="419473"/>
-      </dsp:txXfrm>
-    </dsp:sp>
-    <dsp:sp modelId="{12A93A73-DEED-42AB-93FB-FB47D6F4F390}">
-      <dsp:nvSpPr>
-        <dsp:cNvPr id="0" name=""/>
-        <dsp:cNvSpPr/>
-      </dsp:nvSpPr>
-      <dsp:spPr>
-        <a:xfrm>
-          <a:off x="0" y="1258933"/>
-          <a:ext cx="8947150" cy="0"/>
-        </a:xfrm>
-        <a:prstGeom prst="line">
-          <a:avLst/>
-        </a:prstGeom>
-        <a:gradFill rotWithShape="0">
-          <a:gsLst>
-            <a:gs pos="0">
-              <a:schemeClr val="accent2">
-                <a:hueOff val="0"/>
-                <a:satOff val="0"/>
-                <a:lumOff val="0"/>
-                <a:alphaOff val="0"/>
-                <a:tint val="98000"/>
-                <a:lumMod val="114000"/>
-              </a:schemeClr>
-            </a:gs>
-            <a:gs pos="100000">
-              <a:schemeClr val="accent2">
-                <a:hueOff val="0"/>
-                <a:satOff val="0"/>
-                <a:lumOff val="0"/>
-                <a:alphaOff val="0"/>
-                <a:shade val="90000"/>
-                <a:lumMod val="84000"/>
-              </a:schemeClr>
-            </a:gs>
-          </a:gsLst>
-          <a:lin ang="5400000" scaled="0"/>
-        </a:gradFill>
-        <a:ln w="9525" cap="rnd" cmpd="sng" algn="ctr">
-          <a:solidFill>
-            <a:schemeClr val="accent2">
-              <a:hueOff val="0"/>
-              <a:satOff val="0"/>
-              <a:lumOff val="0"/>
-              <a:alphaOff val="0"/>
-            </a:schemeClr>
-          </a:solidFill>
-          <a:prstDash val="solid"/>
-        </a:ln>
-        <a:effectLst>
-          <a:outerShdw blurRad="38100" dist="25400" dir="5400000" rotWithShape="0">
-            <a:srgbClr val="000000">
-              <a:alpha val="45000"/>
-            </a:srgbClr>
-          </a:outerShdw>
-        </a:effectLst>
-      </dsp:spPr>
-      <dsp:style>
-        <a:lnRef idx="1">
-          <a:scrgbClr r="0" g="0" b="0"/>
-        </a:lnRef>
-        <a:fillRef idx="3">
-          <a:scrgbClr r="0" g="0" b="0"/>
-        </a:fillRef>
-        <a:effectRef idx="2">
-          <a:scrgbClr r="0" g="0" b="0"/>
-        </a:effectRef>
-        <a:fontRef idx="minor">
-          <a:schemeClr val="lt1"/>
-        </a:fontRef>
-      </dsp:style>
-    </dsp:sp>
-    <dsp:sp modelId="{39225EEA-5764-45E4-A431-8C35BD455AED}">
-      <dsp:nvSpPr>
-        <dsp:cNvPr id="0" name=""/>
-        <dsp:cNvSpPr/>
-      </dsp:nvSpPr>
-      <dsp:spPr>
-        <a:xfrm>
-          <a:off x="0" y="1258933"/>
-          <a:ext cx="8947150" cy="419473"/>
-        </a:xfrm>
-        <a:prstGeom prst="rect">
-          <a:avLst/>
-        </a:prstGeom>
-        <a:noFill/>
-        <a:ln>
-          <a:noFill/>
-        </a:ln>
-        <a:effectLst/>
-      </dsp:spPr>
-      <dsp:style>
-        <a:lnRef idx="0">
-          <a:scrgbClr r="0" g="0" b="0"/>
-        </a:lnRef>
-        <a:fillRef idx="0">
-          <a:scrgbClr r="0" g="0" b="0"/>
-        </a:fillRef>
-        <a:effectRef idx="0">
-          <a:scrgbClr r="0" g="0" b="0"/>
-        </a:effectRef>
-        <a:fontRef idx="minor"/>
-      </dsp:style>
-      <dsp:txBody>
-        <a:bodyPr spcFirstLastPara="0" vert="horz" wrap="square" lIns="72390" tIns="72390" rIns="72390" bIns="72390" numCol="1" spcCol="1270" anchor="t" anchorCtr="0">
-          <a:noAutofit/>
-        </a:bodyPr>
-        <a:lstStyle/>
-        <a:p>
-          <a:pPr marL="0" lvl="0" indent="0" algn="l" defTabSz="844550">
-            <a:lnSpc>
-              <a:spcPct val="90000"/>
-            </a:lnSpc>
-            <a:spcBef>
-              <a:spcPct val="0"/>
-            </a:spcBef>
-            <a:spcAft>
-              <a:spcPct val="35000"/>
-            </a:spcAft>
-            <a:buNone/>
-          </a:pPr>
-          <a:r>
-            <a:rPr lang="en-US" sz="1900" b="0" i="0" kern="1200" baseline="0"/>
-            <a:t>4. More Test Reliability</a:t>
-          </a:r>
-          <a:endParaRPr lang="en-US" sz="1900" kern="1200"/>
-        </a:p>
-      </dsp:txBody>
-      <dsp:txXfrm>
-        <a:off x="0" y="1258933"/>
-        <a:ext cx="8947150" cy="419473"/>
-      </dsp:txXfrm>
-    </dsp:sp>
-    <dsp:sp modelId="{9216E5B9-16A4-44DD-A83F-FFACB3C115EE}">
-      <dsp:nvSpPr>
-        <dsp:cNvPr id="0" name=""/>
-        <dsp:cNvSpPr/>
-      </dsp:nvSpPr>
-      <dsp:spPr>
-        <a:xfrm>
-          <a:off x="0" y="1678407"/>
-          <a:ext cx="8947150" cy="0"/>
-        </a:xfrm>
-        <a:prstGeom prst="line">
-          <a:avLst/>
-        </a:prstGeom>
-        <a:gradFill rotWithShape="0">
-          <a:gsLst>
-            <a:gs pos="0">
-              <a:schemeClr val="accent2">
-                <a:hueOff val="0"/>
-                <a:satOff val="0"/>
-                <a:lumOff val="0"/>
-                <a:alphaOff val="0"/>
-                <a:tint val="98000"/>
-                <a:lumMod val="114000"/>
-              </a:schemeClr>
-            </a:gs>
-            <a:gs pos="100000">
-              <a:schemeClr val="accent2">
-                <a:hueOff val="0"/>
-                <a:satOff val="0"/>
-                <a:lumOff val="0"/>
-                <a:alphaOff val="0"/>
-                <a:shade val="90000"/>
-                <a:lumMod val="84000"/>
-              </a:schemeClr>
-            </a:gs>
-          </a:gsLst>
-          <a:lin ang="5400000" scaled="0"/>
-        </a:gradFill>
-        <a:ln w="9525" cap="rnd" cmpd="sng" algn="ctr">
-          <a:solidFill>
-            <a:schemeClr val="accent2">
-              <a:hueOff val="0"/>
-              <a:satOff val="0"/>
-              <a:lumOff val="0"/>
-              <a:alphaOff val="0"/>
-            </a:schemeClr>
-          </a:solidFill>
-          <a:prstDash val="solid"/>
-        </a:ln>
-        <a:effectLst>
-          <a:outerShdw blurRad="38100" dist="25400" dir="5400000" rotWithShape="0">
-            <a:srgbClr val="000000">
-              <a:alpha val="45000"/>
-            </a:srgbClr>
-          </a:outerShdw>
-        </a:effectLst>
-      </dsp:spPr>
-      <dsp:style>
-        <a:lnRef idx="1">
-          <a:scrgbClr r="0" g="0" b="0"/>
-        </a:lnRef>
-        <a:fillRef idx="3">
-          <a:scrgbClr r="0" g="0" b="0"/>
-        </a:fillRef>
-        <a:effectRef idx="2">
-          <a:scrgbClr r="0" g="0" b="0"/>
-        </a:effectRef>
-        <a:fontRef idx="minor">
-          <a:schemeClr val="lt1"/>
-        </a:fontRef>
-      </dsp:style>
-    </dsp:sp>
-    <dsp:sp modelId="{E110A2D8-A434-436A-B69D-099487B016A3}">
-      <dsp:nvSpPr>
-        <dsp:cNvPr id="0" name=""/>
-        <dsp:cNvSpPr/>
-      </dsp:nvSpPr>
-      <dsp:spPr>
-        <a:xfrm>
-          <a:off x="0" y="1678407"/>
-          <a:ext cx="8947150" cy="419473"/>
-        </a:xfrm>
-        <a:prstGeom prst="rect">
-          <a:avLst/>
-        </a:prstGeom>
-        <a:noFill/>
-        <a:ln>
-          <a:noFill/>
-        </a:ln>
-        <a:effectLst/>
-      </dsp:spPr>
-      <dsp:style>
-        <a:lnRef idx="0">
-          <a:scrgbClr r="0" g="0" b="0"/>
-        </a:lnRef>
-        <a:fillRef idx="0">
-          <a:scrgbClr r="0" g="0" b="0"/>
-        </a:fillRef>
-        <a:effectRef idx="0">
-          <a:scrgbClr r="0" g="0" b="0"/>
-        </a:effectRef>
-        <a:fontRef idx="minor"/>
-      </dsp:style>
-      <dsp:txBody>
-        <a:bodyPr spcFirstLastPara="0" vert="horz" wrap="square" lIns="72390" tIns="72390" rIns="72390" bIns="72390" numCol="1" spcCol="1270" anchor="t" anchorCtr="0">
-          <a:noAutofit/>
-        </a:bodyPr>
-        <a:lstStyle/>
-        <a:p>
-          <a:pPr marL="0" lvl="0" indent="0" algn="l" defTabSz="844550">
-            <a:lnSpc>
-              <a:spcPct val="90000"/>
-            </a:lnSpc>
-            <a:spcBef>
-              <a:spcPct val="0"/>
-            </a:spcBef>
-            <a:spcAft>
-              <a:spcPct val="35000"/>
-            </a:spcAft>
-            <a:buNone/>
-          </a:pPr>
-          <a:r>
-            <a:rPr lang="en-US" sz="1900" b="0" i="0" kern="1200" baseline="0"/>
-            <a:t>5. Faster Release Rate</a:t>
-          </a:r>
-          <a:endParaRPr lang="en-US" sz="1900" kern="1200"/>
-        </a:p>
-      </dsp:txBody>
-      <dsp:txXfrm>
-        <a:off x="0" y="1678407"/>
-        <a:ext cx="8947150" cy="419473"/>
-      </dsp:txXfrm>
-    </dsp:sp>
-    <dsp:sp modelId="{7E56592F-146F-4990-BCEC-613D749B23C1}">
-      <dsp:nvSpPr>
-        <dsp:cNvPr id="0" name=""/>
-        <dsp:cNvSpPr/>
-      </dsp:nvSpPr>
-      <dsp:spPr>
-        <a:xfrm>
-          <a:off x="0" y="2097881"/>
-          <a:ext cx="8947150" cy="0"/>
-        </a:xfrm>
-        <a:prstGeom prst="line">
-          <a:avLst/>
-        </a:prstGeom>
-        <a:gradFill rotWithShape="0">
-          <a:gsLst>
-            <a:gs pos="0">
-              <a:schemeClr val="accent2">
-                <a:hueOff val="0"/>
-                <a:satOff val="0"/>
-                <a:lumOff val="0"/>
-                <a:alphaOff val="0"/>
-                <a:tint val="98000"/>
-                <a:lumMod val="114000"/>
-              </a:schemeClr>
-            </a:gs>
-            <a:gs pos="100000">
-              <a:schemeClr val="accent2">
-                <a:hueOff val="0"/>
-                <a:satOff val="0"/>
-                <a:lumOff val="0"/>
-                <a:alphaOff val="0"/>
-                <a:shade val="90000"/>
-                <a:lumMod val="84000"/>
-              </a:schemeClr>
-            </a:gs>
-          </a:gsLst>
-          <a:lin ang="5400000" scaled="0"/>
-        </a:gradFill>
-        <a:ln w="9525" cap="rnd" cmpd="sng" algn="ctr">
-          <a:solidFill>
-            <a:schemeClr val="accent2">
-              <a:hueOff val="0"/>
-              <a:satOff val="0"/>
-              <a:lumOff val="0"/>
-              <a:alphaOff val="0"/>
-            </a:schemeClr>
-          </a:solidFill>
-          <a:prstDash val="solid"/>
-        </a:ln>
-        <a:effectLst>
-          <a:outerShdw blurRad="38100" dist="25400" dir="5400000" rotWithShape="0">
-            <a:srgbClr val="000000">
-              <a:alpha val="45000"/>
-            </a:srgbClr>
-          </a:outerShdw>
-        </a:effectLst>
-      </dsp:spPr>
-      <dsp:style>
-        <a:lnRef idx="1">
-          <a:scrgbClr r="0" g="0" b="0"/>
-        </a:lnRef>
-        <a:fillRef idx="3">
-          <a:scrgbClr r="0" g="0" b="0"/>
-        </a:fillRef>
-        <a:effectRef idx="2">
-          <a:scrgbClr r="0" g="0" b="0"/>
-        </a:effectRef>
-        <a:fontRef idx="minor">
-          <a:schemeClr val="lt1"/>
-        </a:fontRef>
-      </dsp:style>
-    </dsp:sp>
-    <dsp:sp modelId="{401A9209-9C6E-43C0-97CA-CAE49D500BB6}">
-      <dsp:nvSpPr>
-        <dsp:cNvPr id="0" name=""/>
-        <dsp:cNvSpPr/>
-      </dsp:nvSpPr>
-      <dsp:spPr>
-        <a:xfrm>
-          <a:off x="0" y="2097880"/>
-          <a:ext cx="8947150" cy="419473"/>
-        </a:xfrm>
-        <a:prstGeom prst="rect">
-          <a:avLst/>
-        </a:prstGeom>
-        <a:noFill/>
-        <a:ln>
-          <a:noFill/>
-        </a:ln>
-        <a:effectLst/>
-      </dsp:spPr>
-      <dsp:style>
-        <a:lnRef idx="0">
-          <a:scrgbClr r="0" g="0" b="0"/>
-        </a:lnRef>
-        <a:fillRef idx="0">
-          <a:scrgbClr r="0" g="0" b="0"/>
-        </a:fillRef>
-        <a:effectRef idx="0">
-          <a:scrgbClr r="0" g="0" b="0"/>
-        </a:effectRef>
-        <a:fontRef idx="minor"/>
-      </dsp:style>
-      <dsp:txBody>
-        <a:bodyPr spcFirstLastPara="0" vert="horz" wrap="square" lIns="72390" tIns="72390" rIns="72390" bIns="72390" numCol="1" spcCol="1270" anchor="t" anchorCtr="0">
-          <a:noAutofit/>
-        </a:bodyPr>
-        <a:lstStyle/>
-        <a:p>
-          <a:pPr marL="0" lvl="0" indent="0" algn="l" defTabSz="844550">
-            <a:lnSpc>
-              <a:spcPct val="90000"/>
-            </a:lnSpc>
-            <a:spcBef>
-              <a:spcPct val="0"/>
-            </a:spcBef>
-            <a:spcAft>
-              <a:spcPct val="35000"/>
-            </a:spcAft>
-            <a:buNone/>
-          </a:pPr>
-          <a:r>
-            <a:rPr lang="en-US" sz="1900" b="0" i="0" kern="1200" baseline="0"/>
-            <a:t>6. Smaller Backlog</a:t>
-          </a:r>
-          <a:endParaRPr lang="en-US" sz="1900" kern="1200"/>
-        </a:p>
-      </dsp:txBody>
-      <dsp:txXfrm>
-        <a:off x="0" y="2097880"/>
-        <a:ext cx="8947150" cy="419473"/>
-      </dsp:txXfrm>
-    </dsp:sp>
-    <dsp:sp modelId="{E1B3BC0B-F00A-4D77-BA8B-FF1F276B0492}">
-      <dsp:nvSpPr>
-        <dsp:cNvPr id="0" name=""/>
-        <dsp:cNvSpPr/>
-      </dsp:nvSpPr>
-      <dsp:spPr>
-        <a:xfrm>
-          <a:off x="0" y="2517354"/>
-          <a:ext cx="8947150" cy="0"/>
-        </a:xfrm>
-        <a:prstGeom prst="line">
-          <a:avLst/>
-        </a:prstGeom>
-        <a:gradFill rotWithShape="0">
-          <a:gsLst>
-            <a:gs pos="0">
-              <a:schemeClr val="accent2">
-                <a:hueOff val="0"/>
-                <a:satOff val="0"/>
-                <a:lumOff val="0"/>
-                <a:alphaOff val="0"/>
-                <a:tint val="98000"/>
-                <a:lumMod val="114000"/>
-              </a:schemeClr>
-            </a:gs>
-            <a:gs pos="100000">
-              <a:schemeClr val="accent2">
-                <a:hueOff val="0"/>
-                <a:satOff val="0"/>
-                <a:lumOff val="0"/>
-                <a:alphaOff val="0"/>
-                <a:shade val="90000"/>
-                <a:lumMod val="84000"/>
-              </a:schemeClr>
-            </a:gs>
-          </a:gsLst>
-          <a:lin ang="5400000" scaled="0"/>
-        </a:gradFill>
-        <a:ln w="9525" cap="rnd" cmpd="sng" algn="ctr">
-          <a:solidFill>
-            <a:schemeClr val="accent2">
-              <a:hueOff val="0"/>
-              <a:satOff val="0"/>
-              <a:lumOff val="0"/>
-              <a:alphaOff val="0"/>
-            </a:schemeClr>
-          </a:solidFill>
-          <a:prstDash val="solid"/>
-        </a:ln>
-        <a:effectLst>
-          <a:outerShdw blurRad="38100" dist="25400" dir="5400000" rotWithShape="0">
-            <a:srgbClr val="000000">
-              <a:alpha val="45000"/>
-            </a:srgbClr>
-          </a:outerShdw>
-        </a:effectLst>
-      </dsp:spPr>
-      <dsp:style>
-        <a:lnRef idx="1">
-          <a:scrgbClr r="0" g="0" b="0"/>
-        </a:lnRef>
-        <a:fillRef idx="3">
-          <a:scrgbClr r="0" g="0" b="0"/>
-        </a:fillRef>
-        <a:effectRef idx="2">
-          <a:scrgbClr r="0" g="0" b="0"/>
-        </a:effectRef>
-        <a:fontRef idx="minor">
-          <a:schemeClr val="lt1"/>
-        </a:fontRef>
-      </dsp:style>
-    </dsp:sp>
-    <dsp:sp modelId="{3D638A3E-AFC7-4A98-8346-3239258EAE35}">
-      <dsp:nvSpPr>
-        <dsp:cNvPr id="0" name=""/>
-        <dsp:cNvSpPr/>
-      </dsp:nvSpPr>
-      <dsp:spPr>
-        <a:xfrm>
-          <a:off x="0" y="2517354"/>
-          <a:ext cx="8947150" cy="419473"/>
-        </a:xfrm>
-        <a:prstGeom prst="rect">
-          <a:avLst/>
-        </a:prstGeom>
-        <a:noFill/>
-        <a:ln>
-          <a:noFill/>
-        </a:ln>
-        <a:effectLst/>
-      </dsp:spPr>
-      <dsp:style>
-        <a:lnRef idx="0">
-          <a:scrgbClr r="0" g="0" b="0"/>
-        </a:lnRef>
-        <a:fillRef idx="0">
-          <a:scrgbClr r="0" g="0" b="0"/>
-        </a:fillRef>
-        <a:effectRef idx="0">
-          <a:scrgbClr r="0" g="0" b="0"/>
-        </a:effectRef>
-        <a:fontRef idx="minor"/>
-      </dsp:style>
-      <dsp:txBody>
-        <a:bodyPr spcFirstLastPara="0" vert="horz" wrap="square" lIns="72390" tIns="72390" rIns="72390" bIns="72390" numCol="1" spcCol="1270" anchor="t" anchorCtr="0">
-          <a:noAutofit/>
-        </a:bodyPr>
-        <a:lstStyle/>
-        <a:p>
-          <a:pPr marL="0" lvl="0" indent="0" algn="l" defTabSz="844550">
-            <a:lnSpc>
-              <a:spcPct val="90000"/>
-            </a:lnSpc>
-            <a:spcBef>
-              <a:spcPct val="0"/>
-            </a:spcBef>
-            <a:spcAft>
-              <a:spcPct val="35000"/>
-            </a:spcAft>
-            <a:buNone/>
-          </a:pPr>
-          <a:r>
-            <a:rPr lang="en-US" sz="1900" b="0" i="0" kern="1200" baseline="0"/>
-            <a:t>7. Customer Satisfaction</a:t>
-          </a:r>
-          <a:endParaRPr lang="en-US" sz="1900" kern="1200"/>
-        </a:p>
-      </dsp:txBody>
-      <dsp:txXfrm>
-        <a:off x="0" y="2517354"/>
-        <a:ext cx="8947150" cy="419473"/>
-      </dsp:txXfrm>
-    </dsp:sp>
-    <dsp:sp modelId="{3E300898-BE6A-417C-A751-8F63F0690F36}">
-      <dsp:nvSpPr>
-        <dsp:cNvPr id="0" name=""/>
-        <dsp:cNvSpPr/>
-      </dsp:nvSpPr>
-      <dsp:spPr>
-        <a:xfrm>
-          <a:off x="0" y="2936828"/>
-          <a:ext cx="8947150" cy="0"/>
-        </a:xfrm>
-        <a:prstGeom prst="line">
-          <a:avLst/>
-        </a:prstGeom>
-        <a:gradFill rotWithShape="0">
-          <a:gsLst>
-            <a:gs pos="0">
-              <a:schemeClr val="accent2">
-                <a:hueOff val="0"/>
-                <a:satOff val="0"/>
-                <a:lumOff val="0"/>
-                <a:alphaOff val="0"/>
-                <a:tint val="98000"/>
-                <a:lumMod val="114000"/>
-              </a:schemeClr>
-            </a:gs>
-            <a:gs pos="100000">
-              <a:schemeClr val="accent2">
-                <a:hueOff val="0"/>
-                <a:satOff val="0"/>
-                <a:lumOff val="0"/>
-                <a:alphaOff val="0"/>
-                <a:shade val="90000"/>
-                <a:lumMod val="84000"/>
-              </a:schemeClr>
-            </a:gs>
-          </a:gsLst>
-          <a:lin ang="5400000" scaled="0"/>
-        </a:gradFill>
-        <a:ln w="9525" cap="rnd" cmpd="sng" algn="ctr">
-          <a:solidFill>
-            <a:schemeClr val="accent2">
-              <a:hueOff val="0"/>
-              <a:satOff val="0"/>
-              <a:lumOff val="0"/>
-              <a:alphaOff val="0"/>
-            </a:schemeClr>
-          </a:solidFill>
-          <a:prstDash val="solid"/>
-        </a:ln>
-        <a:effectLst>
-          <a:outerShdw blurRad="38100" dist="25400" dir="5400000" rotWithShape="0">
-            <a:srgbClr val="000000">
-              <a:alpha val="45000"/>
-            </a:srgbClr>
-          </a:outerShdw>
-        </a:effectLst>
-      </dsp:spPr>
-      <dsp:style>
-        <a:lnRef idx="1">
-          <a:scrgbClr r="0" g="0" b="0"/>
-        </a:lnRef>
-        <a:fillRef idx="3">
-          <a:scrgbClr r="0" g="0" b="0"/>
-        </a:fillRef>
-        <a:effectRef idx="2">
-          <a:scrgbClr r="0" g="0" b="0"/>
-        </a:effectRef>
-        <a:fontRef idx="minor">
-          <a:schemeClr val="lt1"/>
-        </a:fontRef>
-      </dsp:style>
-    </dsp:sp>
-    <dsp:sp modelId="{17EDDAF9-E22C-4C2B-9A17-0E9478866434}">
-      <dsp:nvSpPr>
-        <dsp:cNvPr id="0" name=""/>
-        <dsp:cNvSpPr/>
-      </dsp:nvSpPr>
-      <dsp:spPr>
-        <a:xfrm>
-          <a:off x="0" y="2936828"/>
-          <a:ext cx="8947150" cy="419473"/>
-        </a:xfrm>
-        <a:prstGeom prst="rect">
-          <a:avLst/>
-        </a:prstGeom>
-        <a:noFill/>
-        <a:ln>
-          <a:noFill/>
-        </a:ln>
-        <a:effectLst/>
-      </dsp:spPr>
-      <dsp:style>
-        <a:lnRef idx="0">
-          <a:scrgbClr r="0" g="0" b="0"/>
-        </a:lnRef>
-        <a:fillRef idx="0">
-          <a:scrgbClr r="0" g="0" b="0"/>
-        </a:fillRef>
-        <a:effectRef idx="0">
-          <a:scrgbClr r="0" g="0" b="0"/>
-        </a:effectRef>
-        <a:fontRef idx="minor"/>
-      </dsp:style>
-      <dsp:txBody>
-        <a:bodyPr spcFirstLastPara="0" vert="horz" wrap="square" lIns="72390" tIns="72390" rIns="72390" bIns="72390" numCol="1" spcCol="1270" anchor="t" anchorCtr="0">
-          <a:noAutofit/>
-        </a:bodyPr>
-        <a:lstStyle/>
-        <a:p>
-          <a:pPr marL="0" lvl="0" indent="0" algn="l" defTabSz="844550">
-            <a:lnSpc>
-              <a:spcPct val="90000"/>
-            </a:lnSpc>
-            <a:spcBef>
-              <a:spcPct val="0"/>
-            </a:spcBef>
-            <a:spcAft>
-              <a:spcPct val="35000"/>
-            </a:spcAft>
-            <a:buNone/>
-          </a:pPr>
-          <a:r>
-            <a:rPr lang="en-US" sz="1900" b="0" i="0" kern="1200" baseline="0"/>
-            <a:t>8. Increase Team Transparency and Accountability</a:t>
-          </a:r>
-          <a:endParaRPr lang="en-US" sz="1900" kern="1200"/>
-        </a:p>
-      </dsp:txBody>
-      <dsp:txXfrm>
-        <a:off x="0" y="2936828"/>
-        <a:ext cx="8947150" cy="419473"/>
-      </dsp:txXfrm>
-    </dsp:sp>
-    <dsp:sp modelId="{83499DF7-B7DC-43DB-9A2E-5CE18C362DB6}">
-      <dsp:nvSpPr>
-        <dsp:cNvPr id="0" name=""/>
-        <dsp:cNvSpPr/>
-      </dsp:nvSpPr>
-      <dsp:spPr>
-        <a:xfrm>
-          <a:off x="0" y="3356302"/>
-          <a:ext cx="8947150" cy="0"/>
-        </a:xfrm>
-        <a:prstGeom prst="line">
-          <a:avLst/>
-        </a:prstGeom>
-        <a:gradFill rotWithShape="0">
-          <a:gsLst>
-            <a:gs pos="0">
-              <a:schemeClr val="accent2">
-                <a:hueOff val="0"/>
-                <a:satOff val="0"/>
-                <a:lumOff val="0"/>
-                <a:alphaOff val="0"/>
-                <a:tint val="98000"/>
-                <a:lumMod val="114000"/>
-              </a:schemeClr>
-            </a:gs>
-            <a:gs pos="100000">
-              <a:schemeClr val="accent2">
-                <a:hueOff val="0"/>
-                <a:satOff val="0"/>
-                <a:lumOff val="0"/>
-                <a:alphaOff val="0"/>
-                <a:shade val="90000"/>
-                <a:lumMod val="84000"/>
-              </a:schemeClr>
-            </a:gs>
-          </a:gsLst>
-          <a:lin ang="5400000" scaled="0"/>
-        </a:gradFill>
-        <a:ln w="9525" cap="rnd" cmpd="sng" algn="ctr">
-          <a:solidFill>
-            <a:schemeClr val="accent2">
-              <a:hueOff val="0"/>
-              <a:satOff val="0"/>
-              <a:lumOff val="0"/>
-              <a:alphaOff val="0"/>
-            </a:schemeClr>
-          </a:solidFill>
-          <a:prstDash val="solid"/>
-        </a:ln>
-        <a:effectLst>
-          <a:outerShdw blurRad="38100" dist="25400" dir="5400000" rotWithShape="0">
-            <a:srgbClr val="000000">
-              <a:alpha val="45000"/>
-            </a:srgbClr>
-          </a:outerShdw>
-        </a:effectLst>
-      </dsp:spPr>
-      <dsp:style>
-        <a:lnRef idx="1">
-          <a:scrgbClr r="0" g="0" b="0"/>
-        </a:lnRef>
-        <a:fillRef idx="3">
-          <a:scrgbClr r="0" g="0" b="0"/>
-        </a:fillRef>
-        <a:effectRef idx="2">
-          <a:scrgbClr r="0" g="0" b="0"/>
-        </a:effectRef>
-        <a:fontRef idx="minor">
-          <a:schemeClr val="lt1"/>
-        </a:fontRef>
-      </dsp:style>
-    </dsp:sp>
-    <dsp:sp modelId="{DC92E5B3-D94B-42B8-AEFD-D50C852034D2}">
-      <dsp:nvSpPr>
-        <dsp:cNvPr id="0" name=""/>
-        <dsp:cNvSpPr/>
-      </dsp:nvSpPr>
-      <dsp:spPr>
-        <a:xfrm>
-          <a:off x="0" y="3356302"/>
-          <a:ext cx="8947150" cy="419473"/>
-        </a:xfrm>
-        <a:prstGeom prst="rect">
-          <a:avLst/>
-        </a:prstGeom>
-        <a:noFill/>
-        <a:ln>
-          <a:noFill/>
-        </a:ln>
-        <a:effectLst/>
-      </dsp:spPr>
-      <dsp:style>
-        <a:lnRef idx="0">
-          <a:scrgbClr r="0" g="0" b="0"/>
-        </a:lnRef>
-        <a:fillRef idx="0">
-          <a:scrgbClr r="0" g="0" b="0"/>
-        </a:fillRef>
-        <a:effectRef idx="0">
-          <a:scrgbClr r="0" g="0" b="0"/>
-        </a:effectRef>
-        <a:fontRef idx="minor"/>
-      </dsp:style>
-      <dsp:txBody>
-        <a:bodyPr spcFirstLastPara="0" vert="horz" wrap="square" lIns="72390" tIns="72390" rIns="72390" bIns="72390" numCol="1" spcCol="1270" anchor="t" anchorCtr="0">
-          <a:noAutofit/>
-        </a:bodyPr>
-        <a:lstStyle/>
-        <a:p>
-          <a:pPr marL="0" lvl="0" indent="0" algn="l" defTabSz="844550">
-            <a:lnSpc>
-              <a:spcPct val="90000"/>
-            </a:lnSpc>
-            <a:spcBef>
-              <a:spcPct val="0"/>
-            </a:spcBef>
-            <a:spcAft>
-              <a:spcPct val="35000"/>
-            </a:spcAft>
-            <a:buNone/>
-          </a:pPr>
-          <a:r>
-            <a:rPr lang="en-US" sz="1900" b="0" i="0" kern="1200" baseline="0"/>
-            <a:t>9. Reduce Costs</a:t>
-          </a:r>
-          <a:endParaRPr lang="en-US" sz="1900" kern="1200"/>
-        </a:p>
-      </dsp:txBody>
-      <dsp:txXfrm>
-        <a:off x="0" y="3356302"/>
-        <a:ext cx="8947150" cy="419473"/>
-      </dsp:txXfrm>
-    </dsp:sp>
-    <dsp:sp modelId="{7AA5767E-0421-4717-AC6E-C9B52C7DE048}">
-      <dsp:nvSpPr>
-        <dsp:cNvPr id="0" name=""/>
-        <dsp:cNvSpPr/>
-      </dsp:nvSpPr>
-      <dsp:spPr>
-        <a:xfrm>
-          <a:off x="0" y="3775776"/>
-          <a:ext cx="8947150" cy="0"/>
-        </a:xfrm>
-        <a:prstGeom prst="line">
-          <a:avLst/>
-        </a:prstGeom>
-        <a:gradFill rotWithShape="0">
-          <a:gsLst>
-            <a:gs pos="0">
-              <a:schemeClr val="accent2">
-                <a:hueOff val="0"/>
-                <a:satOff val="0"/>
-                <a:lumOff val="0"/>
-                <a:alphaOff val="0"/>
-                <a:tint val="98000"/>
-                <a:lumMod val="114000"/>
-              </a:schemeClr>
-            </a:gs>
-            <a:gs pos="100000">
-              <a:schemeClr val="accent2">
-                <a:hueOff val="0"/>
-                <a:satOff val="0"/>
-                <a:lumOff val="0"/>
-                <a:alphaOff val="0"/>
-                <a:shade val="90000"/>
-                <a:lumMod val="84000"/>
-              </a:schemeClr>
-            </a:gs>
-          </a:gsLst>
-          <a:lin ang="5400000" scaled="0"/>
-        </a:gradFill>
-        <a:ln w="9525" cap="rnd" cmpd="sng" algn="ctr">
-          <a:solidFill>
-            <a:schemeClr val="accent2">
-              <a:hueOff val="0"/>
-              <a:satOff val="0"/>
-              <a:lumOff val="0"/>
-              <a:alphaOff val="0"/>
-            </a:schemeClr>
-          </a:solidFill>
-          <a:prstDash val="solid"/>
-        </a:ln>
-        <a:effectLst>
-          <a:outerShdw blurRad="38100" dist="25400" dir="5400000" rotWithShape="0">
-            <a:srgbClr val="000000">
-              <a:alpha val="45000"/>
-            </a:srgbClr>
-          </a:outerShdw>
-        </a:effectLst>
-      </dsp:spPr>
-      <dsp:style>
-        <a:lnRef idx="1">
-          <a:scrgbClr r="0" g="0" b="0"/>
-        </a:lnRef>
-        <a:fillRef idx="3">
-          <a:scrgbClr r="0" g="0" b="0"/>
-        </a:fillRef>
-        <a:effectRef idx="2">
-          <a:scrgbClr r="0" g="0" b="0"/>
-        </a:effectRef>
-        <a:fontRef idx="minor">
-          <a:schemeClr val="lt1"/>
-        </a:fontRef>
-      </dsp:style>
-    </dsp:sp>
-    <dsp:sp modelId="{0F0D879C-23D3-4ACD-8BA3-1C25D71472A9}">
-      <dsp:nvSpPr>
-        <dsp:cNvPr id="0" name=""/>
-        <dsp:cNvSpPr/>
-      </dsp:nvSpPr>
-      <dsp:spPr>
-        <a:xfrm>
-          <a:off x="0" y="3775776"/>
-          <a:ext cx="8947150" cy="419473"/>
-        </a:xfrm>
-        <a:prstGeom prst="rect">
-          <a:avLst/>
-        </a:prstGeom>
-        <a:noFill/>
-        <a:ln>
-          <a:noFill/>
-        </a:ln>
-        <a:effectLst/>
-      </dsp:spPr>
-      <dsp:style>
-        <a:lnRef idx="0">
-          <a:scrgbClr r="0" g="0" b="0"/>
-        </a:lnRef>
-        <a:fillRef idx="0">
-          <a:scrgbClr r="0" g="0" b="0"/>
-        </a:fillRef>
-        <a:effectRef idx="0">
-          <a:scrgbClr r="0" g="0" b="0"/>
-        </a:effectRef>
-        <a:fontRef idx="minor"/>
-      </dsp:style>
-      <dsp:txBody>
-        <a:bodyPr spcFirstLastPara="0" vert="horz" wrap="square" lIns="72390" tIns="72390" rIns="72390" bIns="72390" numCol="1" spcCol="1270" anchor="t" anchorCtr="0">
-          <a:noAutofit/>
-        </a:bodyPr>
-        <a:lstStyle/>
-        <a:p>
-          <a:pPr marL="0" lvl="0" indent="0" algn="l" defTabSz="844550">
-            <a:lnSpc>
-              <a:spcPct val="90000"/>
-            </a:lnSpc>
-            <a:spcBef>
-              <a:spcPct val="0"/>
-            </a:spcBef>
-            <a:spcAft>
-              <a:spcPct val="35000"/>
-            </a:spcAft>
-            <a:buNone/>
-          </a:pPr>
-          <a:r>
-            <a:rPr lang="en-US" sz="1900" b="0" i="0" kern="1200" baseline="0"/>
-            <a:t>10. Easy Maintenance and Updates</a:t>
-          </a:r>
-          <a:endParaRPr lang="en-US" sz="1900" kern="1200"/>
-        </a:p>
-      </dsp:txBody>
-      <dsp:txXfrm>
-        <a:off x="0" y="3775776"/>
-        <a:ext cx="8947150" cy="419473"/>
-      </dsp:txXfrm>
-    </dsp:sp>
-  </dsp:spTree>
-</dsp:drawing>
-</file>
-
-<file path=ppt/diagrams/drawing4.xml><?xml version="1.0" encoding="utf-8"?>
-<dsp:drawing xmlns:dgm="http://schemas.openxmlformats.org/drawingml/2006/diagram" xmlns:dsp="http://schemas.microsoft.com/office/drawing/2008/diagram" xmlns:a="http://schemas.openxmlformats.org/drawingml/2006/main">
-  <dsp:spTree>
-    <dsp:nvGrpSpPr>
-      <dsp:cNvPr id="0" name=""/>
-      <dsp:cNvGrpSpPr/>
-    </dsp:nvGrpSpPr>
-    <dsp:grpSpPr/>
     <dsp:sp modelId="{795D15DC-52A9-4C97-AE6A-CE36D88B384C}">
       <dsp:nvSpPr>
         <dsp:cNvPr id="0" name=""/>
@@ -9316,7 +6598,7 @@
 </dsp:drawing>
 </file>
 
-<file path=ppt/diagrams/drawing5.xml><?xml version="1.0" encoding="utf-8"?>
+<file path=ppt/diagrams/drawing4.xml><?xml version="1.0" encoding="utf-8"?>
 <dsp:drawing xmlns:dgm="http://schemas.openxmlformats.org/drawingml/2006/diagram" xmlns:dsp="http://schemas.microsoft.com/office/drawing/2008/diagram" xmlns:a="http://schemas.openxmlformats.org/drawingml/2006/main">
   <dsp:spTree>
     <dsp:nvGrpSpPr>
@@ -10791,472 +8073,6 @@
 </file>
 
 <file path=ppt/diagrams/layout3.xml><?xml version="1.0" encoding="utf-8"?>
-<dgm:layoutDef xmlns:dgm="http://schemas.openxmlformats.org/drawingml/2006/diagram" xmlns:a="http://schemas.openxmlformats.org/drawingml/2006/main" uniqueId="urn:microsoft.com/office/officeart/2008/layout/LinedList">
-  <dgm:title val=""/>
-  <dgm:desc val=""/>
-  <dgm:catLst>
-    <dgm:cat type="hierarchy" pri="8000"/>
-    <dgm:cat type="list" pri="2500"/>
-  </dgm:catLst>
-  <dgm:sampData>
-    <dgm:dataModel>
-      <dgm:ptLst>
-        <dgm:pt modelId="0" type="doc"/>
-        <dgm:pt modelId="1">
-          <dgm:prSet phldr="1"/>
-        </dgm:pt>
-        <dgm:pt modelId="11">
-          <dgm:prSet phldr="1"/>
-        </dgm:pt>
-        <dgm:pt modelId="12">
-          <dgm:prSet phldr="1"/>
-        </dgm:pt>
-        <dgm:pt modelId="13">
-          <dgm:prSet phldr="1"/>
-        </dgm:pt>
-      </dgm:ptLst>
-      <dgm:cxnLst>
-        <dgm:cxn modelId="2" srcId="0" destId="1" srcOrd="0" destOrd="0"/>
-        <dgm:cxn modelId="3" srcId="1" destId="11" srcOrd="0" destOrd="0"/>
-        <dgm:cxn modelId="4" srcId="1" destId="12" srcOrd="1" destOrd="0"/>
-        <dgm:cxn modelId="5" srcId="1" destId="13" srcOrd="2" destOrd="0"/>
-      </dgm:cxnLst>
-      <dgm:bg/>
-      <dgm:whole/>
-    </dgm:dataModel>
-  </dgm:sampData>
-  <dgm:styleData>
-    <dgm:dataModel>
-      <dgm:ptLst>
-        <dgm:pt modelId="0" type="doc"/>
-        <dgm:pt modelId="1">
-          <dgm:prSet phldr="1"/>
-        </dgm:pt>
-        <dgm:pt modelId="11">
-          <dgm:prSet phldr="1"/>
-        </dgm:pt>
-        <dgm:pt modelId="12">
-          <dgm:prSet phldr="1"/>
-        </dgm:pt>
-      </dgm:ptLst>
-      <dgm:cxnLst>
-        <dgm:cxn modelId="2" srcId="0" destId="1" srcOrd="0" destOrd="0"/>
-        <dgm:cxn modelId="3" srcId="1" destId="11" srcOrd="0" destOrd="0"/>
-        <dgm:cxn modelId="4" srcId="1" destId="12" srcOrd="1" destOrd="0"/>
-      </dgm:cxnLst>
-      <dgm:bg/>
-      <dgm:whole/>
-    </dgm:dataModel>
-  </dgm:styleData>
-  <dgm:clrData>
-    <dgm:dataModel>
-      <dgm:ptLst>
-        <dgm:pt modelId="0" type="doc"/>
-        <dgm:pt modelId="1">
-          <dgm:prSet phldr="1"/>
-        </dgm:pt>
-        <dgm:pt modelId="11">
-          <dgm:prSet phldr="1"/>
-        </dgm:pt>
-        <dgm:pt modelId="12">
-          <dgm:prSet phldr="1"/>
-        </dgm:pt>
-      </dgm:ptLst>
-      <dgm:cxnLst>
-        <dgm:cxn modelId="2" srcId="0" destId="1" srcOrd="0" destOrd="0"/>
-        <dgm:cxn modelId="3" srcId="1" destId="11" srcOrd="0" destOrd="0"/>
-        <dgm:cxn modelId="4" srcId="1" destId="12" srcOrd="1" destOrd="0"/>
-      </dgm:cxnLst>
-      <dgm:bg/>
-      <dgm:whole/>
-    </dgm:dataModel>
-  </dgm:clrData>
-  <dgm:layoutNode name="vert0">
-    <dgm:varLst>
-      <dgm:dir/>
-      <dgm:animOne val="branch"/>
-      <dgm:animLvl val="lvl"/>
-    </dgm:varLst>
-    <dgm:choose name="Name0">
-      <dgm:if name="Name1" func="var" arg="dir" op="equ" val="norm">
-        <dgm:alg type="lin">
-          <dgm:param type="linDir" val="fromT"/>
-          <dgm:param type="nodeHorzAlign" val="l"/>
-        </dgm:alg>
-      </dgm:if>
-      <dgm:else name="Name2">
-        <dgm:alg type="lin">
-          <dgm:param type="linDir" val="fromT"/>
-          <dgm:param type="nodeHorzAlign" val="r"/>
-        </dgm:alg>
-      </dgm:else>
-    </dgm:choose>
-    <dgm:shape xmlns:r="http://schemas.openxmlformats.org/officeDocument/2006/relationships" r:blip="">
-      <dgm:adjLst/>
-    </dgm:shape>
-    <dgm:presOf/>
-    <dgm:constrLst>
-      <dgm:constr type="w" for="ch" forName="horz1" refType="w"/>
-      <dgm:constr type="h" for="ch" forName="horz1" refType="h"/>
-      <dgm:constr type="h" for="des" forName="vert1" refType="h"/>
-      <dgm:constr type="h" for="des" forName="tx1" refType="h"/>
-      <dgm:constr type="h" for="des" forName="horz2" refType="h"/>
-      <dgm:constr type="h" for="des" forName="vert2" refType="h"/>
-      <dgm:constr type="h" for="des" forName="horz3" refType="h"/>
-      <dgm:constr type="h" for="des" forName="vert3" refType="h"/>
-      <dgm:constr type="h" for="des" forName="horz4" refType="h"/>
-      <dgm:constr type="h" for="des" ptType="node" refType="h"/>
-      <dgm:constr type="primFontSz" for="des" forName="tx1" op="equ" val="65"/>
-      <dgm:constr type="primFontSz" for="des" forName="tx2" op="equ" val="65"/>
-      <dgm:constr type="primFontSz" for="des" forName="tx3" op="equ" val="65"/>
-      <dgm:constr type="primFontSz" for="des" forName="tx4" op="equ" val="65"/>
-      <dgm:constr type="w" for="des" forName="thickLine" refType="w"/>
-      <dgm:constr type="h" for="des" forName="thickLine"/>
-      <dgm:constr type="h" for="des" forName="thinLine1"/>
-      <dgm:constr type="h" for="des" forName="thinLine2b"/>
-      <dgm:constr type="h" for="des" forName="thinLine3"/>
-      <dgm:constr type="h" for="des" forName="vertSpace2a" refType="h" fact="0.05"/>
-      <dgm:constr type="h" for="des" forName="vertSpace2b" refType="h" refFor="des" refForName="vertSpace2a"/>
-    </dgm:constrLst>
-    <dgm:forEach name="Name3" axis="ch" ptType="node">
-      <dgm:layoutNode name="thickLine" styleLbl="alignNode1">
-        <dgm:alg type="sp"/>
-        <dgm:shape xmlns:r="http://schemas.openxmlformats.org/officeDocument/2006/relationships" type="line" r:blip="">
-          <dgm:adjLst/>
-        </dgm:shape>
-        <dgm:presOf/>
-      </dgm:layoutNode>
-      <dgm:layoutNode name="horz1">
-        <dgm:choose name="Name4">
-          <dgm:if name="Name5" func="var" arg="dir" op="equ" val="norm">
-            <dgm:alg type="lin">
-              <dgm:param type="linDir" val="fromL"/>
-              <dgm:param type="nodeVertAlign" val="t"/>
-            </dgm:alg>
-          </dgm:if>
-          <dgm:else name="Name6">
-            <dgm:alg type="lin">
-              <dgm:param type="linDir" val="fromR"/>
-              <dgm:param type="nodeVertAlign" val="t"/>
-            </dgm:alg>
-          </dgm:else>
-        </dgm:choose>
-        <dgm:shape xmlns:r="http://schemas.openxmlformats.org/officeDocument/2006/relationships" r:blip="">
-          <dgm:adjLst/>
-        </dgm:shape>
-        <dgm:presOf/>
-        <dgm:choose name="Name7">
-          <dgm:if name="Name8" axis="root des" func="maxDepth" op="equ" val="1">
-            <dgm:constrLst>
-              <dgm:constr type="w" for="ch" forName="tx1" refType="w"/>
-            </dgm:constrLst>
-          </dgm:if>
-          <dgm:if name="Name9" axis="root des" func="maxDepth" op="equ" val="2">
-            <dgm:constrLst>
-              <dgm:constr type="w" for="ch" forName="tx1" refType="w" fact="0.2"/>
-              <dgm:constr type="w" for="des" forName="tx2" refType="w" fact="0.785"/>
-              <dgm:constr type="w" for="des" forName="horzSpace2" refType="w" fact="0.015"/>
-              <dgm:constr type="w" for="des" forName="thinLine2b" refType="w" fact="0.8"/>
-            </dgm:constrLst>
-          </dgm:if>
-          <dgm:if name="Name10" axis="root des" func="maxDepth" op="equ" val="3">
-            <dgm:constrLst>
-              <dgm:constr type="w" for="ch" forName="tx1" refType="w" fact="0.2"/>
-              <dgm:constr type="w" for="des" forName="tx2" refType="w" fact="0.385"/>
-              <dgm:constr type="w" for="des" forName="tx3" refType="w" fact="0.385"/>
-              <dgm:constr type="w" for="des" forName="horzSpace2" refType="w" fact="0.015"/>
-              <dgm:constr type="w" for="des" forName="horzSpace3" refType="w" fact="0.015"/>
-              <dgm:constr type="w" for="des" forName="thinLine2b" refType="w" fact="0.8"/>
-              <dgm:constr type="w" for="des" forName="thinLine3" refType="w" fact="0.385"/>
-            </dgm:constrLst>
-          </dgm:if>
-          <dgm:if name="Name11" axis="root des" func="maxDepth" op="gte" val="4">
-            <dgm:constrLst>
-              <dgm:constr type="w" for="ch" forName="tx1" refType="w" fact="0.2"/>
-              <dgm:constr type="w" for="des" forName="tx2" refType="w" fact="0.2516"/>
-              <dgm:constr type="w" for="des" forName="tx3" refType="w" fact="0.2516"/>
-              <dgm:constr type="w" for="des" forName="tx4" refType="w" fact="0.2516"/>
-              <dgm:constr type="w" for="des" forName="horzSpace2" refType="w" fact="0.015"/>
-              <dgm:constr type="w" for="des" forName="horzSpace3" refType="w" fact="0.015"/>
-              <dgm:constr type="w" for="des" forName="horzSpace4" refType="w" fact="0.015"/>
-              <dgm:constr type="w" for="des" forName="thinLine2b" refType="w" fact="0.8"/>
-              <dgm:constr type="w" for="des" forName="thinLine3" refType="w" fact="0.5332"/>
-            </dgm:constrLst>
-          </dgm:if>
-          <dgm:else name="Name12"/>
-        </dgm:choose>
-        <dgm:layoutNode name="tx1" styleLbl="revTx">
-          <dgm:alg type="tx">
-            <dgm:param type="parTxLTRAlign" val="l"/>
-            <dgm:param type="parTxRTLAlign" val="r"/>
-            <dgm:param type="txAnchorVert" val="t"/>
-          </dgm:alg>
-          <dgm:shape xmlns:r="http://schemas.openxmlformats.org/officeDocument/2006/relationships" type="rect" r:blip="">
-            <dgm:adjLst/>
-          </dgm:shape>
-          <dgm:presOf axis="self"/>
-          <dgm:constrLst>
-            <dgm:constr type="tMarg" refType="primFontSz" fact="0.3"/>
-            <dgm:constr type="bMarg" refType="primFontSz" fact="0.3"/>
-            <dgm:constr type="lMarg" refType="primFontSz" fact="0.3"/>
-            <dgm:constr type="rMarg" refType="primFontSz" fact="0.3"/>
-          </dgm:constrLst>
-          <dgm:ruleLst>
-            <dgm:rule type="primFontSz" val="5" fact="NaN" max="NaN"/>
-          </dgm:ruleLst>
-        </dgm:layoutNode>
-        <dgm:layoutNode name="vert1">
-          <dgm:choose name="Name13">
-            <dgm:if name="Name14" func="var" arg="dir" op="equ" val="norm">
-              <dgm:alg type="lin">
-                <dgm:param type="linDir" val="fromT"/>
-                <dgm:param type="nodeHorzAlign" val="l"/>
-              </dgm:alg>
-            </dgm:if>
-            <dgm:else name="Name15">
-              <dgm:alg type="lin">
-                <dgm:param type="linDir" val="fromT"/>
-                <dgm:param type="nodeHorzAlign" val="r"/>
-              </dgm:alg>
-            </dgm:else>
-          </dgm:choose>
-          <dgm:shape xmlns:r="http://schemas.openxmlformats.org/officeDocument/2006/relationships" r:blip="">
-            <dgm:adjLst/>
-          </dgm:shape>
-          <dgm:presOf/>
-          <dgm:forEach name="Name16" axis="ch" ptType="node">
-            <dgm:choose name="Name17">
-              <dgm:if name="Name18" axis="self" ptType="node" func="pos" op="equ" val="1">
-                <dgm:layoutNode name="vertSpace2a">
-                  <dgm:alg type="sp"/>
-                  <dgm:shape xmlns:r="http://schemas.openxmlformats.org/officeDocument/2006/relationships" r:blip="">
-                    <dgm:adjLst/>
-                  </dgm:shape>
-                  <dgm:presOf/>
-                </dgm:layoutNode>
-              </dgm:if>
-              <dgm:else name="Name19"/>
-            </dgm:choose>
-            <dgm:layoutNode name="horz2">
-              <dgm:choose name="Name20">
-                <dgm:if name="Name21" func="var" arg="dir" op="equ" val="norm">
-                  <dgm:alg type="lin">
-                    <dgm:param type="linDir" val="fromL"/>
-                    <dgm:param type="nodeVertAlign" val="t"/>
-                  </dgm:alg>
-                </dgm:if>
-                <dgm:else name="Name22">
-                  <dgm:alg type="lin">
-                    <dgm:param type="linDir" val="fromR"/>
-                    <dgm:param type="nodeVertAlign" val="t"/>
-                  </dgm:alg>
-                </dgm:else>
-              </dgm:choose>
-              <dgm:shape xmlns:r="http://schemas.openxmlformats.org/officeDocument/2006/relationships" r:blip="">
-                <dgm:adjLst/>
-              </dgm:shape>
-              <dgm:presOf/>
-              <dgm:layoutNode name="horzSpace2">
-                <dgm:alg type="sp"/>
-                <dgm:shape xmlns:r="http://schemas.openxmlformats.org/officeDocument/2006/relationships" r:blip="">
-                  <dgm:adjLst/>
-                </dgm:shape>
-                <dgm:presOf/>
-              </dgm:layoutNode>
-              <dgm:layoutNode name="tx2" styleLbl="revTx">
-                <dgm:alg type="tx">
-                  <dgm:param type="parTxLTRAlign" val="l"/>
-                  <dgm:param type="parTxRTLAlign" val="r"/>
-                  <dgm:param type="txAnchorVert" val="t"/>
-                </dgm:alg>
-                <dgm:shape xmlns:r="http://schemas.openxmlformats.org/officeDocument/2006/relationships" type="rect" r:blip="">
-                  <dgm:adjLst/>
-                </dgm:shape>
-                <dgm:presOf axis="self"/>
-                <dgm:constrLst>
-                  <dgm:constr type="tMarg" refType="primFontSz" fact="0.3"/>
-                  <dgm:constr type="bMarg" refType="primFontSz" fact="0.3"/>
-                  <dgm:constr type="lMarg" refType="primFontSz" fact="0.3"/>
-                  <dgm:constr type="rMarg" refType="primFontSz" fact="0.3"/>
-                </dgm:constrLst>
-                <dgm:ruleLst>
-                  <dgm:rule type="primFontSz" val="5" fact="NaN" max="NaN"/>
-                </dgm:ruleLst>
-              </dgm:layoutNode>
-              <dgm:layoutNode name="vert2">
-                <dgm:choose name="Name23">
-                  <dgm:if name="Name24" func="var" arg="dir" op="equ" val="norm">
-                    <dgm:alg type="lin">
-                      <dgm:param type="linDir" val="fromT"/>
-                      <dgm:param type="nodeHorzAlign" val="l"/>
-                    </dgm:alg>
-                  </dgm:if>
-                  <dgm:else name="Name25">
-                    <dgm:alg type="lin">
-                      <dgm:param type="linDir" val="fromT"/>
-                      <dgm:param type="nodeHorzAlign" val="r"/>
-                    </dgm:alg>
-                  </dgm:else>
-                </dgm:choose>
-                <dgm:shape xmlns:r="http://schemas.openxmlformats.org/officeDocument/2006/relationships" r:blip="">
-                  <dgm:adjLst/>
-                </dgm:shape>
-                <dgm:presOf/>
-                <dgm:forEach name="Name26" axis="ch" ptType="node">
-                  <dgm:layoutNode name="horz3">
-                    <dgm:choose name="Name27">
-                      <dgm:if name="Name28" func="var" arg="dir" op="equ" val="norm">
-                        <dgm:alg type="lin">
-                          <dgm:param type="linDir" val="fromL"/>
-                          <dgm:param type="nodeVertAlign" val="t"/>
-                        </dgm:alg>
-                      </dgm:if>
-                      <dgm:else name="Name29">
-                        <dgm:alg type="lin">
-                          <dgm:param type="linDir" val="fromR"/>
-                          <dgm:param type="nodeVertAlign" val="t"/>
-                        </dgm:alg>
-                      </dgm:else>
-                    </dgm:choose>
-                    <dgm:shape xmlns:r="http://schemas.openxmlformats.org/officeDocument/2006/relationships" r:blip="">
-                      <dgm:adjLst/>
-                    </dgm:shape>
-                    <dgm:presOf/>
-                    <dgm:layoutNode name="horzSpace3">
-                      <dgm:alg type="sp"/>
-                      <dgm:shape xmlns:r="http://schemas.openxmlformats.org/officeDocument/2006/relationships" r:blip="">
-                        <dgm:adjLst/>
-                      </dgm:shape>
-                      <dgm:presOf/>
-                    </dgm:layoutNode>
-                    <dgm:layoutNode name="tx3" styleLbl="revTx">
-                      <dgm:alg type="tx">
-                        <dgm:param type="parTxLTRAlign" val="l"/>
-                        <dgm:param type="parTxRTLAlign" val="r"/>
-                        <dgm:param type="txAnchorVert" val="t"/>
-                      </dgm:alg>
-                      <dgm:shape xmlns:r="http://schemas.openxmlformats.org/officeDocument/2006/relationships" type="rect" r:blip="">
-                        <dgm:adjLst/>
-                      </dgm:shape>
-                      <dgm:presOf axis="self"/>
-                      <dgm:constrLst>
-                        <dgm:constr type="tMarg" refType="primFontSz" fact="0.3"/>
-                        <dgm:constr type="bMarg" refType="primFontSz" fact="0.3"/>
-                        <dgm:constr type="lMarg" refType="primFontSz" fact="0.3"/>
-                        <dgm:constr type="rMarg" refType="primFontSz" fact="0.3"/>
-                      </dgm:constrLst>
-                      <dgm:ruleLst>
-                        <dgm:rule type="primFontSz" val="5" fact="NaN" max="NaN"/>
-                      </dgm:ruleLst>
-                    </dgm:layoutNode>
-                    <dgm:layoutNode name="vert3">
-                      <dgm:choose name="Name30">
-                        <dgm:if name="Name31" func="var" arg="dir" op="equ" val="norm">
-                          <dgm:alg type="lin">
-                            <dgm:param type="linDir" val="fromT"/>
-                            <dgm:param type="nodeHorzAlign" val="l"/>
-                          </dgm:alg>
-                        </dgm:if>
-                        <dgm:else name="Name32">
-                          <dgm:alg type="lin">
-                            <dgm:param type="linDir" val="fromT"/>
-                            <dgm:param type="nodeHorzAlign" val="r"/>
-                          </dgm:alg>
-                        </dgm:else>
-                      </dgm:choose>
-                      <dgm:shape xmlns:r="http://schemas.openxmlformats.org/officeDocument/2006/relationships" r:blip="">
-                        <dgm:adjLst/>
-                      </dgm:shape>
-                      <dgm:presOf/>
-                      <dgm:forEach name="Name33" axis="ch" ptType="node">
-                        <dgm:layoutNode name="horz4">
-                          <dgm:choose name="Name34">
-                            <dgm:if name="Name35" func="var" arg="dir" op="equ" val="norm">
-                              <dgm:alg type="lin">
-                                <dgm:param type="linDir" val="fromL"/>
-                                <dgm:param type="nodeVertAlign" val="t"/>
-                              </dgm:alg>
-                            </dgm:if>
-                            <dgm:else name="Name36">
-                              <dgm:alg type="lin">
-                                <dgm:param type="linDir" val="fromR"/>
-                                <dgm:param type="nodeVertAlign" val="t"/>
-                              </dgm:alg>
-                            </dgm:else>
-                          </dgm:choose>
-                          <dgm:shape xmlns:r="http://schemas.openxmlformats.org/officeDocument/2006/relationships" r:blip="">
-                            <dgm:adjLst/>
-                          </dgm:shape>
-                          <dgm:presOf/>
-                          <dgm:layoutNode name="horzSpace4">
-                            <dgm:alg type="sp"/>
-                            <dgm:shape xmlns:r="http://schemas.openxmlformats.org/officeDocument/2006/relationships" r:blip="">
-                              <dgm:adjLst/>
-                            </dgm:shape>
-                            <dgm:presOf/>
-                          </dgm:layoutNode>
-                          <dgm:layoutNode name="tx4" styleLbl="revTx">
-                            <dgm:varLst>
-                              <dgm:bulletEnabled val="1"/>
-                            </dgm:varLst>
-                            <dgm:alg type="tx">
-                              <dgm:param type="parTxLTRAlign" val="l"/>
-                              <dgm:param type="parTxRTLAlign" val="r"/>
-                              <dgm:param type="txAnchorVert" val="t"/>
-                            </dgm:alg>
-                            <dgm:shape xmlns:r="http://schemas.openxmlformats.org/officeDocument/2006/relationships" type="rect" r:blip="">
-                              <dgm:adjLst/>
-                            </dgm:shape>
-                            <dgm:presOf axis="desOrSelf" ptType="node"/>
-                            <dgm:constrLst>
-                              <dgm:constr type="tMarg" refType="primFontSz" fact="0.3"/>
-                              <dgm:constr type="bMarg" refType="primFontSz" fact="0.3"/>
-                              <dgm:constr type="lMarg" refType="primFontSz" fact="0.3"/>
-                              <dgm:constr type="rMarg" refType="primFontSz" fact="0.3"/>
-                            </dgm:constrLst>
-                            <dgm:ruleLst>
-                              <dgm:rule type="primFontSz" val="5" fact="NaN" max="NaN"/>
-                            </dgm:ruleLst>
-                          </dgm:layoutNode>
-                        </dgm:layoutNode>
-                      </dgm:forEach>
-                    </dgm:layoutNode>
-                  </dgm:layoutNode>
-                  <dgm:forEach name="Name37" axis="followSib" ptType="sibTrans" cnt="1">
-                    <dgm:layoutNode name="thinLine3" styleLbl="callout">
-                      <dgm:alg type="sp"/>
-                      <dgm:shape xmlns:r="http://schemas.openxmlformats.org/officeDocument/2006/relationships" type="line" r:blip="">
-                        <dgm:adjLst/>
-                      </dgm:shape>
-                      <dgm:presOf/>
-                    </dgm:layoutNode>
-                  </dgm:forEach>
-                </dgm:forEach>
-              </dgm:layoutNode>
-            </dgm:layoutNode>
-            <dgm:layoutNode name="thinLine2b" styleLbl="callout">
-              <dgm:alg type="sp"/>
-              <dgm:shape xmlns:r="http://schemas.openxmlformats.org/officeDocument/2006/relationships" type="line" r:blip="">
-                <dgm:adjLst/>
-              </dgm:shape>
-              <dgm:presOf/>
-            </dgm:layoutNode>
-            <dgm:layoutNode name="vertSpace2b">
-              <dgm:alg type="sp"/>
-              <dgm:shape xmlns:r="http://schemas.openxmlformats.org/officeDocument/2006/relationships" r:blip="">
-                <dgm:adjLst/>
-              </dgm:shape>
-              <dgm:presOf/>
-            </dgm:layoutNode>
-          </dgm:forEach>
-        </dgm:layoutNode>
-      </dgm:layoutNode>
-    </dgm:forEach>
-  </dgm:layoutNode>
-</dgm:layoutDef>
-</file>
-
-<file path=ppt/diagrams/layout4.xml><?xml version="1.0" encoding="utf-8"?>
 <dgm:layoutDef xmlns:dgm="http://schemas.openxmlformats.org/drawingml/2006/diagram" xmlns:a="http://schemas.openxmlformats.org/drawingml/2006/main" uniqueId="urn:microsoft.com/office/officeart/2005/8/layout/default">
   <dgm:title val=""/>
   <dgm:desc val=""/>
@@ -11403,7 +8219,7 @@
 </dgm:layoutDef>
 </file>
 
-<file path=ppt/diagrams/layout5.xml><?xml version="1.0" encoding="utf-8"?>
+<file path=ppt/diagrams/layout4.xml><?xml version="1.0" encoding="utf-8"?>
 <dgm:layoutDef xmlns:dgm="http://schemas.openxmlformats.org/drawingml/2006/diagram" xmlns:a="http://schemas.openxmlformats.org/drawingml/2006/main" uniqueId="urn:microsoft.com/office/officeart/2005/8/layout/default">
   <dgm:title val=""/>
   <dgm:desc val=""/>
@@ -13619,1040 +10435,6 @@
 </file>
 
 <file path=ppt/diagrams/quickStyle3.xml><?xml version="1.0" encoding="utf-8"?>
-<dgm:styleDef xmlns:dgm="http://schemas.openxmlformats.org/drawingml/2006/diagram" xmlns:a="http://schemas.openxmlformats.org/drawingml/2006/main" uniqueId="urn:microsoft.com/office/officeart/2005/8/quickstyle/simple4">
-  <dgm:title val=""/>
-  <dgm:desc val=""/>
-  <dgm:catLst>
-    <dgm:cat type="simple" pri="10400"/>
-  </dgm:catLst>
-  <dgm:scene3d>
-    <a:camera prst="orthographicFront"/>
-    <a:lightRig rig="threePt" dir="t"/>
-  </dgm:scene3d>
-  <dgm:styleLbl name="node0">
-    <dgm:scene3d>
-      <a:camera prst="orthographicFront"/>
-      <a:lightRig rig="threePt" dir="t"/>
-    </dgm:scene3d>
-    <dgm:sp3d/>
-    <dgm:txPr/>
-    <dgm:style>
-      <a:lnRef idx="0">
-        <a:scrgbClr r="0" g="0" b="0"/>
-      </a:lnRef>
-      <a:fillRef idx="3">
-        <a:scrgbClr r="0" g="0" b="0"/>
-      </a:fillRef>
-      <a:effectRef idx="2">
-        <a:scrgbClr r="0" g="0" b="0"/>
-      </a:effectRef>
-      <a:fontRef idx="minor">
-        <a:schemeClr val="lt1"/>
-      </a:fontRef>
-    </dgm:style>
-  </dgm:styleLbl>
-  <dgm:styleLbl name="lnNode1">
-    <dgm:scene3d>
-      <a:camera prst="orthographicFront"/>
-      <a:lightRig rig="threePt" dir="t"/>
-    </dgm:scene3d>
-    <dgm:sp3d/>
-    <dgm:txPr/>
-    <dgm:style>
-      <a:lnRef idx="1">
-        <a:scrgbClr r="0" g="0" b="0"/>
-      </a:lnRef>
-      <a:fillRef idx="3">
-        <a:scrgbClr r="0" g="0" b="0"/>
-      </a:fillRef>
-      <a:effectRef idx="2">
-        <a:scrgbClr r="0" g="0" b="0"/>
-      </a:effectRef>
-      <a:fontRef idx="minor">
-        <a:schemeClr val="lt1"/>
-      </a:fontRef>
-    </dgm:style>
-  </dgm:styleLbl>
-  <dgm:styleLbl name="vennNode1">
-    <dgm:scene3d>
-      <a:camera prst="orthographicFront"/>
-      <a:lightRig rig="threePt" dir="t"/>
-    </dgm:scene3d>
-    <dgm:sp3d/>
-    <dgm:txPr/>
-    <dgm:style>
-      <a:lnRef idx="0">
-        <a:scrgbClr r="0" g="0" b="0"/>
-      </a:lnRef>
-      <a:fillRef idx="3">
-        <a:scrgbClr r="0" g="0" b="0"/>
-      </a:fillRef>
-      <a:effectRef idx="0">
-        <a:scrgbClr r="0" g="0" b="0"/>
-      </a:effectRef>
-      <a:fontRef idx="minor">
-        <a:schemeClr val="tx1"/>
-      </a:fontRef>
-    </dgm:style>
-  </dgm:styleLbl>
-  <dgm:styleLbl name="alignNode1">
-    <dgm:scene3d>
-      <a:camera prst="orthographicFront"/>
-      <a:lightRig rig="threePt" dir="t"/>
-    </dgm:scene3d>
-    <dgm:sp3d/>
-    <dgm:txPr/>
-    <dgm:style>
-      <a:lnRef idx="1">
-        <a:scrgbClr r="0" g="0" b="0"/>
-      </a:lnRef>
-      <a:fillRef idx="3">
-        <a:scrgbClr r="0" g="0" b="0"/>
-      </a:fillRef>
-      <a:effectRef idx="2">
-        <a:scrgbClr r="0" g="0" b="0"/>
-      </a:effectRef>
-      <a:fontRef idx="minor">
-        <a:schemeClr val="lt1"/>
-      </a:fontRef>
-    </dgm:style>
-  </dgm:styleLbl>
-  <dgm:styleLbl name="node1">
-    <dgm:scene3d>
-      <a:camera prst="orthographicFront"/>
-      <a:lightRig rig="threePt" dir="t"/>
-    </dgm:scene3d>
-    <dgm:sp3d/>
-    <dgm:txPr/>
-    <dgm:style>
-      <a:lnRef idx="0">
-        <a:scrgbClr r="0" g="0" b="0"/>
-      </a:lnRef>
-      <a:fillRef idx="3">
-        <a:scrgbClr r="0" g="0" b="0"/>
-      </a:fillRef>
-      <a:effectRef idx="2">
-        <a:scrgbClr r="0" g="0" b="0"/>
-      </a:effectRef>
-      <a:fontRef idx="minor">
-        <a:schemeClr val="lt1"/>
-      </a:fontRef>
-    </dgm:style>
-  </dgm:styleLbl>
-  <dgm:styleLbl name="node2">
-    <dgm:scene3d>
-      <a:camera prst="orthographicFront"/>
-      <a:lightRig rig="threePt" dir="t"/>
-    </dgm:scene3d>
-    <dgm:sp3d/>
-    <dgm:txPr/>
-    <dgm:style>
-      <a:lnRef idx="0">
-        <a:scrgbClr r="0" g="0" b="0"/>
-      </a:lnRef>
-      <a:fillRef idx="3">
-        <a:scrgbClr r="0" g="0" b="0"/>
-      </a:fillRef>
-      <a:effectRef idx="2">
-        <a:scrgbClr r="0" g="0" b="0"/>
-      </a:effectRef>
-      <a:fontRef idx="minor">
-        <a:schemeClr val="lt1"/>
-      </a:fontRef>
-    </dgm:style>
-  </dgm:styleLbl>
-  <dgm:styleLbl name="node3">
-    <dgm:scene3d>
-      <a:camera prst="orthographicFront"/>
-      <a:lightRig rig="threePt" dir="t"/>
-    </dgm:scene3d>
-    <dgm:sp3d/>
-    <dgm:txPr/>
-    <dgm:style>
-      <a:lnRef idx="0">
-        <a:scrgbClr r="0" g="0" b="0"/>
-      </a:lnRef>
-      <a:fillRef idx="3">
-        <a:scrgbClr r="0" g="0" b="0"/>
-      </a:fillRef>
-      <a:effectRef idx="2">
-        <a:scrgbClr r="0" g="0" b="0"/>
-      </a:effectRef>
-      <a:fontRef idx="minor">
-        <a:schemeClr val="lt1"/>
-      </a:fontRef>
-    </dgm:style>
-  </dgm:styleLbl>
-  <dgm:styleLbl name="node4">
-    <dgm:scene3d>
-      <a:camera prst="orthographicFront"/>
-      <a:lightRig rig="threePt" dir="t"/>
-    </dgm:scene3d>
-    <dgm:sp3d/>
-    <dgm:txPr/>
-    <dgm:style>
-      <a:lnRef idx="0">
-        <a:scrgbClr r="0" g="0" b="0"/>
-      </a:lnRef>
-      <a:fillRef idx="3">
-        <a:scrgbClr r="0" g="0" b="0"/>
-      </a:fillRef>
-      <a:effectRef idx="2">
-        <a:scrgbClr r="0" g="0" b="0"/>
-      </a:effectRef>
-      <a:fontRef idx="minor">
-        <a:schemeClr val="lt1"/>
-      </a:fontRef>
-    </dgm:style>
-  </dgm:styleLbl>
-  <dgm:styleLbl name="fgImgPlace1">
-    <dgm:scene3d>
-      <a:camera prst="orthographicFront"/>
-      <a:lightRig rig="threePt" dir="t"/>
-    </dgm:scene3d>
-    <dgm:sp3d/>
-    <dgm:txPr/>
-    <dgm:style>
-      <a:lnRef idx="0">
-        <a:scrgbClr r="0" g="0" b="0"/>
-      </a:lnRef>
-      <a:fillRef idx="1">
-        <a:scrgbClr r="0" g="0" b="0"/>
-      </a:fillRef>
-      <a:effectRef idx="2">
-        <a:scrgbClr r="0" g="0" b="0"/>
-      </a:effectRef>
-      <a:fontRef idx="minor"/>
-    </dgm:style>
-  </dgm:styleLbl>
-  <dgm:styleLbl name="alignImgPlace1">
-    <dgm:scene3d>
-      <a:camera prst="orthographicFront"/>
-      <a:lightRig rig="threePt" dir="t"/>
-    </dgm:scene3d>
-    <dgm:sp3d/>
-    <dgm:txPr/>
-    <dgm:style>
-      <a:lnRef idx="0">
-        <a:scrgbClr r="0" g="0" b="0"/>
-      </a:lnRef>
-      <a:fillRef idx="1">
-        <a:scrgbClr r="0" g="0" b="0"/>
-      </a:fillRef>
-      <a:effectRef idx="2">
-        <a:scrgbClr r="0" g="0" b="0"/>
-      </a:effectRef>
-      <a:fontRef idx="minor"/>
-    </dgm:style>
-  </dgm:styleLbl>
-  <dgm:styleLbl name="bgImgPlace1">
-    <dgm:scene3d>
-      <a:camera prst="orthographicFront"/>
-      <a:lightRig rig="threePt" dir="t"/>
-    </dgm:scene3d>
-    <dgm:sp3d/>
-    <dgm:txPr/>
-    <dgm:style>
-      <a:lnRef idx="0">
-        <a:scrgbClr r="0" g="0" b="0"/>
-      </a:lnRef>
-      <a:fillRef idx="1">
-        <a:scrgbClr r="0" g="0" b="0"/>
-      </a:fillRef>
-      <a:effectRef idx="2">
-        <a:scrgbClr r="0" g="0" b="0"/>
-      </a:effectRef>
-      <a:fontRef idx="minor"/>
-    </dgm:style>
-  </dgm:styleLbl>
-  <dgm:styleLbl name="sibTrans2D1">
-    <dgm:scene3d>
-      <a:camera prst="orthographicFront"/>
-      <a:lightRig rig="threePt" dir="t"/>
-    </dgm:scene3d>
-    <dgm:sp3d/>
-    <dgm:txPr/>
-    <dgm:style>
-      <a:lnRef idx="0">
-        <a:scrgbClr r="0" g="0" b="0"/>
-      </a:lnRef>
-      <a:fillRef idx="3">
-        <a:scrgbClr r="0" g="0" b="0"/>
-      </a:fillRef>
-      <a:effectRef idx="2">
-        <a:scrgbClr r="0" g="0" b="0"/>
-      </a:effectRef>
-      <a:fontRef idx="minor">
-        <a:schemeClr val="lt1"/>
-      </a:fontRef>
-    </dgm:style>
-  </dgm:styleLbl>
-  <dgm:styleLbl name="fgSibTrans2D1">
-    <dgm:scene3d>
-      <a:camera prst="orthographicFront"/>
-      <a:lightRig rig="threePt" dir="t"/>
-    </dgm:scene3d>
-    <dgm:sp3d/>
-    <dgm:txPr/>
-    <dgm:style>
-      <a:lnRef idx="0">
-        <a:scrgbClr r="0" g="0" b="0"/>
-      </a:lnRef>
-      <a:fillRef idx="3">
-        <a:scrgbClr r="0" g="0" b="0"/>
-      </a:fillRef>
-      <a:effectRef idx="2">
-        <a:scrgbClr r="0" g="0" b="0"/>
-      </a:effectRef>
-      <a:fontRef idx="minor">
-        <a:schemeClr val="lt1"/>
-      </a:fontRef>
-    </dgm:style>
-  </dgm:styleLbl>
-  <dgm:styleLbl name="bgSibTrans2D1">
-    <dgm:scene3d>
-      <a:camera prst="orthographicFront"/>
-      <a:lightRig rig="threePt" dir="t"/>
-    </dgm:scene3d>
-    <dgm:sp3d/>
-    <dgm:txPr/>
-    <dgm:style>
-      <a:lnRef idx="0">
-        <a:scrgbClr r="0" g="0" b="0"/>
-      </a:lnRef>
-      <a:fillRef idx="3">
-        <a:scrgbClr r="0" g="0" b="0"/>
-      </a:fillRef>
-      <a:effectRef idx="2">
-        <a:scrgbClr r="0" g="0" b="0"/>
-      </a:effectRef>
-      <a:fontRef idx="minor">
-        <a:schemeClr val="lt1"/>
-      </a:fontRef>
-    </dgm:style>
-  </dgm:styleLbl>
-  <dgm:styleLbl name="sibTrans1D1">
-    <dgm:scene3d>
-      <a:camera prst="orthographicFront"/>
-      <a:lightRig rig="threePt" dir="t"/>
-    </dgm:scene3d>
-    <dgm:sp3d/>
-    <dgm:txPr/>
-    <dgm:style>
-      <a:lnRef idx="1">
-        <a:scrgbClr r="0" g="0" b="0"/>
-      </a:lnRef>
-      <a:fillRef idx="0">
-        <a:scrgbClr r="0" g="0" b="0"/>
-      </a:fillRef>
-      <a:effectRef idx="0">
-        <a:scrgbClr r="0" g="0" b="0"/>
-      </a:effectRef>
-      <a:fontRef idx="minor"/>
-    </dgm:style>
-  </dgm:styleLbl>
-  <dgm:styleLbl name="callout">
-    <dgm:scene3d>
-      <a:camera prst="orthographicFront"/>
-      <a:lightRig rig="threePt" dir="t"/>
-    </dgm:scene3d>
-    <dgm:sp3d/>
-    <dgm:txPr/>
-    <dgm:style>
-      <a:lnRef idx="2">
-        <a:scrgbClr r="0" g="0" b="0"/>
-      </a:lnRef>
-      <a:fillRef idx="1">
-        <a:scrgbClr r="0" g="0" b="0"/>
-      </a:fillRef>
-      <a:effectRef idx="1">
-        <a:scrgbClr r="0" g="0" b="0"/>
-      </a:effectRef>
-      <a:fontRef idx="minor"/>
-    </dgm:style>
-  </dgm:styleLbl>
-  <dgm:styleLbl name="asst0">
-    <dgm:scene3d>
-      <a:camera prst="orthographicFront"/>
-      <a:lightRig rig="threePt" dir="t"/>
-    </dgm:scene3d>
-    <dgm:sp3d/>
-    <dgm:txPr/>
-    <dgm:style>
-      <a:lnRef idx="0">
-        <a:scrgbClr r="0" g="0" b="0"/>
-      </a:lnRef>
-      <a:fillRef idx="3">
-        <a:scrgbClr r="0" g="0" b="0"/>
-      </a:fillRef>
-      <a:effectRef idx="2">
-        <a:scrgbClr r="0" g="0" b="0"/>
-      </a:effectRef>
-      <a:fontRef idx="minor">
-        <a:schemeClr val="lt1"/>
-      </a:fontRef>
-    </dgm:style>
-  </dgm:styleLbl>
-  <dgm:styleLbl name="asst1">
-    <dgm:scene3d>
-      <a:camera prst="orthographicFront"/>
-      <a:lightRig rig="threePt" dir="t"/>
-    </dgm:scene3d>
-    <dgm:sp3d/>
-    <dgm:txPr/>
-    <dgm:style>
-      <a:lnRef idx="0">
-        <a:scrgbClr r="0" g="0" b="0"/>
-      </a:lnRef>
-      <a:fillRef idx="3">
-        <a:scrgbClr r="0" g="0" b="0"/>
-      </a:fillRef>
-      <a:effectRef idx="2">
-        <a:scrgbClr r="0" g="0" b="0"/>
-      </a:effectRef>
-      <a:fontRef idx="minor">
-        <a:schemeClr val="lt1"/>
-      </a:fontRef>
-    </dgm:style>
-  </dgm:styleLbl>
-  <dgm:styleLbl name="asst2">
-    <dgm:scene3d>
-      <a:camera prst="orthographicFront"/>
-      <a:lightRig rig="threePt" dir="t"/>
-    </dgm:scene3d>
-    <dgm:sp3d/>
-    <dgm:txPr/>
-    <dgm:style>
-      <a:lnRef idx="0">
-        <a:scrgbClr r="0" g="0" b="0"/>
-      </a:lnRef>
-      <a:fillRef idx="3">
-        <a:scrgbClr r="0" g="0" b="0"/>
-      </a:fillRef>
-      <a:effectRef idx="2">
-        <a:scrgbClr r="0" g="0" b="0"/>
-      </a:effectRef>
-      <a:fontRef idx="minor">
-        <a:schemeClr val="lt1"/>
-      </a:fontRef>
-    </dgm:style>
-  </dgm:styleLbl>
-  <dgm:styleLbl name="asst3">
-    <dgm:scene3d>
-      <a:camera prst="orthographicFront"/>
-      <a:lightRig rig="threePt" dir="t"/>
-    </dgm:scene3d>
-    <dgm:sp3d/>
-    <dgm:txPr/>
-    <dgm:style>
-      <a:lnRef idx="0">
-        <a:scrgbClr r="0" g="0" b="0"/>
-      </a:lnRef>
-      <a:fillRef idx="3">
-        <a:scrgbClr r="0" g="0" b="0"/>
-      </a:fillRef>
-      <a:effectRef idx="2">
-        <a:scrgbClr r="0" g="0" b="0"/>
-      </a:effectRef>
-      <a:fontRef idx="minor">
-        <a:schemeClr val="lt1"/>
-      </a:fontRef>
-    </dgm:style>
-  </dgm:styleLbl>
-  <dgm:styleLbl name="asst4">
-    <dgm:scene3d>
-      <a:camera prst="orthographicFront"/>
-      <a:lightRig rig="threePt" dir="t"/>
-    </dgm:scene3d>
-    <dgm:sp3d/>
-    <dgm:txPr/>
-    <dgm:style>
-      <a:lnRef idx="0">
-        <a:scrgbClr r="0" g="0" b="0"/>
-      </a:lnRef>
-      <a:fillRef idx="3">
-        <a:scrgbClr r="0" g="0" b="0"/>
-      </a:fillRef>
-      <a:effectRef idx="2">
-        <a:scrgbClr r="0" g="0" b="0"/>
-      </a:effectRef>
-      <a:fontRef idx="minor">
-        <a:schemeClr val="lt1"/>
-      </a:fontRef>
-    </dgm:style>
-  </dgm:styleLbl>
-  <dgm:styleLbl name="parChTrans2D1">
-    <dgm:scene3d>
-      <a:camera prst="orthographicFront"/>
-      <a:lightRig rig="threePt" dir="t"/>
-    </dgm:scene3d>
-    <dgm:sp3d/>
-    <dgm:txPr/>
-    <dgm:style>
-      <a:lnRef idx="0">
-        <a:scrgbClr r="0" g="0" b="0"/>
-      </a:lnRef>
-      <a:fillRef idx="3">
-        <a:scrgbClr r="0" g="0" b="0"/>
-      </a:fillRef>
-      <a:effectRef idx="2">
-        <a:scrgbClr r="0" g="0" b="0"/>
-      </a:effectRef>
-      <a:fontRef idx="minor">
-        <a:schemeClr val="lt1"/>
-      </a:fontRef>
-    </dgm:style>
-  </dgm:styleLbl>
-  <dgm:styleLbl name="parChTrans2D2">
-    <dgm:scene3d>
-      <a:camera prst="orthographicFront"/>
-      <a:lightRig rig="threePt" dir="t"/>
-    </dgm:scene3d>
-    <dgm:sp3d/>
-    <dgm:txPr/>
-    <dgm:style>
-      <a:lnRef idx="0">
-        <a:scrgbClr r="0" g="0" b="0"/>
-      </a:lnRef>
-      <a:fillRef idx="3">
-        <a:scrgbClr r="0" g="0" b="0"/>
-      </a:fillRef>
-      <a:effectRef idx="2">
-        <a:scrgbClr r="0" g="0" b="0"/>
-      </a:effectRef>
-      <a:fontRef idx="minor">
-        <a:schemeClr val="lt1"/>
-      </a:fontRef>
-    </dgm:style>
-  </dgm:styleLbl>
-  <dgm:styleLbl name="parChTrans2D3">
-    <dgm:scene3d>
-      <a:camera prst="orthographicFront"/>
-      <a:lightRig rig="threePt" dir="t"/>
-    </dgm:scene3d>
-    <dgm:sp3d/>
-    <dgm:txPr/>
-    <dgm:style>
-      <a:lnRef idx="1">
-        <a:scrgbClr r="0" g="0" b="0"/>
-      </a:lnRef>
-      <a:fillRef idx="3">
-        <a:scrgbClr r="0" g="0" b="0"/>
-      </a:fillRef>
-      <a:effectRef idx="2">
-        <a:scrgbClr r="0" g="0" b="0"/>
-      </a:effectRef>
-      <a:fontRef idx="minor">
-        <a:schemeClr val="lt1"/>
-      </a:fontRef>
-    </dgm:style>
-  </dgm:styleLbl>
-  <dgm:styleLbl name="parChTrans2D4">
-    <dgm:scene3d>
-      <a:camera prst="orthographicFront"/>
-      <a:lightRig rig="threePt" dir="t"/>
-    </dgm:scene3d>
-    <dgm:sp3d/>
-    <dgm:txPr/>
-    <dgm:style>
-      <a:lnRef idx="1">
-        <a:scrgbClr r="0" g="0" b="0"/>
-      </a:lnRef>
-      <a:fillRef idx="3">
-        <a:scrgbClr r="0" g="0" b="0"/>
-      </a:fillRef>
-      <a:effectRef idx="2">
-        <a:scrgbClr r="0" g="0" b="0"/>
-      </a:effectRef>
-      <a:fontRef idx="minor">
-        <a:schemeClr val="lt1"/>
-      </a:fontRef>
-    </dgm:style>
-  </dgm:styleLbl>
-  <dgm:styleLbl name="parChTrans1D1">
-    <dgm:scene3d>
-      <a:camera prst="orthographicFront"/>
-      <a:lightRig rig="threePt" dir="t"/>
-    </dgm:scene3d>
-    <dgm:sp3d/>
-    <dgm:txPr/>
-    <dgm:style>
-      <a:lnRef idx="1">
-        <a:scrgbClr r="0" g="0" b="0"/>
-      </a:lnRef>
-      <a:fillRef idx="0">
-        <a:scrgbClr r="0" g="0" b="0"/>
-      </a:fillRef>
-      <a:effectRef idx="0">
-        <a:scrgbClr r="0" g="0" b="0"/>
-      </a:effectRef>
-      <a:fontRef idx="minor"/>
-    </dgm:style>
-  </dgm:styleLbl>
-  <dgm:styleLbl name="parChTrans1D2">
-    <dgm:scene3d>
-      <a:camera prst="orthographicFront"/>
-      <a:lightRig rig="threePt" dir="t"/>
-    </dgm:scene3d>
-    <dgm:sp3d/>
-    <dgm:txPr/>
-    <dgm:style>
-      <a:lnRef idx="1">
-        <a:scrgbClr r="0" g="0" b="0"/>
-      </a:lnRef>
-      <a:fillRef idx="0">
-        <a:scrgbClr r="0" g="0" b="0"/>
-      </a:fillRef>
-      <a:effectRef idx="0">
-        <a:scrgbClr r="0" g="0" b="0"/>
-      </a:effectRef>
-      <a:fontRef idx="minor"/>
-    </dgm:style>
-  </dgm:styleLbl>
-  <dgm:styleLbl name="parChTrans1D3">
-    <dgm:scene3d>
-      <a:camera prst="orthographicFront"/>
-      <a:lightRig rig="threePt" dir="t"/>
-    </dgm:scene3d>
-    <dgm:sp3d/>
-    <dgm:txPr/>
-    <dgm:style>
-      <a:lnRef idx="1">
-        <a:scrgbClr r="0" g="0" b="0"/>
-      </a:lnRef>
-      <a:fillRef idx="0">
-        <a:scrgbClr r="0" g="0" b="0"/>
-      </a:fillRef>
-      <a:effectRef idx="0">
-        <a:scrgbClr r="0" g="0" b="0"/>
-      </a:effectRef>
-      <a:fontRef idx="minor"/>
-    </dgm:style>
-  </dgm:styleLbl>
-  <dgm:styleLbl name="parChTrans1D4">
-    <dgm:scene3d>
-      <a:camera prst="orthographicFront"/>
-      <a:lightRig rig="threePt" dir="t"/>
-    </dgm:scene3d>
-    <dgm:sp3d/>
-    <dgm:txPr/>
-    <dgm:style>
-      <a:lnRef idx="1">
-        <a:scrgbClr r="0" g="0" b="0"/>
-      </a:lnRef>
-      <a:fillRef idx="0">
-        <a:scrgbClr r="0" g="0" b="0"/>
-      </a:fillRef>
-      <a:effectRef idx="0">
-        <a:scrgbClr r="0" g="0" b="0"/>
-      </a:effectRef>
-      <a:fontRef idx="minor"/>
-    </dgm:style>
-  </dgm:styleLbl>
-  <dgm:styleLbl name="fgAcc1">
-    <dgm:scene3d>
-      <a:camera prst="orthographicFront"/>
-      <a:lightRig rig="threePt" dir="t"/>
-    </dgm:scene3d>
-    <dgm:sp3d/>
-    <dgm:txPr/>
-    <dgm:style>
-      <a:lnRef idx="1">
-        <a:scrgbClr r="0" g="0" b="0"/>
-      </a:lnRef>
-      <a:fillRef idx="1">
-        <a:scrgbClr r="0" g="0" b="0"/>
-      </a:fillRef>
-      <a:effectRef idx="0">
-        <a:scrgbClr r="0" g="0" b="0"/>
-      </a:effectRef>
-      <a:fontRef idx="minor"/>
-    </dgm:style>
-  </dgm:styleLbl>
-  <dgm:styleLbl name="conFgAcc1">
-    <dgm:scene3d>
-      <a:camera prst="orthographicFront"/>
-      <a:lightRig rig="threePt" dir="t"/>
-    </dgm:scene3d>
-    <dgm:sp3d/>
-    <dgm:txPr/>
-    <dgm:style>
-      <a:lnRef idx="1">
-        <a:scrgbClr r="0" g="0" b="0"/>
-      </a:lnRef>
-      <a:fillRef idx="1">
-        <a:scrgbClr r="0" g="0" b="0"/>
-      </a:fillRef>
-      <a:effectRef idx="0">
-        <a:scrgbClr r="0" g="0" b="0"/>
-      </a:effectRef>
-      <a:fontRef idx="minor"/>
-    </dgm:style>
-  </dgm:styleLbl>
-  <dgm:styleLbl name="alignAcc1">
-    <dgm:scene3d>
-      <a:camera prst="orthographicFront"/>
-      <a:lightRig rig="threePt" dir="t"/>
-    </dgm:scene3d>
-    <dgm:sp3d/>
-    <dgm:txPr/>
-    <dgm:style>
-      <a:lnRef idx="1">
-        <a:scrgbClr r="0" g="0" b="0"/>
-      </a:lnRef>
-      <a:fillRef idx="1">
-        <a:scrgbClr r="0" g="0" b="0"/>
-      </a:fillRef>
-      <a:effectRef idx="0">
-        <a:scrgbClr r="0" g="0" b="0"/>
-      </a:effectRef>
-      <a:fontRef idx="minor"/>
-    </dgm:style>
-  </dgm:styleLbl>
-  <dgm:styleLbl name="trAlignAcc1">
-    <dgm:scene3d>
-      <a:camera prst="orthographicFront"/>
-      <a:lightRig rig="threePt" dir="t"/>
-    </dgm:scene3d>
-    <dgm:sp3d/>
-    <dgm:txPr/>
-    <dgm:style>
-      <a:lnRef idx="1">
-        <a:scrgbClr r="0" g="0" b="0"/>
-      </a:lnRef>
-      <a:fillRef idx="1">
-        <a:scrgbClr r="0" g="0" b="0"/>
-      </a:fillRef>
-      <a:effectRef idx="0">
-        <a:scrgbClr r="0" g="0" b="0"/>
-      </a:effectRef>
-      <a:fontRef idx="minor"/>
-    </dgm:style>
-  </dgm:styleLbl>
-  <dgm:styleLbl name="bgAcc1">
-    <dgm:scene3d>
-      <a:camera prst="orthographicFront"/>
-      <a:lightRig rig="threePt" dir="t"/>
-    </dgm:scene3d>
-    <dgm:sp3d/>
-    <dgm:txPr/>
-    <dgm:style>
-      <a:lnRef idx="1">
-        <a:scrgbClr r="0" g="0" b="0"/>
-      </a:lnRef>
-      <a:fillRef idx="1">
-        <a:scrgbClr r="0" g="0" b="0"/>
-      </a:fillRef>
-      <a:effectRef idx="0">
-        <a:scrgbClr r="0" g="0" b="0"/>
-      </a:effectRef>
-      <a:fontRef idx="minor"/>
-    </dgm:style>
-  </dgm:styleLbl>
-  <dgm:styleLbl name="solidFgAcc1">
-    <dgm:scene3d>
-      <a:camera prst="orthographicFront"/>
-      <a:lightRig rig="threePt" dir="t"/>
-    </dgm:scene3d>
-    <dgm:sp3d/>
-    <dgm:txPr/>
-    <dgm:style>
-      <a:lnRef idx="1">
-        <a:scrgbClr r="0" g="0" b="0"/>
-      </a:lnRef>
-      <a:fillRef idx="1">
-        <a:scrgbClr r="0" g="0" b="0"/>
-      </a:fillRef>
-      <a:effectRef idx="0">
-        <a:scrgbClr r="0" g="0" b="0"/>
-      </a:effectRef>
-      <a:fontRef idx="minor"/>
-    </dgm:style>
-  </dgm:styleLbl>
-  <dgm:styleLbl name="solidAlignAcc1">
-    <dgm:scene3d>
-      <a:camera prst="orthographicFront"/>
-      <a:lightRig rig="threePt" dir="t"/>
-    </dgm:scene3d>
-    <dgm:sp3d/>
-    <dgm:txPr/>
-    <dgm:style>
-      <a:lnRef idx="1">
-        <a:scrgbClr r="0" g="0" b="0"/>
-      </a:lnRef>
-      <a:fillRef idx="1">
-        <a:scrgbClr r="0" g="0" b="0"/>
-      </a:fillRef>
-      <a:effectRef idx="0">
-        <a:scrgbClr r="0" g="0" b="0"/>
-      </a:effectRef>
-      <a:fontRef idx="minor"/>
-    </dgm:style>
-  </dgm:styleLbl>
-  <dgm:styleLbl name="solidBgAcc1">
-    <dgm:scene3d>
-      <a:camera prst="orthographicFront"/>
-      <a:lightRig rig="threePt" dir="t"/>
-    </dgm:scene3d>
-    <dgm:sp3d/>
-    <dgm:txPr/>
-    <dgm:style>
-      <a:lnRef idx="1">
-        <a:scrgbClr r="0" g="0" b="0"/>
-      </a:lnRef>
-      <a:fillRef idx="1">
-        <a:scrgbClr r="0" g="0" b="0"/>
-      </a:fillRef>
-      <a:effectRef idx="0">
-        <a:scrgbClr r="0" g="0" b="0"/>
-      </a:effectRef>
-      <a:fontRef idx="minor"/>
-    </dgm:style>
-  </dgm:styleLbl>
-  <dgm:styleLbl name="fgAccFollowNode1">
-    <dgm:scene3d>
-      <a:camera prst="orthographicFront"/>
-      <a:lightRig rig="threePt" dir="t"/>
-    </dgm:scene3d>
-    <dgm:sp3d/>
-    <dgm:txPr/>
-    <dgm:style>
-      <a:lnRef idx="1">
-        <a:scrgbClr r="0" g="0" b="0"/>
-      </a:lnRef>
-      <a:fillRef idx="1">
-        <a:scrgbClr r="0" g="0" b="0"/>
-      </a:fillRef>
-      <a:effectRef idx="0">
-        <a:scrgbClr r="0" g="0" b="0"/>
-      </a:effectRef>
-      <a:fontRef idx="minor"/>
-    </dgm:style>
-  </dgm:styleLbl>
-  <dgm:styleLbl name="alignAccFollowNode1">
-    <dgm:scene3d>
-      <a:camera prst="orthographicFront"/>
-      <a:lightRig rig="threePt" dir="t"/>
-    </dgm:scene3d>
-    <dgm:sp3d/>
-    <dgm:txPr/>
-    <dgm:style>
-      <a:lnRef idx="1">
-        <a:scrgbClr r="0" g="0" b="0"/>
-      </a:lnRef>
-      <a:fillRef idx="1">
-        <a:scrgbClr r="0" g="0" b="0"/>
-      </a:fillRef>
-      <a:effectRef idx="0">
-        <a:scrgbClr r="0" g="0" b="0"/>
-      </a:effectRef>
-      <a:fontRef idx="minor"/>
-    </dgm:style>
-  </dgm:styleLbl>
-  <dgm:styleLbl name="bgAccFollowNode1">
-    <dgm:scene3d>
-      <a:camera prst="orthographicFront"/>
-      <a:lightRig rig="threePt" dir="t"/>
-    </dgm:scene3d>
-    <dgm:sp3d/>
-    <dgm:txPr/>
-    <dgm:style>
-      <a:lnRef idx="1">
-        <a:scrgbClr r="0" g="0" b="0"/>
-      </a:lnRef>
-      <a:fillRef idx="1">
-        <a:scrgbClr r="0" g="0" b="0"/>
-      </a:fillRef>
-      <a:effectRef idx="0">
-        <a:scrgbClr r="0" g="0" b="0"/>
-      </a:effectRef>
-      <a:fontRef idx="minor"/>
-    </dgm:style>
-  </dgm:styleLbl>
-  <dgm:styleLbl name="fgAcc0">
-    <dgm:scene3d>
-      <a:camera prst="orthographicFront"/>
-      <a:lightRig rig="threePt" dir="t"/>
-    </dgm:scene3d>
-    <dgm:sp3d/>
-    <dgm:txPr/>
-    <dgm:style>
-      <a:lnRef idx="1">
-        <a:scrgbClr r="0" g="0" b="0"/>
-      </a:lnRef>
-      <a:fillRef idx="1">
-        <a:scrgbClr r="0" g="0" b="0"/>
-      </a:fillRef>
-      <a:effectRef idx="0">
-        <a:scrgbClr r="0" g="0" b="0"/>
-      </a:effectRef>
-      <a:fontRef idx="minor"/>
-    </dgm:style>
-  </dgm:styleLbl>
-  <dgm:styleLbl name="fgAcc2">
-    <dgm:scene3d>
-      <a:camera prst="orthographicFront"/>
-      <a:lightRig rig="threePt" dir="t"/>
-    </dgm:scene3d>
-    <dgm:sp3d/>
-    <dgm:txPr/>
-    <dgm:style>
-      <a:lnRef idx="1">
-        <a:scrgbClr r="0" g="0" b="0"/>
-      </a:lnRef>
-      <a:fillRef idx="1">
-        <a:scrgbClr r="0" g="0" b="0"/>
-      </a:fillRef>
-      <a:effectRef idx="0">
-        <a:scrgbClr r="0" g="0" b="0"/>
-      </a:effectRef>
-      <a:fontRef idx="minor"/>
-    </dgm:style>
-  </dgm:styleLbl>
-  <dgm:styleLbl name="fgAcc3">
-    <dgm:scene3d>
-      <a:camera prst="orthographicFront"/>
-      <a:lightRig rig="threePt" dir="t"/>
-    </dgm:scene3d>
-    <dgm:sp3d/>
-    <dgm:txPr/>
-    <dgm:style>
-      <a:lnRef idx="1">
-        <a:scrgbClr r="0" g="0" b="0"/>
-      </a:lnRef>
-      <a:fillRef idx="1">
-        <a:scrgbClr r="0" g="0" b="0"/>
-      </a:fillRef>
-      <a:effectRef idx="0">
-        <a:scrgbClr r="0" g="0" b="0"/>
-      </a:effectRef>
-      <a:fontRef idx="minor"/>
-    </dgm:style>
-  </dgm:styleLbl>
-  <dgm:styleLbl name="fgAcc4">
-    <dgm:scene3d>
-      <a:camera prst="orthographicFront"/>
-      <a:lightRig rig="threePt" dir="t"/>
-    </dgm:scene3d>
-    <dgm:sp3d/>
-    <dgm:txPr/>
-    <dgm:style>
-      <a:lnRef idx="1">
-        <a:scrgbClr r="0" g="0" b="0"/>
-      </a:lnRef>
-      <a:fillRef idx="1">
-        <a:scrgbClr r="0" g="0" b="0"/>
-      </a:fillRef>
-      <a:effectRef idx="0">
-        <a:scrgbClr r="0" g="0" b="0"/>
-      </a:effectRef>
-      <a:fontRef idx="minor"/>
-    </dgm:style>
-  </dgm:styleLbl>
-  <dgm:styleLbl name="bgShp">
-    <dgm:scene3d>
-      <a:camera prst="orthographicFront"/>
-      <a:lightRig rig="threePt" dir="t"/>
-    </dgm:scene3d>
-    <dgm:sp3d/>
-    <dgm:txPr/>
-    <dgm:style>
-      <a:lnRef idx="0">
-        <a:scrgbClr r="0" g="0" b="0"/>
-      </a:lnRef>
-      <a:fillRef idx="1">
-        <a:scrgbClr r="0" g="0" b="0"/>
-      </a:fillRef>
-      <a:effectRef idx="2">
-        <a:scrgbClr r="0" g="0" b="0"/>
-      </a:effectRef>
-      <a:fontRef idx="minor"/>
-    </dgm:style>
-  </dgm:styleLbl>
-  <dgm:styleLbl name="dkBgShp">
-    <dgm:scene3d>
-      <a:camera prst="orthographicFront"/>
-      <a:lightRig rig="threePt" dir="t"/>
-    </dgm:scene3d>
-    <dgm:sp3d/>
-    <dgm:txPr/>
-    <dgm:style>
-      <a:lnRef idx="0">
-        <a:scrgbClr r="0" g="0" b="0"/>
-      </a:lnRef>
-      <a:fillRef idx="1">
-        <a:scrgbClr r="0" g="0" b="0"/>
-      </a:fillRef>
-      <a:effectRef idx="2">
-        <a:scrgbClr r="0" g="0" b="0"/>
-      </a:effectRef>
-      <a:fontRef idx="minor"/>
-    </dgm:style>
-  </dgm:styleLbl>
-  <dgm:styleLbl name="trBgShp">
-    <dgm:scene3d>
-      <a:camera prst="orthographicFront"/>
-      <a:lightRig rig="threePt" dir="t"/>
-    </dgm:scene3d>
-    <dgm:sp3d/>
-    <dgm:txPr/>
-    <dgm:style>
-      <a:lnRef idx="0">
-        <a:scrgbClr r="0" g="0" b="0"/>
-      </a:lnRef>
-      <a:fillRef idx="1">
-        <a:scrgbClr r="0" g="0" b="0"/>
-      </a:fillRef>
-      <a:effectRef idx="0">
-        <a:scrgbClr r="0" g="0" b="0"/>
-      </a:effectRef>
-      <a:fontRef idx="minor"/>
-    </dgm:style>
-  </dgm:styleLbl>
-  <dgm:styleLbl name="fgShp">
-    <dgm:scene3d>
-      <a:camera prst="orthographicFront"/>
-      <a:lightRig rig="threePt" dir="t"/>
-    </dgm:scene3d>
-    <dgm:sp3d/>
-    <dgm:txPr/>
-    <dgm:style>
-      <a:lnRef idx="0">
-        <a:scrgbClr r="0" g="0" b="0"/>
-      </a:lnRef>
-      <a:fillRef idx="3">
-        <a:scrgbClr r="0" g="0" b="0"/>
-      </a:fillRef>
-      <a:effectRef idx="2">
-        <a:scrgbClr r="0" g="0" b="0"/>
-      </a:effectRef>
-      <a:fontRef idx="minor"/>
-    </dgm:style>
-  </dgm:styleLbl>
-  <dgm:styleLbl name="revTx">
-    <dgm:scene3d>
-      <a:camera prst="orthographicFront"/>
-      <a:lightRig rig="threePt" dir="t"/>
-    </dgm:scene3d>
-    <dgm:sp3d/>
-    <dgm:txPr/>
-    <dgm:style>
-      <a:lnRef idx="0">
-        <a:scrgbClr r="0" g="0" b="0"/>
-      </a:lnRef>
-      <a:fillRef idx="0">
-        <a:scrgbClr r="0" g="0" b="0"/>
-      </a:fillRef>
-      <a:effectRef idx="0">
-        <a:scrgbClr r="0" g="0" b="0"/>
-      </a:effectRef>
-      <a:fontRef idx="minor"/>
-    </dgm:style>
-  </dgm:styleLbl>
-</dgm:styleDef>
-</file>
-
-<file path=ppt/diagrams/quickStyle4.xml><?xml version="1.0" encoding="utf-8"?>
 <dgm:styleDef xmlns:dgm="http://schemas.openxmlformats.org/drawingml/2006/diagram" xmlns:a="http://schemas.openxmlformats.org/drawingml/2006/main" uniqueId="urn:microsoft.com/office/officeart/2005/8/quickstyle/simple1">
   <dgm:title val=""/>
   <dgm:desc val=""/>
@@ -15686,7 +11468,7 @@
 </dgm:styleDef>
 </file>
 
-<file path=ppt/diagrams/quickStyle5.xml><?xml version="1.0" encoding="utf-8"?>
+<file path=ppt/diagrams/quickStyle4.xml><?xml version="1.0" encoding="utf-8"?>
 <dgm:styleDef xmlns:dgm="http://schemas.openxmlformats.org/drawingml/2006/diagram" xmlns:a="http://schemas.openxmlformats.org/drawingml/2006/main" uniqueId="urn:microsoft.com/office/officeart/2005/8/quickstyle/simple1">
   <dgm:title val=""/>
   <dgm:desc val=""/>
@@ -23261,162 +19043,6 @@
           <a:chExt cx="0" cy="0"/>
         </a:xfrm>
       </p:grpSpPr>
-      <p:pic>
-        <p:nvPicPr>
-          <p:cNvPr id="6" name="Picture 5">
-            <a:extLst>
-              <a:ext uri="{FF2B5EF4-FFF2-40B4-BE49-F238E27FC236}">
-                <a16:creationId xmlns:a16="http://schemas.microsoft.com/office/drawing/2014/main" id="{DA4EAF1C-DE4A-42AB-0D3E-C659CD1AEB44}"/>
-              </a:ext>
-            </a:extLst>
-          </p:cNvPr>
-          <p:cNvPicPr>
-            <a:picLocks noChangeAspect="1"/>
-          </p:cNvPicPr>
-          <p:nvPr/>
-        </p:nvPicPr>
-        <p:blipFill rotWithShape="1">
-          <a:blip r:embed="rId3">
-            <a:duotone>
-              <a:prstClr val="black"/>
-              <a:schemeClr val="accent5">
-                <a:tint val="45000"/>
-                <a:satMod val="400000"/>
-              </a:schemeClr>
-            </a:duotone>
-            <a:alphaModFix amt="15000"/>
-          </a:blip>
-          <a:srcRect/>
-          <a:stretch/>
-        </p:blipFill>
-        <p:spPr>
-          <a:xfrm>
-            <a:off x="20" y="10"/>
-            <a:ext cx="12191980" cy="6857990"/>
-          </a:xfrm>
-          <a:prstGeom prst="rect">
-            <a:avLst/>
-          </a:prstGeom>
-        </p:spPr>
-      </p:pic>
-      <p:sp>
-        <p:nvSpPr>
-          <p:cNvPr id="2" name="Title 1">
-            <a:extLst>
-              <a:ext uri="{FF2B5EF4-FFF2-40B4-BE49-F238E27FC236}">
-                <a16:creationId xmlns:a16="http://schemas.microsoft.com/office/drawing/2014/main" id="{6268230C-B95D-4E28-A4AE-DA16E89406D8}"/>
-              </a:ext>
-            </a:extLst>
-          </p:cNvPr>
-          <p:cNvSpPr>
-            <a:spLocks noGrp="1"/>
-          </p:cNvSpPr>
-          <p:nvPr>
-            <p:ph type="title"/>
-          </p:nvPr>
-        </p:nvSpPr>
-        <p:spPr/>
-        <p:txBody>
-          <a:bodyPr>
-            <a:normAutofit/>
-          </a:bodyPr>
-          <a:lstStyle/>
-          <a:p>
-            <a:r>
-              <a:rPr lang="en-US" b="0" i="0" u="none" strike="noStrike" baseline="0">
-                <a:latin typeface="Century Gothic" panose="020B0502020202020204" pitchFamily="34" charset="0"/>
-              </a:rPr>
-              <a:t>A LOT OFBENEFITS</a:t>
-            </a:r>
-            <a:endParaRPr lang="en-US"/>
-          </a:p>
-        </p:txBody>
-      </p:sp>
-      <p:graphicFrame>
-        <p:nvGraphicFramePr>
-          <p:cNvPr id="5" name="Content Placeholder 2">
-            <a:extLst>
-              <a:ext uri="{FF2B5EF4-FFF2-40B4-BE49-F238E27FC236}">
-                <a16:creationId xmlns:a16="http://schemas.microsoft.com/office/drawing/2014/main" id="{CFAB4F1E-AFE5-14AA-4595-DA50DBC71918}"/>
-              </a:ext>
-            </a:extLst>
-          </p:cNvPr>
-          <p:cNvGraphicFramePr>
-            <a:graphicFrameLocks noGrp="1"/>
-          </p:cNvGraphicFramePr>
-          <p:nvPr>
-            <p:ph idx="1"/>
-            <p:extLst>
-              <p:ext uri="{D42A27DB-BD31-4B8C-83A1-F6EECF244321}">
-                <p14:modId xmlns:p14="http://schemas.microsoft.com/office/powerpoint/2010/main" val="295434659"/>
-              </p:ext>
-            </p:extLst>
-          </p:nvPr>
-        </p:nvGraphicFramePr>
-        <p:xfrm>
-          <a:off x="1103313" y="2052638"/>
-          <a:ext cx="8947150" cy="4195762"/>
-        </p:xfrm>
-        <a:graphic>
-          <a:graphicData uri="http://schemas.openxmlformats.org/drawingml/2006/diagram">
-            <dgm:relIds xmlns:dgm="http://schemas.openxmlformats.org/drawingml/2006/diagram" xmlns:r="http://schemas.openxmlformats.org/officeDocument/2006/relationships" r:dm="rId4" r:lo="rId5" r:qs="rId6" r:cs="rId7"/>
-          </a:graphicData>
-        </a:graphic>
-      </p:graphicFrame>
-    </p:spTree>
-    <p:extLst>
-      <p:ext uri="{BB962C8B-B14F-4D97-AF65-F5344CB8AC3E}">
-        <p14:creationId xmlns:p14="http://schemas.microsoft.com/office/powerpoint/2010/main" val="2799048442"/>
-      </p:ext>
-    </p:extLst>
-  </p:cSld>
-  <p:clrMapOvr>
-    <a:masterClrMapping/>
-  </p:clrMapOvr>
-</p:sld>
-</file>
-
-<file path=ppt/slides/slide5.xml><?xml version="1.0" encoding="utf-8"?>
-<p:sld xmlns:a="http://schemas.openxmlformats.org/drawingml/2006/main" xmlns:r="http://schemas.openxmlformats.org/officeDocument/2006/relationships" xmlns:p="http://schemas.openxmlformats.org/presentationml/2006/main">
-  <p:cSld>
-    <p:bg>
-      <p:bgPr>
-        <a:blipFill rotWithShape="1">
-          <a:blip r:embed="rId2">
-            <a:duotone>
-              <a:schemeClr val="bg2">
-                <a:shade val="62000"/>
-                <a:hueMod val="108000"/>
-                <a:satMod val="164000"/>
-                <a:lumMod val="69000"/>
-              </a:schemeClr>
-              <a:schemeClr val="bg2">
-                <a:tint val="96000"/>
-                <a:hueMod val="90000"/>
-                <a:satMod val="130000"/>
-                <a:lumMod val="134000"/>
-              </a:schemeClr>
-            </a:duotone>
-          </a:blip>
-          <a:stretch/>
-        </a:blipFill>
-        <a:effectLst/>
-      </p:bgPr>
-    </p:bg>
-    <p:spTree>
-      <p:nvGrpSpPr>
-        <p:cNvPr id="1" name=""/>
-        <p:cNvGrpSpPr/>
-        <p:nvPr/>
-      </p:nvGrpSpPr>
-      <p:grpSpPr>
-        <a:xfrm>
-          <a:off x="0" y="0"/>
-          <a:ext cx="0" cy="0"/>
-          <a:chOff x="0" y="0"/>
-          <a:chExt cx="0" cy="0"/>
-        </a:xfrm>
-      </p:grpSpPr>
       <p:sp>
         <p:nvSpPr>
           <p:cNvPr id="2" name="Title 1">
@@ -23514,7 +19140,7 @@
 </p:sld>
 </file>
 
-<file path=ppt/slides/slide6.xml><?xml version="1.0" encoding="utf-8"?>
+<file path=ppt/slides/slide5.xml><?xml version="1.0" encoding="utf-8"?>
 <p:sld xmlns:a="http://schemas.openxmlformats.org/drawingml/2006/main" xmlns:r="http://schemas.openxmlformats.org/officeDocument/2006/relationships" xmlns:p="http://schemas.openxmlformats.org/presentationml/2006/main">
   <p:cSld>
     <p:bg>
